--- a/files/Doc/main.pptx
+++ b/files/Doc/main.pptx
@@ -115,6 +115,11 @@
       </a:defRPr>
     </a:lvl9pPr>
   </p:defaultTextStyle>
+  <p:extLst>
+    <p:ext uri="{EFAFB233-063F-42B5-8137-9DF3F51BA10A}">
+      <p15:sldGuideLst xmlns:p15="http://schemas.microsoft.com/office/powerpoint/2012/main"/>
+    </p:ext>
+  </p:extLst>
 </p:presentation>
 </file>
 
@@ -304,7 +309,7 @@
           <a:p>
             <a:fld id="{4091D2CA-9843-40F6-B137-C6E50C4B2C70}" type="datetimeFigureOut">
               <a:rPr lang="ru-RU" smtClean="0"/>
-              <a:t>02.12.2019</a:t>
+              <a:t>14.12.2019</a:t>
             </a:fld>
             <a:endParaRPr lang="ru-RU"/>
           </a:p>
@@ -579,7 +584,7 @@
           <a:p>
             <a:fld id="{4091D2CA-9843-40F6-B137-C6E50C4B2C70}" type="datetimeFigureOut">
               <a:rPr lang="ru-RU" smtClean="0"/>
-              <a:t>02.12.2019</a:t>
+              <a:t>14.12.2019</a:t>
             </a:fld>
             <a:endParaRPr lang="ru-RU"/>
           </a:p>
@@ -773,7 +778,7 @@
           <a:p>
             <a:fld id="{4091D2CA-9843-40F6-B137-C6E50C4B2C70}" type="datetimeFigureOut">
               <a:rPr lang="ru-RU" smtClean="0"/>
-              <a:t>02.12.2019</a:t>
+              <a:t>14.12.2019</a:t>
             </a:fld>
             <a:endParaRPr lang="ru-RU"/>
           </a:p>
@@ -1046,7 +1051,7 @@
           <a:p>
             <a:fld id="{4091D2CA-9843-40F6-B137-C6E50C4B2C70}" type="datetimeFigureOut">
               <a:rPr lang="ru-RU" smtClean="0"/>
-              <a:t>02.12.2019</a:t>
+              <a:t>14.12.2019</a:t>
             </a:fld>
             <a:endParaRPr lang="ru-RU"/>
           </a:p>
@@ -1387,7 +1392,7 @@
           <a:p>
             <a:fld id="{4091D2CA-9843-40F6-B137-C6E50C4B2C70}" type="datetimeFigureOut">
               <a:rPr lang="ru-RU" smtClean="0"/>
-              <a:t>02.12.2019</a:t>
+              <a:t>14.12.2019</a:t>
             </a:fld>
             <a:endParaRPr lang="ru-RU"/>
           </a:p>
@@ -2010,7 +2015,7 @@
           <a:p>
             <a:fld id="{4091D2CA-9843-40F6-B137-C6E50C4B2C70}" type="datetimeFigureOut">
               <a:rPr lang="ru-RU" smtClean="0"/>
-              <a:t>02.12.2019</a:t>
+              <a:t>14.12.2019</a:t>
             </a:fld>
             <a:endParaRPr lang="ru-RU"/>
           </a:p>
@@ -2870,7 +2875,7 @@
           <a:p>
             <a:fld id="{4091D2CA-9843-40F6-B137-C6E50C4B2C70}" type="datetimeFigureOut">
               <a:rPr lang="ru-RU" smtClean="0"/>
-              <a:t>02.12.2019</a:t>
+              <a:t>14.12.2019</a:t>
             </a:fld>
             <a:endParaRPr lang="ru-RU"/>
           </a:p>
@@ -3040,7 +3045,7 @@
           <a:p>
             <a:fld id="{4091D2CA-9843-40F6-B137-C6E50C4B2C70}" type="datetimeFigureOut">
               <a:rPr lang="ru-RU" smtClean="0"/>
-              <a:t>02.12.2019</a:t>
+              <a:t>14.12.2019</a:t>
             </a:fld>
             <a:endParaRPr lang="ru-RU"/>
           </a:p>
@@ -3220,7 +3225,7 @@
           <a:p>
             <a:fld id="{4091D2CA-9843-40F6-B137-C6E50C4B2C70}" type="datetimeFigureOut">
               <a:rPr lang="ru-RU" smtClean="0"/>
-              <a:t>02.12.2019</a:t>
+              <a:t>14.12.2019</a:t>
             </a:fld>
             <a:endParaRPr lang="ru-RU"/>
           </a:p>
@@ -3390,7 +3395,7 @@
           <a:p>
             <a:fld id="{4091D2CA-9843-40F6-B137-C6E50C4B2C70}" type="datetimeFigureOut">
               <a:rPr lang="ru-RU" smtClean="0"/>
-              <a:t>02.12.2019</a:t>
+              <a:t>14.12.2019</a:t>
             </a:fld>
             <a:endParaRPr lang="ru-RU"/>
           </a:p>
@@ -3637,7 +3642,7 @@
           <a:p>
             <a:fld id="{4091D2CA-9843-40F6-B137-C6E50C4B2C70}" type="datetimeFigureOut">
               <a:rPr lang="ru-RU" smtClean="0"/>
-              <a:t>02.12.2019</a:t>
+              <a:t>14.12.2019</a:t>
             </a:fld>
             <a:endParaRPr lang="ru-RU"/>
           </a:p>
@@ -3929,7 +3934,7 @@
           <a:p>
             <a:fld id="{4091D2CA-9843-40F6-B137-C6E50C4B2C70}" type="datetimeFigureOut">
               <a:rPr lang="ru-RU" smtClean="0"/>
-              <a:t>02.12.2019</a:t>
+              <a:t>14.12.2019</a:t>
             </a:fld>
             <a:endParaRPr lang="ru-RU"/>
           </a:p>
@@ -4373,7 +4378,7 @@
           <a:p>
             <a:fld id="{4091D2CA-9843-40F6-B137-C6E50C4B2C70}" type="datetimeFigureOut">
               <a:rPr lang="ru-RU" smtClean="0"/>
-              <a:t>02.12.2019</a:t>
+              <a:t>14.12.2019</a:t>
             </a:fld>
             <a:endParaRPr lang="ru-RU"/>
           </a:p>
@@ -4491,7 +4496,7 @@
           <a:p>
             <a:fld id="{4091D2CA-9843-40F6-B137-C6E50C4B2C70}" type="datetimeFigureOut">
               <a:rPr lang="ru-RU" smtClean="0"/>
-              <a:t>02.12.2019</a:t>
+              <a:t>14.12.2019</a:t>
             </a:fld>
             <a:endParaRPr lang="ru-RU"/>
           </a:p>
@@ -4586,7 +4591,7 @@
           <a:p>
             <a:fld id="{4091D2CA-9843-40F6-B137-C6E50C4B2C70}" type="datetimeFigureOut">
               <a:rPr lang="ru-RU" smtClean="0"/>
-              <a:t>02.12.2019</a:t>
+              <a:t>14.12.2019</a:t>
             </a:fld>
             <a:endParaRPr lang="ru-RU"/>
           </a:p>
@@ -4865,7 +4870,7 @@
           <a:p>
             <a:fld id="{4091D2CA-9843-40F6-B137-C6E50C4B2C70}" type="datetimeFigureOut">
               <a:rPr lang="ru-RU" smtClean="0"/>
-              <a:t>02.12.2019</a:t>
+              <a:t>14.12.2019</a:t>
             </a:fld>
             <a:endParaRPr lang="ru-RU"/>
           </a:p>
@@ -5140,7 +5145,7 @@
           <a:p>
             <a:fld id="{4091D2CA-9843-40F6-B137-C6E50C4B2C70}" type="datetimeFigureOut">
               <a:rPr lang="ru-RU" smtClean="0"/>
-              <a:t>02.12.2019</a:t>
+              <a:t>14.12.2019</a:t>
             </a:fld>
             <a:endParaRPr lang="ru-RU"/>
           </a:p>
@@ -5569,7 +5574,7 @@
           <a:p>
             <a:fld id="{4091D2CA-9843-40F6-B137-C6E50C4B2C70}" type="datetimeFigureOut">
               <a:rPr lang="ru-RU" smtClean="0"/>
-              <a:t>02.12.2019</a:t>
+              <a:t>14.12.2019</a:t>
             </a:fld>
             <a:endParaRPr lang="ru-RU"/>
           </a:p>
@@ -6180,26 +6185,8 @@
                 <a:latin typeface="Times New Roman" panose="02020603050405020304" pitchFamily="18" charset="0"/>
                 <a:cs typeface="Times New Roman" panose="02020603050405020304" pitchFamily="18" charset="0"/>
               </a:rPr>
-              <a:t>Кафедра </a:t>
-            </a:r>
-            <a:r>
-              <a:rPr lang="uk-UA" sz="2000" dirty="0" smtClean="0">
-                <a:latin typeface="Times New Roman" panose="02020603050405020304" pitchFamily="18" charset="0"/>
-                <a:cs typeface="Times New Roman" panose="02020603050405020304" pitchFamily="18" charset="0"/>
-              </a:rPr>
-              <a:t>інженерної </a:t>
-            </a:r>
-            <a:r>
-              <a:rPr lang="uk-UA" sz="2000" dirty="0" smtClean="0">
-                <a:latin typeface="Times New Roman" panose="02020603050405020304" pitchFamily="18" charset="0"/>
-                <a:cs typeface="Times New Roman" panose="02020603050405020304" pitchFamily="18" charset="0"/>
-              </a:rPr>
-              <a:t>геодезії</a:t>
-            </a:r>
-            <a:endParaRPr lang="uk-UA" sz="2000" dirty="0" smtClean="0">
-              <a:latin typeface="Times New Roman" panose="02020603050405020304" pitchFamily="18" charset="0"/>
-              <a:cs typeface="Times New Roman" panose="02020603050405020304" pitchFamily="18" charset="0"/>
-            </a:endParaRPr>
+              <a:t>Кафедра інженерної геодезії</a:t>
+            </a:r>
           </a:p>
         </p:txBody>
       </p:sp>

--- a/files/Doc/main.pptx
+++ b/files/Doc/main.pptx
@@ -2,7 +2,7 @@
 <file path=ppt/presentation.xml><?xml version="1.0" encoding="utf-8"?>
 <p:presentation xmlns:a="http://schemas.openxmlformats.org/drawingml/2006/main" xmlns:r="http://schemas.openxmlformats.org/officeDocument/2006/relationships" xmlns:p="http://schemas.openxmlformats.org/presentationml/2006/main" saveSubsetFonts="1">
   <p:sldMasterIdLst>
-    <p:sldMasterId id="2147483912" r:id="rId1"/>
+    <p:sldMasterId id="2147483930" r:id="rId1"/>
   </p:sldMasterIdLst>
   <p:sldIdLst>
     <p:sldId id="257" r:id="rId2"/>
@@ -13,10 +13,13 @@
     <p:sldId id="260" r:id="rId7"/>
     <p:sldId id="261" r:id="rId8"/>
     <p:sldId id="263" r:id="rId9"/>
-    <p:sldId id="264" r:id="rId10"/>
-    <p:sldId id="265" r:id="rId11"/>
-    <p:sldId id="268" r:id="rId12"/>
-    <p:sldId id="267" r:id="rId13"/>
+    <p:sldId id="269" r:id="rId10"/>
+    <p:sldId id="264" r:id="rId11"/>
+    <p:sldId id="265" r:id="rId12"/>
+    <p:sldId id="268" r:id="rId13"/>
+    <p:sldId id="267" r:id="rId14"/>
+    <p:sldId id="270" r:id="rId15"/>
+    <p:sldId id="271" r:id="rId16"/>
   </p:sldIdLst>
   <p:sldSz cx="12192000" cy="6858000"/>
   <p:notesSz cx="6858000" cy="9144000"/>
@@ -195,10 +198,7 @@
               <a:buNone/>
               <a:defRPr cap="all">
                 <a:solidFill>
-                  <a:schemeClr val="bg2">
-                    <a:lumMod val="40000"/>
-                    <a:lumOff val="60000"/>
-                  </a:schemeClr>
+                  <a:schemeClr val="accent1"/>
                 </a:solidFill>
               </a:defRPr>
             </a:lvl1pPr>
@@ -309,7 +309,7 @@
           <a:p>
             <a:fld id="{4091D2CA-9843-40F6-B137-C6E50C4B2C70}" type="datetimeFigureOut">
               <a:rPr lang="ru-RU" smtClean="0"/>
-              <a:t>14.12.2019</a:t>
+              <a:t>15.12.2019</a:t>
             </a:fld>
             <a:endParaRPr lang="ru-RU"/>
           </a:p>
@@ -360,7 +360,7 @@
     </p:spTree>
     <p:extLst>
       <p:ext uri="{BB962C8B-B14F-4D97-AF65-F5344CB8AC3E}">
-        <p14:creationId xmlns:p14="http://schemas.microsoft.com/office/powerpoint/2010/main" val="2533898455"/>
+        <p14:creationId xmlns:p14="http://schemas.microsoft.com/office/powerpoint/2010/main" val="3391487984"/>
       </p:ext>
     </p:extLst>
   </p:cSld>
@@ -584,7 +584,7 @@
           <a:p>
             <a:fld id="{4091D2CA-9843-40F6-B137-C6E50C4B2C70}" type="datetimeFigureOut">
               <a:rPr lang="ru-RU" smtClean="0"/>
-              <a:t>14.12.2019</a:t>
+              <a:t>15.12.2019</a:t>
             </a:fld>
             <a:endParaRPr lang="ru-RU"/>
           </a:p>
@@ -635,7 +635,7 @@
     </p:spTree>
     <p:extLst>
       <p:ext uri="{BB962C8B-B14F-4D97-AF65-F5344CB8AC3E}">
-        <p14:creationId xmlns:p14="http://schemas.microsoft.com/office/powerpoint/2010/main" val="381875225"/>
+        <p14:creationId xmlns:p14="http://schemas.microsoft.com/office/powerpoint/2010/main" val="182810278"/>
       </p:ext>
     </p:extLst>
   </p:cSld>
@@ -778,7 +778,7 @@
           <a:p>
             <a:fld id="{4091D2CA-9843-40F6-B137-C6E50C4B2C70}" type="datetimeFigureOut">
               <a:rPr lang="ru-RU" smtClean="0"/>
-              <a:t>14.12.2019</a:t>
+              <a:t>15.12.2019</a:t>
             </a:fld>
             <a:endParaRPr lang="ru-RU"/>
           </a:p>
@@ -829,7 +829,7 @@
     </p:spTree>
     <p:extLst>
       <p:ext uri="{BB962C8B-B14F-4D97-AF65-F5344CB8AC3E}">
-        <p14:creationId xmlns:p14="http://schemas.microsoft.com/office/powerpoint/2010/main" val="3274607031"/>
+        <p14:creationId xmlns:p14="http://schemas.microsoft.com/office/powerpoint/2010/main" val="1097442687"/>
       </p:ext>
     </p:extLst>
   </p:cSld>
@@ -890,12 +890,12 @@
       </p:sp>
       <p:sp>
         <p:nvSpPr>
-          <p:cNvPr id="11" name="Text Placeholder 3"/>
+          <p:cNvPr id="14" name="Text Placeholder 3"/>
           <p:cNvSpPr>
             <a:spLocks noGrp="1"/>
           </p:cNvSpPr>
           <p:nvPr>
-            <p:ph type="body" sz="half" idx="14"/>
+            <p:ph type="body" sz="half" idx="13"/>
           </p:nvPr>
         </p:nvSpPr>
         <p:spPr>
@@ -905,7 +905,7 @@
           </a:xfrm>
         </p:spPr>
         <p:txBody>
-          <a:bodyPr vert="horz" lIns="91440" tIns="45720" rIns="91440" bIns="45720" rtlCol="0" anchor="t">
+          <a:bodyPr anchor="t">
             <a:normAutofit/>
           </a:bodyPr>
           <a:lstStyle>
@@ -913,10 +913,7 @@
               <a:buNone/>
               <a:defRPr lang="en-US" sz="1400" b="0" i="0" kern="1200" cap="small" dirty="0">
                 <a:solidFill>
-                  <a:schemeClr val="bg2">
-                    <a:lumMod val="40000"/>
-                    <a:lumOff val="60000"/>
-                  </a:schemeClr>
+                  <a:schemeClr val="accent1"/>
                 </a:solidFill>
                 <a:latin typeface="+mj-lt"/>
                 <a:ea typeface="+mj-ea"/>
@@ -957,9 +954,7 @@
             </a:lvl9pPr>
           </a:lstStyle>
           <a:p>
-            <a:pPr marL="0" lvl="0" indent="0">
-              <a:buNone/>
-            </a:pPr>
+            <a:pPr lvl="0"/>
             <a:r>
               <a:rPr lang="ru-RU" smtClean="0"/>
               <a:t>Образец текста</a:t>
@@ -1051,7 +1046,7 @@
           <a:p>
             <a:fld id="{4091D2CA-9843-40F6-B137-C6E50C4B2C70}" type="datetimeFigureOut">
               <a:rPr lang="ru-RU" smtClean="0"/>
-              <a:t>14.12.2019</a:t>
+              <a:t>15.12.2019</a:t>
             </a:fld>
             <a:endParaRPr lang="ru-RU"/>
           </a:p>
@@ -1101,7 +1096,7 @@
       </p:sp>
       <p:sp>
         <p:nvSpPr>
-          <p:cNvPr id="12" name="TextBox 11"/>
+          <p:cNvPr id="9" name="TextBox 8"/>
           <p:cNvSpPr txBox="1"/>
           <p:nvPr/>
         </p:nvSpPr>
@@ -1126,10 +1121,7 @@
             <a:lvl1pPr algn="r">
               <a:defRPr sz="12200" b="0" i="0">
                 <a:solidFill>
-                  <a:schemeClr val="bg2">
-                    <a:lumMod val="40000"/>
-                    <a:lumOff val="60000"/>
-                  </a:schemeClr>
+                  <a:schemeClr val="accent1"/>
                 </a:solidFill>
                 <a:latin typeface="Arial"/>
                 <a:ea typeface="+mj-ea"/>
@@ -1148,7 +1140,7 @@
       </p:sp>
       <p:sp>
         <p:nvSpPr>
-          <p:cNvPr id="15" name="TextBox 14"/>
+          <p:cNvPr id="13" name="TextBox 12"/>
           <p:cNvSpPr txBox="1"/>
           <p:nvPr/>
         </p:nvSpPr>
@@ -1173,10 +1165,7 @@
             <a:lvl1pPr algn="r">
               <a:defRPr sz="12200" b="0" i="0">
                 <a:solidFill>
-                  <a:schemeClr val="bg2">
-                    <a:lumMod val="40000"/>
-                    <a:lumOff val="60000"/>
-                  </a:schemeClr>
+                  <a:schemeClr val="accent1"/>
                 </a:solidFill>
                 <a:latin typeface="Arial"/>
                 <a:ea typeface="+mj-ea"/>
@@ -1196,7 +1185,7 @@
     </p:spTree>
     <p:extLst>
       <p:ext uri="{BB962C8B-B14F-4D97-AF65-F5344CB8AC3E}">
-        <p14:creationId xmlns:p14="http://schemas.microsoft.com/office/powerpoint/2010/main" val="1413871676"/>
+        <p14:creationId xmlns:p14="http://schemas.microsoft.com/office/powerpoint/2010/main" val="1635358553"/>
       </p:ext>
     </p:extLst>
   </p:cSld>
@@ -1278,10 +1267,7 @@
               <a:buNone/>
               <a:defRPr sz="2000" cap="none">
                 <a:solidFill>
-                  <a:schemeClr val="bg2">
-                    <a:lumMod val="40000"/>
-                    <a:lumOff val="60000"/>
-                  </a:schemeClr>
+                  <a:schemeClr val="accent1"/>
                 </a:solidFill>
               </a:defRPr>
             </a:lvl1pPr>
@@ -1392,7 +1378,7 @@
           <a:p>
             <a:fld id="{4091D2CA-9843-40F6-B137-C6E50C4B2C70}" type="datetimeFigureOut">
               <a:rPr lang="ru-RU" smtClean="0"/>
-              <a:t>14.12.2019</a:t>
+              <a:t>15.12.2019</a:t>
             </a:fld>
             <a:endParaRPr lang="ru-RU"/>
           </a:p>
@@ -1443,7 +1429,7 @@
     </p:spTree>
     <p:extLst>
       <p:ext uri="{BB962C8B-B14F-4D97-AF65-F5344CB8AC3E}">
-        <p14:creationId xmlns:p14="http://schemas.microsoft.com/office/powerpoint/2010/main" val="63658221"/>
+        <p14:creationId xmlns:p14="http://schemas.microsoft.com/office/powerpoint/2010/main" val="209901431"/>
       </p:ext>
     </p:extLst>
   </p:cSld>
@@ -1522,10 +1508,7 @@
               <a:buNone/>
               <a:defRPr sz="2400" b="0">
                 <a:solidFill>
-                  <a:schemeClr val="bg2">
-                    <a:lumMod val="40000"/>
-                    <a:lumOff val="60000"/>
-                  </a:schemeClr>
+                  <a:schemeClr val="accent1"/>
                 </a:solidFill>
               </a:defRPr>
             </a:lvl1pPr>
@@ -1663,10 +1646,7 @@
               <a:buNone/>
               <a:defRPr sz="2400" b="0">
                 <a:solidFill>
-                  <a:schemeClr val="bg2">
-                    <a:lumMod val="40000"/>
-                    <a:lumOff val="60000"/>
-                  </a:schemeClr>
+                  <a:schemeClr val="accent1"/>
                 </a:solidFill>
               </a:defRPr>
             </a:lvl1pPr>
@@ -1804,10 +1784,7 @@
               <a:buNone/>
               <a:defRPr sz="2400" b="0">
                 <a:solidFill>
-                  <a:schemeClr val="bg2">
-                    <a:lumMod val="40000"/>
-                    <a:lumOff val="60000"/>
-                  </a:schemeClr>
+                  <a:schemeClr val="accent1"/>
                 </a:solidFill>
               </a:defRPr>
             </a:lvl1pPr>
@@ -1936,9 +1913,7 @@
           </a:prstGeom>
           <a:ln w="12700" cmpd="sng">
             <a:solidFill>
-              <a:schemeClr val="bg2">
-                <a:lumMod val="40000"/>
-                <a:lumOff val="60000"/>
+              <a:schemeClr val="accent1">
                 <a:alpha val="40000"/>
               </a:schemeClr>
             </a:solidFill>
@@ -1975,9 +1950,7 @@
           </a:prstGeom>
           <a:ln w="12700" cmpd="sng">
             <a:solidFill>
-              <a:schemeClr val="bg2">
-                <a:lumMod val="40000"/>
-                <a:lumOff val="60000"/>
+              <a:schemeClr val="accent1">
                 <a:alpha val="40000"/>
               </a:schemeClr>
             </a:solidFill>
@@ -2015,7 +1988,7 @@
           <a:p>
             <a:fld id="{4091D2CA-9843-40F6-B137-C6E50C4B2C70}" type="datetimeFigureOut">
               <a:rPr lang="ru-RU" smtClean="0"/>
-              <a:t>14.12.2019</a:t>
+              <a:t>15.12.2019</a:t>
             </a:fld>
             <a:endParaRPr lang="ru-RU"/>
           </a:p>
@@ -2066,7 +2039,7 @@
     </p:spTree>
     <p:extLst>
       <p:ext uri="{BB962C8B-B14F-4D97-AF65-F5344CB8AC3E}">
-        <p14:creationId xmlns:p14="http://schemas.microsoft.com/office/powerpoint/2010/main" val="897416883"/>
+        <p14:creationId xmlns:p14="http://schemas.microsoft.com/office/powerpoint/2010/main" val="302090801"/>
       </p:ext>
     </p:extLst>
   </p:cSld>
@@ -2145,10 +2118,7 @@
               <a:buNone/>
               <a:defRPr sz="2400" b="0">
                 <a:solidFill>
-                  <a:schemeClr val="bg2">
-                    <a:lumMod val="40000"/>
-                    <a:lumOff val="60000"/>
-                  </a:schemeClr>
+                  <a:schemeClr val="accent1"/>
                 </a:solidFill>
               </a:defRPr>
             </a:lvl1pPr>
@@ -2365,10 +2335,7 @@
               <a:buNone/>
               <a:defRPr sz="2400" b="0">
                 <a:solidFill>
-                  <a:schemeClr val="bg2">
-                    <a:lumMod val="40000"/>
-                    <a:lumOff val="60000"/>
-                  </a:schemeClr>
+                  <a:schemeClr val="accent1"/>
                 </a:solidFill>
               </a:defRPr>
             </a:lvl1pPr>
@@ -2585,10 +2552,7 @@
               <a:buNone/>
               <a:defRPr sz="2400" b="0">
                 <a:solidFill>
-                  <a:schemeClr val="bg2">
-                    <a:lumMod val="40000"/>
-                    <a:lumOff val="60000"/>
-                  </a:schemeClr>
+                  <a:schemeClr val="accent1"/>
                 </a:solidFill>
               </a:defRPr>
             </a:lvl1pPr>
@@ -2782,7 +2746,7 @@
       </p:sp>
       <p:cxnSp>
         <p:nvCxnSpPr>
-          <p:cNvPr id="19" name="Straight Connector 18"/>
+          <p:cNvPr id="17" name="Straight Connector 16"/>
           <p:cNvCxnSpPr/>
           <p:nvPr/>
         </p:nvCxnSpPr>
@@ -2796,9 +2760,7 @@
           </a:prstGeom>
           <a:ln w="12700" cmpd="sng">
             <a:solidFill>
-              <a:schemeClr val="bg2">
-                <a:lumMod val="40000"/>
-                <a:lumOff val="60000"/>
+              <a:schemeClr val="accent1">
                 <a:alpha val="40000"/>
               </a:schemeClr>
             </a:solidFill>
@@ -2821,7 +2783,7 @@
       </p:cxnSp>
       <p:cxnSp>
         <p:nvCxnSpPr>
-          <p:cNvPr id="20" name="Straight Connector 19"/>
+          <p:cNvPr id="18" name="Straight Connector 17"/>
           <p:cNvCxnSpPr/>
           <p:nvPr/>
         </p:nvCxnSpPr>
@@ -2835,9 +2797,7 @@
           </a:prstGeom>
           <a:ln w="12700" cmpd="sng">
             <a:solidFill>
-              <a:schemeClr val="bg2">
-                <a:lumMod val="40000"/>
-                <a:lumOff val="60000"/>
+              <a:schemeClr val="accent1">
                 <a:alpha val="40000"/>
               </a:schemeClr>
             </a:solidFill>
@@ -2875,7 +2835,7 @@
           <a:p>
             <a:fld id="{4091D2CA-9843-40F6-B137-C6E50C4B2C70}" type="datetimeFigureOut">
               <a:rPr lang="ru-RU" smtClean="0"/>
-              <a:t>14.12.2019</a:t>
+              <a:t>15.12.2019</a:t>
             </a:fld>
             <a:endParaRPr lang="ru-RU"/>
           </a:p>
@@ -2926,7 +2886,7 @@
     </p:spTree>
     <p:extLst>
       <p:ext uri="{BB962C8B-B14F-4D97-AF65-F5344CB8AC3E}">
-        <p14:creationId xmlns:p14="http://schemas.microsoft.com/office/powerpoint/2010/main" val="327961258"/>
+        <p14:creationId xmlns:p14="http://schemas.microsoft.com/office/powerpoint/2010/main" val="407950311"/>
       </p:ext>
     </p:extLst>
   </p:cSld>
@@ -3045,7 +3005,7 @@
           <a:p>
             <a:fld id="{4091D2CA-9843-40F6-B137-C6E50C4B2C70}" type="datetimeFigureOut">
               <a:rPr lang="ru-RU" smtClean="0"/>
-              <a:t>14.12.2019</a:t>
+              <a:t>15.12.2019</a:t>
             </a:fld>
             <a:endParaRPr lang="ru-RU"/>
           </a:p>
@@ -3096,7 +3056,7 @@
     </p:spTree>
     <p:extLst>
       <p:ext uri="{BB962C8B-B14F-4D97-AF65-F5344CB8AC3E}">
-        <p14:creationId xmlns:p14="http://schemas.microsoft.com/office/powerpoint/2010/main" val="1020729631"/>
+        <p14:creationId xmlns:p14="http://schemas.microsoft.com/office/powerpoint/2010/main" val="579596269"/>
       </p:ext>
     </p:extLst>
   </p:cSld>
@@ -3225,7 +3185,7 @@
           <a:p>
             <a:fld id="{4091D2CA-9843-40F6-B137-C6E50C4B2C70}" type="datetimeFigureOut">
               <a:rPr lang="ru-RU" smtClean="0"/>
-              <a:t>14.12.2019</a:t>
+              <a:t>15.12.2019</a:t>
             </a:fld>
             <a:endParaRPr lang="ru-RU"/>
           </a:p>
@@ -3276,7 +3236,7 @@
     </p:spTree>
     <p:extLst>
       <p:ext uri="{BB962C8B-B14F-4D97-AF65-F5344CB8AC3E}">
-        <p14:creationId xmlns:p14="http://schemas.microsoft.com/office/powerpoint/2010/main" val="3582967921"/>
+        <p14:creationId xmlns:p14="http://schemas.microsoft.com/office/powerpoint/2010/main" val="3345262722"/>
       </p:ext>
     </p:extLst>
   </p:cSld>
@@ -3380,7 +3340,7 @@
       </p:sp>
       <p:sp>
         <p:nvSpPr>
-          <p:cNvPr id="7" name="Date Placeholder 3"/>
+          <p:cNvPr id="4" name="Date Placeholder 3"/>
           <p:cNvSpPr>
             <a:spLocks noGrp="1"/>
           </p:cNvSpPr>
@@ -3395,7 +3355,7 @@
           <a:p>
             <a:fld id="{4091D2CA-9843-40F6-B137-C6E50C4B2C70}" type="datetimeFigureOut">
               <a:rPr lang="ru-RU" smtClean="0"/>
-              <a:t>14.12.2019</a:t>
+              <a:t>15.12.2019</a:t>
             </a:fld>
             <a:endParaRPr lang="ru-RU"/>
           </a:p>
@@ -3446,7 +3406,7 @@
     </p:spTree>
     <p:extLst>
       <p:ext uri="{BB962C8B-B14F-4D97-AF65-F5344CB8AC3E}">
-        <p14:creationId xmlns:p14="http://schemas.microsoft.com/office/powerpoint/2010/main" val="1256979895"/>
+        <p14:creationId xmlns:p14="http://schemas.microsoft.com/office/powerpoint/2010/main" val="1500027834"/>
       </p:ext>
     </p:extLst>
   </p:cSld>
@@ -3528,10 +3488,7 @@
               <a:buNone/>
               <a:defRPr sz="2000" cap="all">
                 <a:solidFill>
-                  <a:schemeClr val="bg2">
-                    <a:lumMod val="40000"/>
-                    <a:lumOff val="60000"/>
-                  </a:schemeClr>
+                  <a:schemeClr val="accent1"/>
                 </a:solidFill>
               </a:defRPr>
             </a:lvl1pPr>
@@ -3642,7 +3599,7 @@
           <a:p>
             <a:fld id="{4091D2CA-9843-40F6-B137-C6E50C4B2C70}" type="datetimeFigureOut">
               <a:rPr lang="ru-RU" smtClean="0"/>
-              <a:t>14.12.2019</a:t>
+              <a:t>15.12.2019</a:t>
             </a:fld>
             <a:endParaRPr lang="ru-RU"/>
           </a:p>
@@ -3693,7 +3650,7 @@
     </p:spTree>
     <p:extLst>
       <p:ext uri="{BB962C8B-B14F-4D97-AF65-F5344CB8AC3E}">
-        <p14:creationId xmlns:p14="http://schemas.microsoft.com/office/powerpoint/2010/main" val="2997933324"/>
+        <p14:creationId xmlns:p14="http://schemas.microsoft.com/office/powerpoint/2010/main" val="346297322"/>
       </p:ext>
     </p:extLst>
   </p:cSld>
@@ -3934,7 +3891,7 @@
           <a:p>
             <a:fld id="{4091D2CA-9843-40F6-B137-C6E50C4B2C70}" type="datetimeFigureOut">
               <a:rPr lang="ru-RU" smtClean="0"/>
-              <a:t>14.12.2019</a:t>
+              <a:t>15.12.2019</a:t>
             </a:fld>
             <a:endParaRPr lang="ru-RU"/>
           </a:p>
@@ -3985,7 +3942,7 @@
     </p:spTree>
     <p:extLst>
       <p:ext uri="{BB962C8B-B14F-4D97-AF65-F5344CB8AC3E}">
-        <p14:creationId xmlns:p14="http://schemas.microsoft.com/office/powerpoint/2010/main" val="3146774610"/>
+        <p14:creationId xmlns:p14="http://schemas.microsoft.com/office/powerpoint/2010/main" val="1635066783"/>
       </p:ext>
     </p:extLst>
   </p:cSld>
@@ -4064,10 +4021,7 @@
               <a:buNone/>
               <a:defRPr sz="2400" b="0">
                 <a:solidFill>
-                  <a:schemeClr val="bg2">
-                    <a:lumMod val="40000"/>
-                    <a:lumOff val="60000"/>
-                  </a:schemeClr>
+                  <a:schemeClr val="accent1"/>
                 </a:solidFill>
               </a:defRPr>
             </a:lvl1pPr>
@@ -4225,10 +4179,7 @@
               <a:buNone/>
               <a:defRPr sz="2400" b="0">
                 <a:solidFill>
-                  <a:schemeClr val="bg2">
-                    <a:lumMod val="40000"/>
-                    <a:lumOff val="60000"/>
-                  </a:schemeClr>
+                  <a:schemeClr val="accent1"/>
                 </a:solidFill>
               </a:defRPr>
             </a:lvl1pPr>
@@ -4378,7 +4329,7 @@
           <a:p>
             <a:fld id="{4091D2CA-9843-40F6-B137-C6E50C4B2C70}" type="datetimeFigureOut">
               <a:rPr lang="ru-RU" smtClean="0"/>
-              <a:t>14.12.2019</a:t>
+              <a:t>15.12.2019</a:t>
             </a:fld>
             <a:endParaRPr lang="ru-RU"/>
           </a:p>
@@ -4429,7 +4380,7 @@
     </p:spTree>
     <p:extLst>
       <p:ext uri="{BB962C8B-B14F-4D97-AF65-F5344CB8AC3E}">
-        <p14:creationId xmlns:p14="http://schemas.microsoft.com/office/powerpoint/2010/main" val="969354352"/>
+        <p14:creationId xmlns:p14="http://schemas.microsoft.com/office/powerpoint/2010/main" val="2085835441"/>
       </p:ext>
     </p:extLst>
   </p:cSld>
@@ -4496,7 +4447,7 @@
           <a:p>
             <a:fld id="{4091D2CA-9843-40F6-B137-C6E50C4B2C70}" type="datetimeFigureOut">
               <a:rPr lang="ru-RU" smtClean="0"/>
-              <a:t>14.12.2019</a:t>
+              <a:t>15.12.2019</a:t>
             </a:fld>
             <a:endParaRPr lang="ru-RU"/>
           </a:p>
@@ -4547,7 +4498,7 @@
     </p:spTree>
     <p:extLst>
       <p:ext uri="{BB962C8B-B14F-4D97-AF65-F5344CB8AC3E}">
-        <p14:creationId xmlns:p14="http://schemas.microsoft.com/office/powerpoint/2010/main" val="817071406"/>
+        <p14:creationId xmlns:p14="http://schemas.microsoft.com/office/powerpoint/2010/main" val="3900108418"/>
       </p:ext>
     </p:extLst>
   </p:cSld>
@@ -4591,7 +4542,7 @@
           <a:p>
             <a:fld id="{4091D2CA-9843-40F6-B137-C6E50C4B2C70}" type="datetimeFigureOut">
               <a:rPr lang="ru-RU" smtClean="0"/>
-              <a:t>14.12.2019</a:t>
+              <a:t>15.12.2019</a:t>
             </a:fld>
             <a:endParaRPr lang="ru-RU"/>
           </a:p>
@@ -4642,7 +4593,7 @@
     </p:spTree>
     <p:extLst>
       <p:ext uri="{BB962C8B-B14F-4D97-AF65-F5344CB8AC3E}">
-        <p14:creationId xmlns:p14="http://schemas.microsoft.com/office/powerpoint/2010/main" val="1756313849"/>
+        <p14:creationId xmlns:p14="http://schemas.microsoft.com/office/powerpoint/2010/main" val="921390051"/>
       </p:ext>
     </p:extLst>
   </p:cSld>
@@ -4681,7 +4632,7 @@
         </p:nvSpPr>
         <p:spPr>
           <a:xfrm>
-            <a:off x="1154953" y="1447800"/>
+            <a:off x="1154954" y="1447800"/>
             <a:ext cx="3401064" cy="1447800"/>
           </a:xfrm>
         </p:spPr>
@@ -4800,7 +4751,7 @@
         </p:nvSpPr>
         <p:spPr>
           <a:xfrm>
-            <a:off x="1154953" y="3129280"/>
+            <a:off x="1154954" y="3129280"/>
             <a:ext cx="3401063" cy="2895599"/>
           </a:xfrm>
         </p:spPr>
@@ -4870,7 +4821,7 @@
           <a:p>
             <a:fld id="{4091D2CA-9843-40F6-B137-C6E50C4B2C70}" type="datetimeFigureOut">
               <a:rPr lang="ru-RU" smtClean="0"/>
-              <a:t>14.12.2019</a:t>
+              <a:t>15.12.2019</a:t>
             </a:fld>
             <a:endParaRPr lang="ru-RU"/>
           </a:p>
@@ -4921,7 +4872,7 @@
     </p:spTree>
     <p:extLst>
       <p:ext uri="{BB962C8B-B14F-4D97-AF65-F5344CB8AC3E}">
-        <p14:creationId xmlns:p14="http://schemas.microsoft.com/office/powerpoint/2010/main" val="1052589370"/>
+        <p14:creationId xmlns:p14="http://schemas.microsoft.com/office/powerpoint/2010/main" val="2962968147"/>
       </p:ext>
     </p:extLst>
   </p:cSld>
@@ -5145,7 +5096,7 @@
           <a:p>
             <a:fld id="{4091D2CA-9843-40F6-B137-C6E50C4B2C70}" type="datetimeFigureOut">
               <a:rPr lang="ru-RU" smtClean="0"/>
-              <a:t>14.12.2019</a:t>
+              <a:t>15.12.2019</a:t>
             </a:fld>
             <a:endParaRPr lang="ru-RU"/>
           </a:p>
@@ -5196,7 +5147,7 @@
     </p:spTree>
     <p:extLst>
       <p:ext uri="{BB962C8B-B14F-4D97-AF65-F5344CB8AC3E}">
-        <p14:creationId xmlns:p14="http://schemas.microsoft.com/office/powerpoint/2010/main" val="3731287059"/>
+        <p14:creationId xmlns:p14="http://schemas.microsoft.com/office/powerpoint/2010/main" val="332491435"/>
       </p:ext>
     </p:extLst>
   </p:cSld>
@@ -5304,22 +5255,22 @@
             <a:gsLst>
               <a:gs pos="0">
                 <a:schemeClr val="bg2">
-                  <a:lumMod val="60000"/>
-                  <a:lumOff val="40000"/>
+                  <a:lumMod val="40000"/>
+                  <a:lumOff val="60000"/>
                   <a:alpha val="7000"/>
                 </a:schemeClr>
               </a:gs>
               <a:gs pos="69000">
                 <a:schemeClr val="bg2">
-                  <a:lumMod val="60000"/>
-                  <a:lumOff val="40000"/>
+                  <a:lumMod val="40000"/>
+                  <a:lumOff val="60000"/>
                   <a:alpha val="0"/>
                 </a:schemeClr>
               </a:gs>
               <a:gs pos="36000">
                 <a:schemeClr val="bg2">
-                  <a:lumMod val="60000"/>
-                  <a:lumOff val="40000"/>
+                  <a:lumMod val="40000"/>
+                  <a:lumOff val="60000"/>
                   <a:alpha val="6000"/>
                 </a:schemeClr>
               </a:gs>
@@ -5399,7 +5350,7 @@
         </p:blipFill>
         <p:spPr>
           <a:xfrm>
-            <a:off x="8605878" y="6096000"/>
+            <a:off x="8609012" y="6096000"/>
             <a:ext cx="993734" cy="762000"/>
           </a:xfrm>
           <a:prstGeom prst="rect">
@@ -5574,7 +5525,7 @@
           <a:p>
             <a:fld id="{4091D2CA-9843-40F6-B137-C6E50C4B2C70}" type="datetimeFigureOut">
               <a:rPr lang="ru-RU" smtClean="0"/>
-              <a:t>14.12.2019</a:t>
+              <a:t>15.12.2019</a:t>
             </a:fld>
             <a:endParaRPr lang="ru-RU"/>
           </a:p>
@@ -5628,7 +5579,7 @@
             <p:ph type="sldNum" sz="quarter" idx="4"/>
           </p:nvPr>
         </p:nvSpPr>
-        <p:spPr bwMode="gray">
+        <p:spPr>
           <a:xfrm>
             <a:off x="10352540" y="295729"/>
             <a:ext cx="838199" cy="767687"/>
@@ -5662,29 +5613,29 @@
     </p:spTree>
     <p:extLst>
       <p:ext uri="{BB962C8B-B14F-4D97-AF65-F5344CB8AC3E}">
-        <p14:creationId xmlns:p14="http://schemas.microsoft.com/office/powerpoint/2010/main" val="2044114917"/>
+        <p14:creationId xmlns:p14="http://schemas.microsoft.com/office/powerpoint/2010/main" val="2940025722"/>
       </p:ext>
     </p:extLst>
   </p:cSld>
   <p:clrMap bg1="dk1" tx1="lt1" bg2="dk2" tx2="lt2" accent1="accent1" accent2="accent2" accent3="accent3" accent4="accent4" accent5="accent5" accent6="accent6" hlink="hlink" folHlink="folHlink"/>
   <p:sldLayoutIdLst>
-    <p:sldLayoutId id="2147483913" r:id="rId1"/>
-    <p:sldLayoutId id="2147483914" r:id="rId2"/>
-    <p:sldLayoutId id="2147483915" r:id="rId3"/>
-    <p:sldLayoutId id="2147483916" r:id="rId4"/>
-    <p:sldLayoutId id="2147483917" r:id="rId5"/>
-    <p:sldLayoutId id="2147483918" r:id="rId6"/>
-    <p:sldLayoutId id="2147483919" r:id="rId7"/>
-    <p:sldLayoutId id="2147483920" r:id="rId8"/>
-    <p:sldLayoutId id="2147483921" r:id="rId9"/>
-    <p:sldLayoutId id="2147483922" r:id="rId10"/>
-    <p:sldLayoutId id="2147483923" r:id="rId11"/>
-    <p:sldLayoutId id="2147483924" r:id="rId12"/>
-    <p:sldLayoutId id="2147483925" r:id="rId13"/>
-    <p:sldLayoutId id="2147483926" r:id="rId14"/>
-    <p:sldLayoutId id="2147483927" r:id="rId15"/>
-    <p:sldLayoutId id="2147483928" r:id="rId16"/>
-    <p:sldLayoutId id="2147483929" r:id="rId17"/>
+    <p:sldLayoutId id="2147483931" r:id="rId1"/>
+    <p:sldLayoutId id="2147483932" r:id="rId2"/>
+    <p:sldLayoutId id="2147483933" r:id="rId3"/>
+    <p:sldLayoutId id="2147483934" r:id="rId4"/>
+    <p:sldLayoutId id="2147483935" r:id="rId5"/>
+    <p:sldLayoutId id="2147483936" r:id="rId6"/>
+    <p:sldLayoutId id="2147483937" r:id="rId7"/>
+    <p:sldLayoutId id="2147483938" r:id="rId8"/>
+    <p:sldLayoutId id="2147483939" r:id="rId9"/>
+    <p:sldLayoutId id="2147483940" r:id="rId10"/>
+    <p:sldLayoutId id="2147483941" r:id="rId11"/>
+    <p:sldLayoutId id="2147483942" r:id="rId12"/>
+    <p:sldLayoutId id="2147483943" r:id="rId13"/>
+    <p:sldLayoutId id="2147483944" r:id="rId14"/>
+    <p:sldLayoutId id="2147483945" r:id="rId15"/>
+    <p:sldLayoutId id="2147483946" r:id="rId16"/>
+    <p:sldLayoutId id="2147483947" r:id="rId17"/>
   </p:sldLayoutIdLst>
   <p:txStyles>
     <p:titleStyle>
@@ -5768,10 +5719,7 @@
           <a:spcPts val="0"/>
         </a:spcAft>
         <a:buClr>
-          <a:schemeClr val="bg2">
-            <a:lumMod val="40000"/>
-            <a:lumOff val="60000"/>
-          </a:schemeClr>
+          <a:schemeClr val="accent1"/>
         </a:buClr>
         <a:buSzPct val="80000"/>
         <a:buFont typeface="Wingdings 3" charset="2"/>
@@ -5793,10 +5741,7 @@
           <a:spcPts val="0"/>
         </a:spcAft>
         <a:buClr>
-          <a:schemeClr val="bg2">
-            <a:lumMod val="40000"/>
-            <a:lumOff val="60000"/>
-          </a:schemeClr>
+          <a:schemeClr val="accent1"/>
         </a:buClr>
         <a:buSzPct val="80000"/>
         <a:buFont typeface="Wingdings 3" charset="2"/>
@@ -5818,10 +5763,7 @@
           <a:spcPts val="0"/>
         </a:spcAft>
         <a:buClr>
-          <a:schemeClr val="bg2">
-            <a:lumMod val="40000"/>
-            <a:lumOff val="60000"/>
-          </a:schemeClr>
+          <a:schemeClr val="accent1"/>
         </a:buClr>
         <a:buSzPct val="80000"/>
         <a:buFont typeface="Wingdings 3" charset="2"/>
@@ -5843,10 +5785,7 @@
           <a:spcPts val="0"/>
         </a:spcAft>
         <a:buClr>
-          <a:schemeClr val="bg2">
-            <a:lumMod val="40000"/>
-            <a:lumOff val="60000"/>
-          </a:schemeClr>
+          <a:schemeClr val="accent1"/>
         </a:buClr>
         <a:buSzPct val="80000"/>
         <a:buFont typeface="Wingdings 3" charset="2"/>
@@ -5868,10 +5807,7 @@
           <a:spcPts val="0"/>
         </a:spcAft>
         <a:buClr>
-          <a:schemeClr val="bg2">
-            <a:lumMod val="40000"/>
-            <a:lumOff val="60000"/>
-          </a:schemeClr>
+          <a:schemeClr val="accent1"/>
         </a:buClr>
         <a:buSzPct val="80000"/>
         <a:buFont typeface="Wingdings 3" charset="2"/>
@@ -5885,7 +5821,7 @@
           <a:cs typeface="+mj-cs"/>
         </a:defRPr>
       </a:lvl5pPr>
-      <a:lvl6pPr marL="2506000" indent="-228600" algn="l" defTabSz="457200" rtl="0" eaLnBrk="1" latinLnBrk="0" hangingPunct="1">
+      <a:lvl6pPr marL="2514600" indent="-228600" algn="l" defTabSz="457200" rtl="0" eaLnBrk="1" latinLnBrk="0" hangingPunct="1">
         <a:spcBef>
           <a:spcPts val="1000"/>
         </a:spcBef>
@@ -5893,10 +5829,7 @@
           <a:spcPts val="0"/>
         </a:spcAft>
         <a:buClr>
-          <a:schemeClr val="bg2">
-            <a:lumMod val="40000"/>
-            <a:lumOff val="60000"/>
-          </a:schemeClr>
+          <a:schemeClr val="accent1"/>
         </a:buClr>
         <a:buSzPct val="80000"/>
         <a:buFont typeface="Wingdings 3" charset="2"/>
@@ -5918,10 +5851,7 @@
           <a:spcPts val="0"/>
         </a:spcAft>
         <a:buClr>
-          <a:schemeClr val="bg2">
-            <a:lumMod val="40000"/>
-            <a:lumOff val="60000"/>
-          </a:schemeClr>
+          <a:schemeClr val="accent1"/>
         </a:buClr>
         <a:buSzPct val="80000"/>
         <a:buFont typeface="Wingdings 3" charset="2"/>
@@ -5943,10 +5873,7 @@
           <a:spcPts val="0"/>
         </a:spcAft>
         <a:buClr>
-          <a:schemeClr val="bg2">
-            <a:lumMod val="40000"/>
-            <a:lumOff val="60000"/>
-          </a:schemeClr>
+          <a:schemeClr val="accent1"/>
         </a:buClr>
         <a:buSzPct val="80000"/>
         <a:buFont typeface="Wingdings 3" charset="2"/>
@@ -5968,10 +5895,7 @@
           <a:spcPts val="0"/>
         </a:spcAft>
         <a:buClr>
-          <a:schemeClr val="bg2">
-            <a:lumMod val="40000"/>
-            <a:lumOff val="60000"/>
-          </a:schemeClr>
+          <a:schemeClr val="accent1"/>
         </a:buClr>
         <a:buSzPct val="80000"/>
         <a:buFont typeface="Wingdings 3" charset="2"/>
@@ -6115,8 +6039,8 @@
         </p:nvSpPr>
         <p:spPr>
           <a:xfrm>
-            <a:off x="-491318" y="388151"/>
-            <a:ext cx="12363278" cy="1692771"/>
+            <a:off x="2649658" y="344817"/>
+            <a:ext cx="7063397" cy="1508105"/>
           </a:xfrm>
           <a:prstGeom prst="rect">
             <a:avLst/>
@@ -6130,14 +6054,14 @@
           <a:p>
             <a:pPr algn="ctr"/>
             <a:r>
-              <a:rPr lang="en-US" sz="2400" dirty="0" smtClean="0">
+              <a:rPr lang="en-US" dirty="0" smtClean="0">
                 <a:latin typeface="Times New Roman" panose="02020603050405020304" pitchFamily="18" charset="0"/>
                 <a:cs typeface="Times New Roman" panose="02020603050405020304" pitchFamily="18" charset="0"/>
               </a:rPr>
               <a:t> </a:t>
             </a:r>
             <a:r>
-              <a:rPr lang="uk-UA" sz="2000" dirty="0" smtClean="0">
+              <a:rPr lang="uk-UA" dirty="0" smtClean="0">
                 <a:latin typeface="Times New Roman" panose="02020603050405020304" pitchFamily="18" charset="0"/>
                 <a:cs typeface="Times New Roman" panose="02020603050405020304" pitchFamily="18" charset="0"/>
               </a:rPr>
@@ -6147,7 +6071,7 @@
           <a:p>
             <a:pPr algn="ctr"/>
             <a:r>
-              <a:rPr lang="uk-UA" sz="2000" dirty="0" smtClean="0">
+              <a:rPr lang="uk-UA" dirty="0" smtClean="0">
                 <a:latin typeface="Times New Roman" panose="02020603050405020304" pitchFamily="18" charset="0"/>
                 <a:cs typeface="Times New Roman" panose="02020603050405020304" pitchFamily="18" charset="0"/>
               </a:rPr>
@@ -6157,7 +6081,7 @@
           <a:p>
             <a:pPr algn="ctr"/>
             <a:r>
-              <a:rPr lang="en-US" sz="2000" dirty="0" smtClean="0">
+              <a:rPr lang="en-US" dirty="0" smtClean="0">
                 <a:latin typeface="Times New Roman" panose="02020603050405020304" pitchFamily="18" charset="0"/>
                 <a:cs typeface="Times New Roman" panose="02020603050405020304" pitchFamily="18" charset="0"/>
               </a:rPr>
@@ -6167,13 +6091,13 @@
           <a:p>
             <a:pPr algn="ctr"/>
             <a:r>
-              <a:rPr lang="uk-UA" sz="2000" dirty="0" smtClean="0">
+              <a:rPr lang="uk-UA" dirty="0" smtClean="0">
                 <a:latin typeface="Times New Roman" panose="02020603050405020304" pitchFamily="18" charset="0"/>
                 <a:cs typeface="Times New Roman" panose="02020603050405020304" pitchFamily="18" charset="0"/>
               </a:rPr>
               <a:t>Інститут геодезії</a:t>
             </a:r>
-            <a:endParaRPr lang="en-US" sz="2000" dirty="0" smtClean="0">
+            <a:endParaRPr lang="en-US" dirty="0" smtClean="0">
               <a:latin typeface="Times New Roman" panose="02020603050405020304" pitchFamily="18" charset="0"/>
               <a:cs typeface="Times New Roman" panose="02020603050405020304" pitchFamily="18" charset="0"/>
             </a:endParaRPr>
@@ -6181,7 +6105,7 @@
           <a:p>
             <a:pPr algn="ctr"/>
             <a:r>
-              <a:rPr lang="uk-UA" sz="2000" dirty="0" smtClean="0">
+              <a:rPr lang="uk-UA" dirty="0" smtClean="0">
                 <a:latin typeface="Times New Roman" panose="02020603050405020304" pitchFamily="18" charset="0"/>
                 <a:cs typeface="Times New Roman" panose="02020603050405020304" pitchFamily="18" charset="0"/>
               </a:rPr>
@@ -6200,8 +6124,8 @@
         </p:nvSpPr>
         <p:spPr>
           <a:xfrm>
-            <a:off x="2162159" y="2662722"/>
-            <a:ext cx="7766936" cy="1646302"/>
+            <a:off x="1778875" y="2548163"/>
+            <a:ext cx="8804964" cy="1646302"/>
           </a:xfrm>
           <a:prstGeom prst="rect">
             <a:avLst/>
@@ -6209,7 +6133,7 @@
         </p:spPr>
         <p:txBody>
           <a:bodyPr vert="horz" lIns="91440" tIns="45720" rIns="91440" bIns="45720" rtlCol="0" anchor="ctr">
-            <a:normAutofit/>
+            <a:noAutofit/>
           </a:bodyPr>
           <a:lstStyle>
             <a:lvl1pPr algn="l" defTabSz="914400" rtl="0" eaLnBrk="1" latinLnBrk="0" hangingPunct="1">
@@ -6233,26 +6157,26 @@
           <a:p>
             <a:pPr algn="ctr"/>
             <a:r>
-              <a:rPr lang="uk-UA" sz="2800" b="1" dirty="0" smtClean="0">
+              <a:rPr lang="uk-UA" sz="3200" b="1" dirty="0" smtClean="0">
                 <a:latin typeface="Times New Roman" panose="02020603050405020304" pitchFamily="18" charset="0"/>
                 <a:cs typeface="Times New Roman" panose="02020603050405020304" pitchFamily="18" charset="0"/>
               </a:rPr>
               <a:t>Дослідження вихідних форматів геодезичних приладів для забезпечення уніфікації вирішення наукових задач</a:t>
             </a:r>
             <a:r>
-              <a:rPr lang="uk-UA" sz="2800" dirty="0" smtClean="0">
+              <a:rPr lang="uk-UA" sz="3200" dirty="0" smtClean="0">
                 <a:latin typeface="Times New Roman" panose="02020603050405020304" pitchFamily="18" charset="0"/>
                 <a:cs typeface="Times New Roman" panose="02020603050405020304" pitchFamily="18" charset="0"/>
               </a:rPr>
               <a:t/>
             </a:r>
             <a:br>
-              <a:rPr lang="uk-UA" sz="2800" dirty="0" smtClean="0">
+              <a:rPr lang="uk-UA" sz="3200" dirty="0" smtClean="0">
                 <a:latin typeface="Times New Roman" panose="02020603050405020304" pitchFamily="18" charset="0"/>
                 <a:cs typeface="Times New Roman" panose="02020603050405020304" pitchFamily="18" charset="0"/>
               </a:rPr>
             </a:br>
-            <a:endParaRPr lang="uk-UA" sz="2800" dirty="0">
+            <a:endParaRPr lang="uk-UA" sz="3200" dirty="0">
               <a:latin typeface="Times New Roman" panose="02020603050405020304" pitchFamily="18" charset="0"/>
               <a:cs typeface="Times New Roman" panose="02020603050405020304" pitchFamily="18" charset="0"/>
             </a:endParaRPr>
@@ -6269,8 +6193,8 @@
         </p:nvSpPr>
         <p:spPr>
           <a:xfrm>
-            <a:off x="8873567" y="4916998"/>
-            <a:ext cx="4143873" cy="1797700"/>
+            <a:off x="8975679" y="5012816"/>
+            <a:ext cx="3216321" cy="1769284"/>
           </a:xfrm>
           <a:prstGeom prst="rect">
             <a:avLst/>
@@ -6445,46 +6369,323 @@
             </a:lvl9pPr>
           </a:lstStyle>
           <a:p>
-            <a:r>
-              <a:rPr lang="uk-UA" dirty="0" smtClean="0">
-                <a:latin typeface="Times New Roman" panose="02020603050405020304" pitchFamily="18" charset="0"/>
-                <a:cs typeface="Times New Roman" panose="02020603050405020304" pitchFamily="18" charset="0"/>
-              </a:rPr>
-              <a:t>Виконав студент </a:t>
-            </a:r>
-          </a:p>
-          <a:p>
-            <a:r>
-              <a:rPr lang="uk-UA" dirty="0">
-                <a:latin typeface="Times New Roman" panose="02020603050405020304" pitchFamily="18" charset="0"/>
-                <a:cs typeface="Times New Roman" panose="02020603050405020304" pitchFamily="18" charset="0"/>
-              </a:rPr>
-              <a:t>г</a:t>
-            </a:r>
-            <a:r>
-              <a:rPr lang="uk-UA" dirty="0" smtClean="0">
-                <a:latin typeface="Times New Roman" panose="02020603050405020304" pitchFamily="18" charset="0"/>
-                <a:cs typeface="Times New Roman" panose="02020603050405020304" pitchFamily="18" charset="0"/>
-              </a:rPr>
-              <a:t>р. ГДІГ-21</a:t>
-            </a:r>
-          </a:p>
-          <a:p>
-            <a:r>
-              <a:rPr lang="uk-UA" dirty="0" err="1" smtClean="0">
+            <a:pPr marL="0" indent="0">
+              <a:buNone/>
+            </a:pPr>
+            <a:r>
+              <a:rPr lang="uk-UA" sz="1800" dirty="0" smtClean="0">
+                <a:latin typeface="Times New Roman" panose="02020603050405020304" pitchFamily="18" charset="0"/>
+                <a:cs typeface="Times New Roman" panose="02020603050405020304" pitchFamily="18" charset="0"/>
+              </a:rPr>
+              <a:t>Виконав </a:t>
+            </a:r>
+            <a:r>
+              <a:rPr lang="uk-UA" sz="1800" dirty="0" smtClean="0">
+                <a:latin typeface="Times New Roman" panose="02020603050405020304" pitchFamily="18" charset="0"/>
+                <a:cs typeface="Times New Roman" panose="02020603050405020304" pitchFamily="18" charset="0"/>
+              </a:rPr>
+              <a:t>студент</a:t>
+            </a:r>
+            <a:r>
+              <a:rPr lang="en-US" sz="1800" dirty="0" smtClean="0">
+                <a:latin typeface="Times New Roman" panose="02020603050405020304" pitchFamily="18" charset="0"/>
+                <a:cs typeface="Times New Roman" panose="02020603050405020304" pitchFamily="18" charset="0"/>
+              </a:rPr>
+              <a:t> </a:t>
+            </a:r>
+            <a:r>
+              <a:rPr lang="uk-UA" sz="1800" dirty="0" smtClean="0">
+                <a:latin typeface="Times New Roman" panose="02020603050405020304" pitchFamily="18" charset="0"/>
+                <a:cs typeface="Times New Roman" panose="02020603050405020304" pitchFamily="18" charset="0"/>
+              </a:rPr>
+              <a:t>гр</a:t>
+            </a:r>
+            <a:r>
+              <a:rPr lang="uk-UA" sz="1800" dirty="0" smtClean="0">
+                <a:latin typeface="Times New Roman" panose="02020603050405020304" pitchFamily="18" charset="0"/>
+                <a:cs typeface="Times New Roman" panose="02020603050405020304" pitchFamily="18" charset="0"/>
+              </a:rPr>
+              <a:t>. ГДІГ-21</a:t>
+            </a:r>
+          </a:p>
+          <a:p>
+            <a:pPr marL="0" indent="0">
+              <a:buNone/>
+            </a:pPr>
+            <a:r>
+              <a:rPr lang="uk-UA" sz="1800" dirty="0" smtClean="0">
+                <a:latin typeface="Times New Roman" panose="02020603050405020304" pitchFamily="18" charset="0"/>
+                <a:cs typeface="Times New Roman" panose="02020603050405020304" pitchFamily="18" charset="0"/>
+              </a:rPr>
+              <a:t>    </a:t>
+            </a:r>
+            <a:r>
+              <a:rPr lang="uk-UA" sz="1800" dirty="0" err="1" smtClean="0">
                 <a:latin typeface="Times New Roman" panose="02020603050405020304" pitchFamily="18" charset="0"/>
                 <a:cs typeface="Times New Roman" panose="02020603050405020304" pitchFamily="18" charset="0"/>
               </a:rPr>
               <a:t>Зітинюк</a:t>
             </a:r>
             <a:r>
-              <a:rPr lang="uk-UA" dirty="0" smtClean="0">
+              <a:rPr lang="uk-UA" sz="1800" dirty="0" smtClean="0">
                 <a:latin typeface="Times New Roman" panose="02020603050405020304" pitchFamily="18" charset="0"/>
                 <a:cs typeface="Times New Roman" panose="02020603050405020304" pitchFamily="18" charset="0"/>
               </a:rPr>
               <a:t> Юрій</a:t>
             </a:r>
-            <a:endParaRPr lang="uk-UA" dirty="0">
+            <a:endParaRPr lang="en-US" sz="1800" dirty="0" smtClean="0">
+              <a:latin typeface="Times New Roman" panose="02020603050405020304" pitchFamily="18" charset="0"/>
+              <a:cs typeface="Times New Roman" panose="02020603050405020304" pitchFamily="18" charset="0"/>
+            </a:endParaRPr>
+          </a:p>
+          <a:p>
+            <a:pPr marL="0" indent="0">
+              <a:buNone/>
+            </a:pPr>
+            <a:r>
+              <a:rPr lang="uk-UA" sz="1800" dirty="0" smtClean="0">
+                <a:latin typeface="Times New Roman" panose="02020603050405020304" pitchFamily="18" charset="0"/>
+                <a:cs typeface="Times New Roman" panose="02020603050405020304" pitchFamily="18" charset="0"/>
+              </a:rPr>
+              <a:t>Дипломний керівник</a:t>
+            </a:r>
+            <a:r>
+              <a:rPr lang="en-US" sz="1800" dirty="0" smtClean="0">
+                <a:latin typeface="Times New Roman" panose="02020603050405020304" pitchFamily="18" charset="0"/>
+                <a:cs typeface="Times New Roman" panose="02020603050405020304" pitchFamily="18" charset="0"/>
+              </a:rPr>
+              <a:t>:</a:t>
+            </a:r>
+          </a:p>
+          <a:p>
+            <a:pPr marL="0" indent="0">
+              <a:buNone/>
+            </a:pPr>
+            <a:r>
+              <a:rPr lang="uk-UA" sz="1800" dirty="0" smtClean="0">
+                <a:latin typeface="Times New Roman" panose="02020603050405020304" pitchFamily="18" charset="0"/>
+                <a:cs typeface="Times New Roman" panose="02020603050405020304" pitchFamily="18" charset="0"/>
+              </a:rPr>
+              <a:t>    </a:t>
+            </a:r>
+            <a:r>
+              <a:rPr lang="uk-UA" sz="1800" dirty="0" err="1" smtClean="0">
+                <a:latin typeface="Times New Roman" panose="02020603050405020304" pitchFamily="18" charset="0"/>
+                <a:cs typeface="Times New Roman" panose="02020603050405020304" pitchFamily="18" charset="0"/>
+              </a:rPr>
+              <a:t>Віват</a:t>
+            </a:r>
+            <a:r>
+              <a:rPr lang="uk-UA" sz="1800" dirty="0" smtClean="0">
+                <a:latin typeface="Times New Roman" panose="02020603050405020304" pitchFamily="18" charset="0"/>
+                <a:cs typeface="Times New Roman" panose="02020603050405020304" pitchFamily="18" charset="0"/>
+              </a:rPr>
+              <a:t> А.Й.</a:t>
+            </a:r>
+            <a:endParaRPr lang="uk-UA" sz="1800" dirty="0">
+              <a:latin typeface="Times New Roman" panose="02020603050405020304" pitchFamily="18" charset="0"/>
+              <a:cs typeface="Times New Roman" panose="02020603050405020304" pitchFamily="18" charset="0"/>
+            </a:endParaRPr>
+          </a:p>
+        </p:txBody>
+      </p:sp>
+      <p:sp>
+        <p:nvSpPr>
+          <p:cNvPr id="7" name="Підзаголовок 2"/>
+          <p:cNvSpPr txBox="1">
+            <a:spLocks/>
+          </p:cNvSpPr>
+          <p:nvPr/>
+        </p:nvSpPr>
+        <p:spPr>
+          <a:xfrm>
+            <a:off x="5499716" y="6295422"/>
+            <a:ext cx="1365107" cy="562578"/>
+          </a:xfrm>
+          <a:prstGeom prst="rect">
+            <a:avLst/>
+          </a:prstGeom>
+        </p:spPr>
+        <p:txBody>
+          <a:bodyPr vert="horz" lIns="91440" tIns="45720" rIns="91440" bIns="45720" rtlCol="0">
+            <a:noAutofit/>
+          </a:bodyPr>
+          <a:lstStyle>
+            <a:lvl1pPr marL="228600" indent="-228600" algn="l" defTabSz="914400" rtl="0" eaLnBrk="1" latinLnBrk="0" hangingPunct="1">
+              <a:lnSpc>
+                <a:spcPct val="90000"/>
+              </a:lnSpc>
+              <a:spcBef>
+                <a:spcPts val="1000"/>
+              </a:spcBef>
+              <a:buFont typeface="Arial" panose="020B0604020202020204" pitchFamily="34" charset="0"/>
+              <a:buChar char="•"/>
+              <a:defRPr sz="2800" kern="1200">
+                <a:solidFill>
+                  <a:schemeClr val="tx1"/>
+                </a:solidFill>
+                <a:latin typeface="+mn-lt"/>
+                <a:ea typeface="+mn-ea"/>
+                <a:cs typeface="+mn-cs"/>
+              </a:defRPr>
+            </a:lvl1pPr>
+            <a:lvl2pPr marL="685800" indent="-228600" algn="l" defTabSz="914400" rtl="0" eaLnBrk="1" latinLnBrk="0" hangingPunct="1">
+              <a:lnSpc>
+                <a:spcPct val="90000"/>
+              </a:lnSpc>
+              <a:spcBef>
+                <a:spcPts val="500"/>
+              </a:spcBef>
+              <a:buFont typeface="Arial" panose="020B0604020202020204" pitchFamily="34" charset="0"/>
+              <a:buChar char="•"/>
+              <a:defRPr sz="2400" kern="1200">
+                <a:solidFill>
+                  <a:schemeClr val="tx1"/>
+                </a:solidFill>
+                <a:latin typeface="+mn-lt"/>
+                <a:ea typeface="+mn-ea"/>
+                <a:cs typeface="+mn-cs"/>
+              </a:defRPr>
+            </a:lvl2pPr>
+            <a:lvl3pPr marL="1143000" indent="-228600" algn="l" defTabSz="914400" rtl="0" eaLnBrk="1" latinLnBrk="0" hangingPunct="1">
+              <a:lnSpc>
+                <a:spcPct val="90000"/>
+              </a:lnSpc>
+              <a:spcBef>
+                <a:spcPts val="500"/>
+              </a:spcBef>
+              <a:buFont typeface="Arial" panose="020B0604020202020204" pitchFamily="34" charset="0"/>
+              <a:buChar char="•"/>
+              <a:defRPr sz="2000" kern="1200">
+                <a:solidFill>
+                  <a:schemeClr val="tx1"/>
+                </a:solidFill>
+                <a:latin typeface="+mn-lt"/>
+                <a:ea typeface="+mn-ea"/>
+                <a:cs typeface="+mn-cs"/>
+              </a:defRPr>
+            </a:lvl3pPr>
+            <a:lvl4pPr marL="1600200" indent="-228600" algn="l" defTabSz="914400" rtl="0" eaLnBrk="1" latinLnBrk="0" hangingPunct="1">
+              <a:lnSpc>
+                <a:spcPct val="90000"/>
+              </a:lnSpc>
+              <a:spcBef>
+                <a:spcPts val="500"/>
+              </a:spcBef>
+              <a:buFont typeface="Arial" panose="020B0604020202020204" pitchFamily="34" charset="0"/>
+              <a:buChar char="•"/>
+              <a:defRPr sz="1800" kern="1200">
+                <a:solidFill>
+                  <a:schemeClr val="tx1"/>
+                </a:solidFill>
+                <a:latin typeface="+mn-lt"/>
+                <a:ea typeface="+mn-ea"/>
+                <a:cs typeface="+mn-cs"/>
+              </a:defRPr>
+            </a:lvl4pPr>
+            <a:lvl5pPr marL="2057400" indent="-228600" algn="l" defTabSz="914400" rtl="0" eaLnBrk="1" latinLnBrk="0" hangingPunct="1">
+              <a:lnSpc>
+                <a:spcPct val="90000"/>
+              </a:lnSpc>
+              <a:spcBef>
+                <a:spcPts val="500"/>
+              </a:spcBef>
+              <a:buFont typeface="Arial" panose="020B0604020202020204" pitchFamily="34" charset="0"/>
+              <a:buChar char="•"/>
+              <a:defRPr sz="1800" kern="1200">
+                <a:solidFill>
+                  <a:schemeClr val="tx1"/>
+                </a:solidFill>
+                <a:latin typeface="+mn-lt"/>
+                <a:ea typeface="+mn-ea"/>
+                <a:cs typeface="+mn-cs"/>
+              </a:defRPr>
+            </a:lvl5pPr>
+            <a:lvl6pPr marL="2514600" indent="-228600" algn="l" defTabSz="914400" rtl="0" eaLnBrk="1" latinLnBrk="0" hangingPunct="1">
+              <a:lnSpc>
+                <a:spcPct val="90000"/>
+              </a:lnSpc>
+              <a:spcBef>
+                <a:spcPts val="500"/>
+              </a:spcBef>
+              <a:buFont typeface="Arial" panose="020B0604020202020204" pitchFamily="34" charset="0"/>
+              <a:buChar char="•"/>
+              <a:defRPr sz="1800" kern="1200">
+                <a:solidFill>
+                  <a:schemeClr val="tx1"/>
+                </a:solidFill>
+                <a:latin typeface="+mn-lt"/>
+                <a:ea typeface="+mn-ea"/>
+                <a:cs typeface="+mn-cs"/>
+              </a:defRPr>
+            </a:lvl6pPr>
+            <a:lvl7pPr marL="2971800" indent="-228600" algn="l" defTabSz="914400" rtl="0" eaLnBrk="1" latinLnBrk="0" hangingPunct="1">
+              <a:lnSpc>
+                <a:spcPct val="90000"/>
+              </a:lnSpc>
+              <a:spcBef>
+                <a:spcPts val="500"/>
+              </a:spcBef>
+              <a:buFont typeface="Arial" panose="020B0604020202020204" pitchFamily="34" charset="0"/>
+              <a:buChar char="•"/>
+              <a:defRPr sz="1800" kern="1200">
+                <a:solidFill>
+                  <a:schemeClr val="tx1"/>
+                </a:solidFill>
+                <a:latin typeface="+mn-lt"/>
+                <a:ea typeface="+mn-ea"/>
+                <a:cs typeface="+mn-cs"/>
+              </a:defRPr>
+            </a:lvl7pPr>
+            <a:lvl8pPr marL="3429000" indent="-228600" algn="l" defTabSz="914400" rtl="0" eaLnBrk="1" latinLnBrk="0" hangingPunct="1">
+              <a:lnSpc>
+                <a:spcPct val="90000"/>
+              </a:lnSpc>
+              <a:spcBef>
+                <a:spcPts val="500"/>
+              </a:spcBef>
+              <a:buFont typeface="Arial" panose="020B0604020202020204" pitchFamily="34" charset="0"/>
+              <a:buChar char="•"/>
+              <a:defRPr sz="1800" kern="1200">
+                <a:solidFill>
+                  <a:schemeClr val="tx1"/>
+                </a:solidFill>
+                <a:latin typeface="+mn-lt"/>
+                <a:ea typeface="+mn-ea"/>
+                <a:cs typeface="+mn-cs"/>
+              </a:defRPr>
+            </a:lvl8pPr>
+            <a:lvl9pPr marL="3886200" indent="-228600" algn="l" defTabSz="914400" rtl="0" eaLnBrk="1" latinLnBrk="0" hangingPunct="1">
+              <a:lnSpc>
+                <a:spcPct val="90000"/>
+              </a:lnSpc>
+              <a:spcBef>
+                <a:spcPts val="500"/>
+              </a:spcBef>
+              <a:buFont typeface="Arial" panose="020B0604020202020204" pitchFamily="34" charset="0"/>
+              <a:buChar char="•"/>
+              <a:defRPr sz="1800" kern="1200">
+                <a:solidFill>
+                  <a:schemeClr val="tx1"/>
+                </a:solidFill>
+                <a:latin typeface="+mn-lt"/>
+                <a:ea typeface="+mn-ea"/>
+                <a:cs typeface="+mn-cs"/>
+              </a:defRPr>
+            </a:lvl9pPr>
+          </a:lstStyle>
+          <a:p>
+            <a:pPr marL="0" indent="0">
+              <a:buNone/>
+            </a:pPr>
+            <a:r>
+              <a:rPr lang="uk-UA" sz="1800" dirty="0" smtClean="0">
+                <a:latin typeface="Times New Roman" panose="02020603050405020304" pitchFamily="18" charset="0"/>
+                <a:cs typeface="Times New Roman" panose="02020603050405020304" pitchFamily="18" charset="0"/>
+              </a:rPr>
+              <a:t>Львів 2019</a:t>
+            </a:r>
+            <a:endParaRPr lang="uk-UA" sz="1800" dirty="0">
               <a:latin typeface="Times New Roman" panose="02020603050405020304" pitchFamily="18" charset="0"/>
               <a:cs typeface="Times New Roman" panose="02020603050405020304" pitchFamily="18" charset="0"/>
             </a:endParaRPr>
@@ -6530,14 +6731,59 @@
       </p:grpSpPr>
       <p:sp>
         <p:nvSpPr>
-          <p:cNvPr id="4" name="Прямоугольник 3"/>
+          <p:cNvPr id="13" name="Прямоугольник 12"/>
           <p:cNvSpPr/>
           <p:nvPr/>
         </p:nvSpPr>
         <p:spPr>
           <a:xfrm>
-            <a:off x="714417" y="2987756"/>
-            <a:ext cx="9068188" cy="523220"/>
+            <a:off x="366916" y="1745726"/>
+            <a:ext cx="11185004" cy="4686747"/>
+          </a:xfrm>
+          <a:prstGeom prst="rect">
+            <a:avLst/>
+          </a:prstGeom>
+          <a:solidFill>
+            <a:schemeClr val="bg1">
+              <a:alpha val="52000"/>
+            </a:schemeClr>
+          </a:solidFill>
+        </p:spPr>
+        <p:style>
+          <a:lnRef idx="2">
+            <a:schemeClr val="accent1">
+              <a:shade val="50000"/>
+            </a:schemeClr>
+          </a:lnRef>
+          <a:fillRef idx="1">
+            <a:schemeClr val="accent1"/>
+          </a:fillRef>
+          <a:effectRef idx="0">
+            <a:schemeClr val="accent1"/>
+          </a:effectRef>
+          <a:fontRef idx="minor">
+            <a:schemeClr val="lt1"/>
+          </a:fontRef>
+        </p:style>
+        <p:txBody>
+          <a:bodyPr rtlCol="0" anchor="ctr"/>
+          <a:lstStyle/>
+          <a:p>
+            <a:pPr algn="ctr"/>
+            <a:endParaRPr lang="ru-RU"/>
+          </a:p>
+        </p:txBody>
+      </p:sp>
+      <p:sp>
+        <p:nvSpPr>
+          <p:cNvPr id="5" name="Прямоугольник 4"/>
+          <p:cNvSpPr/>
+          <p:nvPr/>
+        </p:nvSpPr>
+        <p:spPr>
+          <a:xfrm>
+            <a:off x="5012354" y="2189980"/>
+            <a:ext cx="3155287" cy="400110"/>
           </a:xfrm>
           <a:prstGeom prst="rect">
             <a:avLst/>
@@ -6550,12 +6796,21 @@
           <a:lstStyle/>
           <a:p>
             <a:r>
-              <a:rPr lang="en-US" sz="2800" dirty="0" smtClean="0">
-                <a:hlinkClick r:id="rId2"/>
-              </a:rPr>
-              <a:t>https://keinohrhasen.github.io/FormatStandardify/converter</a:t>
-            </a:r>
-            <a:endParaRPr lang="ru-RU" sz="2800" dirty="0"/>
+              <a:rPr lang="en-US" sz="2000" b="1" dirty="0" smtClean="0">
+                <a:solidFill>
+                  <a:srgbClr val="00B050"/>
+                </a:solidFill>
+                <a:effectLst/>
+                <a:latin typeface="Times New Roman" panose="02020603050405020304" pitchFamily="18" charset="0"/>
+                <a:ea typeface="Calibri" panose="020F0502020204030204" pitchFamily="34" charset="0"/>
+              </a:rPr>
+              <a:t>HTML + CSS + JavaScript</a:t>
+            </a:r>
+            <a:endParaRPr lang="ru-RU" sz="2000" dirty="0">
+              <a:solidFill>
+                <a:srgbClr val="00B050"/>
+              </a:solidFill>
+            </a:endParaRPr>
           </a:p>
         </p:txBody>
       </p:sp>
@@ -6567,76 +6822,357 @@
         </p:nvSpPr>
         <p:spPr>
           <a:xfrm>
-            <a:off x="409617" y="365427"/>
-            <a:ext cx="6286208" cy="523220"/>
+            <a:off x="2813064" y="3365050"/>
+            <a:ext cx="2380973" cy="400110"/>
+          </a:xfrm>
+          <a:prstGeom prst="rect">
+            <a:avLst/>
+          </a:prstGeom>
+        </p:spPr>
+        <p:txBody>
+          <a:bodyPr wrap="none">
+            <a:spAutoFit/>
+          </a:bodyPr>
+          <a:lstStyle/>
+          <a:p>
+            <a:r>
+              <a:rPr lang="en-US" sz="2000" b="1" dirty="0" smtClean="0">
+                <a:solidFill>
+                  <a:srgbClr val="00B050"/>
+                </a:solidFill>
+                <a:effectLst/>
+                <a:latin typeface="Times New Roman" panose="02020603050405020304" pitchFamily="18" charset="0"/>
+                <a:ea typeface="Calibri" panose="020F0502020204030204" pitchFamily="34" charset="0"/>
+              </a:rPr>
+              <a:t>Angular framework</a:t>
+            </a:r>
+            <a:endParaRPr lang="ru-RU" sz="2000" dirty="0">
+              <a:solidFill>
+                <a:srgbClr val="00B050"/>
+              </a:solidFill>
+            </a:endParaRPr>
+          </a:p>
+        </p:txBody>
+      </p:sp>
+      <p:sp>
+        <p:nvSpPr>
+          <p:cNvPr id="7" name="Прямоугольник 6"/>
+          <p:cNvSpPr/>
+          <p:nvPr/>
+        </p:nvSpPr>
+        <p:spPr>
+          <a:xfrm>
+            <a:off x="8109215" y="3365050"/>
+            <a:ext cx="1713931" cy="400110"/>
+          </a:xfrm>
+          <a:prstGeom prst="rect">
+            <a:avLst/>
+          </a:prstGeom>
+        </p:spPr>
+        <p:txBody>
+          <a:bodyPr wrap="none">
+            <a:spAutoFit/>
+          </a:bodyPr>
+          <a:lstStyle/>
+          <a:p>
+            <a:r>
+              <a:rPr lang="en-US" sz="2000" b="1" dirty="0" smtClean="0">
+                <a:solidFill>
+                  <a:srgbClr val="00B050"/>
+                </a:solidFill>
+                <a:effectLst/>
+                <a:latin typeface="Times New Roman" panose="02020603050405020304" pitchFamily="18" charset="0"/>
+                <a:ea typeface="Calibri" panose="020F0502020204030204" pitchFamily="34" charset="0"/>
+              </a:rPr>
+              <a:t>GitHub Pages</a:t>
+            </a:r>
+            <a:endParaRPr lang="ru-RU" sz="2000" dirty="0">
+              <a:solidFill>
+                <a:srgbClr val="00B050"/>
+              </a:solidFill>
+            </a:endParaRPr>
+          </a:p>
+        </p:txBody>
+      </p:sp>
+      <p:sp>
+        <p:nvSpPr>
+          <p:cNvPr id="8" name="Прямоугольник 7"/>
+          <p:cNvSpPr/>
+          <p:nvPr/>
+        </p:nvSpPr>
+        <p:spPr>
+          <a:xfrm>
+            <a:off x="6759033" y="5546840"/>
+            <a:ext cx="2108462" cy="400110"/>
+          </a:xfrm>
+          <a:prstGeom prst="rect">
+            <a:avLst/>
+          </a:prstGeom>
+        </p:spPr>
+        <p:txBody>
+          <a:bodyPr wrap="none">
+            <a:spAutoFit/>
+          </a:bodyPr>
+          <a:lstStyle/>
+          <a:p>
+            <a:r>
+              <a:rPr lang="en-US" sz="2000" b="1" dirty="0" smtClean="0">
+                <a:solidFill>
+                  <a:srgbClr val="00B050"/>
+                </a:solidFill>
+                <a:latin typeface="Times New Roman" panose="02020603050405020304" pitchFamily="18" charset="0"/>
+              </a:rPr>
+              <a:t>Angular Material</a:t>
+            </a:r>
+            <a:endParaRPr lang="ru-RU" sz="2000" dirty="0">
+              <a:solidFill>
+                <a:srgbClr val="00B050"/>
+              </a:solidFill>
+            </a:endParaRPr>
+          </a:p>
+        </p:txBody>
+      </p:sp>
+      <p:sp>
+        <p:nvSpPr>
+          <p:cNvPr id="9" name="Прямоугольник 8"/>
+          <p:cNvSpPr/>
+          <p:nvPr/>
+        </p:nvSpPr>
+        <p:spPr>
+          <a:xfrm>
+            <a:off x="5012354" y="5546840"/>
+            <a:ext cx="646331" cy="707886"/>
+          </a:xfrm>
+          <a:prstGeom prst="rect">
+            <a:avLst/>
+          </a:prstGeom>
+        </p:spPr>
+        <p:txBody>
+          <a:bodyPr wrap="none">
+            <a:spAutoFit/>
+          </a:bodyPr>
+          <a:lstStyle/>
+          <a:p>
+            <a:r>
+              <a:rPr lang="en-US" sz="2000" b="1" dirty="0" err="1">
+                <a:solidFill>
+                  <a:srgbClr val="00B050"/>
+                </a:solidFill>
+              </a:rPr>
+              <a:t>xlsx</a:t>
+            </a:r>
+            <a:endParaRPr lang="en-US" sz="2000" b="1" dirty="0">
+              <a:solidFill>
+                <a:srgbClr val="00B050"/>
+              </a:solidFill>
+            </a:endParaRPr>
+          </a:p>
+          <a:p>
+            <a:endParaRPr lang="en-US" sz="2000" dirty="0">
+              <a:solidFill>
+                <a:srgbClr val="00B050"/>
+              </a:solidFill>
+            </a:endParaRPr>
+          </a:p>
+        </p:txBody>
+      </p:sp>
+      <p:sp>
+        <p:nvSpPr>
+          <p:cNvPr id="10" name="Прямоугольник 9"/>
+          <p:cNvSpPr/>
+          <p:nvPr/>
+        </p:nvSpPr>
+        <p:spPr>
+          <a:xfrm>
+            <a:off x="8364573" y="4634911"/>
+            <a:ext cx="1148263" cy="400110"/>
+          </a:xfrm>
+          <a:prstGeom prst="rect">
+            <a:avLst/>
+          </a:prstGeom>
+        </p:spPr>
+        <p:txBody>
+          <a:bodyPr wrap="none">
+            <a:spAutoFit/>
+          </a:bodyPr>
+          <a:lstStyle/>
+          <a:p>
+            <a:r>
+              <a:rPr lang="en-US" sz="2000" b="1" dirty="0" err="1" smtClean="0">
+                <a:solidFill>
+                  <a:srgbClr val="00B050"/>
+                </a:solidFill>
+                <a:effectLst/>
+                <a:latin typeface="Times New Roman" panose="02020603050405020304" pitchFamily="18" charset="0"/>
+                <a:ea typeface="Calibri" panose="020F0502020204030204" pitchFamily="34" charset="0"/>
+              </a:rPr>
+              <a:t>FireBase</a:t>
+            </a:r>
+            <a:endParaRPr lang="ru-RU" sz="2000" dirty="0">
+              <a:solidFill>
+                <a:srgbClr val="00B050"/>
+              </a:solidFill>
+            </a:endParaRPr>
+          </a:p>
+        </p:txBody>
+      </p:sp>
+      <p:sp>
+        <p:nvSpPr>
+          <p:cNvPr id="11" name="Прямоугольник 10"/>
+          <p:cNvSpPr/>
+          <p:nvPr/>
+        </p:nvSpPr>
+        <p:spPr>
+          <a:xfrm>
+            <a:off x="534556" y="1772023"/>
+            <a:ext cx="2618217" cy="369332"/>
+          </a:xfrm>
+          <a:prstGeom prst="rect">
+            <a:avLst/>
+          </a:prstGeom>
+        </p:spPr>
+        <p:txBody>
+          <a:bodyPr wrap="none">
+            <a:spAutoFit/>
+          </a:bodyPr>
+          <a:lstStyle/>
+          <a:p>
+            <a:r>
+              <a:rPr lang="uk-UA" b="1" dirty="0" smtClean="0">
+                <a:latin typeface="Times New Roman" panose="02020603050405020304" pitchFamily="18" charset="0"/>
+              </a:rPr>
+              <a:t>Використані технології</a:t>
+            </a:r>
+            <a:endParaRPr lang="ru-RU" dirty="0"/>
+          </a:p>
+        </p:txBody>
+      </p:sp>
+      <p:sp>
+        <p:nvSpPr>
+          <p:cNvPr id="12" name="Прямоугольник 11"/>
+          <p:cNvSpPr/>
+          <p:nvPr/>
+        </p:nvSpPr>
+        <p:spPr>
+          <a:xfrm>
+            <a:off x="3358405" y="4727244"/>
+            <a:ext cx="1172116" cy="400110"/>
+          </a:xfrm>
+          <a:prstGeom prst="rect">
+            <a:avLst/>
+          </a:prstGeom>
+        </p:spPr>
+        <p:txBody>
+          <a:bodyPr wrap="none">
+            <a:spAutoFit/>
+          </a:bodyPr>
+          <a:lstStyle/>
+          <a:p>
+            <a:r>
+              <a:rPr lang="en-US" sz="2000" b="1" dirty="0" err="1" smtClean="0">
+                <a:solidFill>
+                  <a:srgbClr val="00B050"/>
+                </a:solidFill>
+                <a:effectLst/>
+                <a:latin typeface="Consolas" panose="020B0609020204030204" pitchFamily="49" charset="0"/>
+              </a:rPr>
+              <a:t>sheetjs</a:t>
+            </a:r>
+            <a:endParaRPr lang="en-US" sz="2000" b="1" dirty="0">
+              <a:solidFill>
+                <a:srgbClr val="00B050"/>
+              </a:solidFill>
+              <a:effectLst/>
+              <a:latin typeface="Consolas" panose="020B0609020204030204" pitchFamily="49" charset="0"/>
+            </a:endParaRPr>
+          </a:p>
+        </p:txBody>
+      </p:sp>
+      <p:sp>
+        <p:nvSpPr>
+          <p:cNvPr id="15" name="Прямоугольник 14"/>
+          <p:cNvSpPr/>
+          <p:nvPr/>
+        </p:nvSpPr>
+        <p:spPr>
+          <a:xfrm>
+            <a:off x="0" y="510797"/>
+            <a:ext cx="5194037" cy="558743"/>
           </a:xfrm>
           <a:prstGeom prst="rect">
             <a:avLst/>
           </a:prstGeom>
           <a:solidFill>
-            <a:schemeClr val="dk1">
-              <a:alpha val="50000"/>
-            </a:schemeClr>
+            <a:srgbClr val="92D050">
+              <a:alpha val="80000"/>
+            </a:srgbClr>
           </a:solidFill>
           <a:ln>
-            <a:solidFill>
-              <a:schemeClr val="accent1"/>
-            </a:solidFill>
+            <a:noFill/>
           </a:ln>
         </p:spPr>
-        <p:style>
-          <a:lnRef idx="2">
-            <a:schemeClr val="dk1">
-              <a:shade val="50000"/>
-            </a:schemeClr>
-          </a:lnRef>
-          <a:fillRef idx="1">
-            <a:schemeClr val="dk1"/>
-          </a:fillRef>
-          <a:effectRef idx="0">
-            <a:schemeClr val="dk1"/>
-          </a:effectRef>
-          <a:fontRef idx="minor">
-            <a:schemeClr val="lt1"/>
-          </a:fontRef>
-        </p:style>
-        <p:txBody>
-          <a:bodyPr wrap="none">
+        <p:txBody>
+          <a:bodyPr wrap="square">
             <a:spAutoFit/>
           </a:bodyPr>
           <a:lstStyle/>
           <a:p>
-            <a:r>
-              <a:rPr lang="uk-UA" sz="2800" b="1" dirty="0" smtClean="0">
-                <a:effectLst/>
-                <a:latin typeface="Times New Roman" panose="02020603050405020304" pitchFamily="18" charset="0"/>
-                <a:ea typeface="Calibri" panose="020F0502020204030204" pitchFamily="34" charset="0"/>
-              </a:rPr>
-              <a:t>      Адреса </a:t>
-            </a:r>
-            <a:r>
-              <a:rPr lang="uk-UA" sz="2800" b="1" dirty="0" smtClean="0">
-                <a:latin typeface="Times New Roman" panose="02020603050405020304" pitchFamily="18" charset="0"/>
-                <a:ea typeface="Calibri" panose="020F0502020204030204" pitchFamily="34" charset="0"/>
-              </a:rPr>
-              <a:t>Конвертера </a:t>
-            </a:r>
-            <a:r>
-              <a:rPr lang="uk-UA" sz="2800" b="1" dirty="0" smtClean="0">
-                <a:effectLst/>
-                <a:latin typeface="Times New Roman" panose="02020603050405020304" pitchFamily="18" charset="0"/>
-                <a:ea typeface="Calibri" panose="020F0502020204030204" pitchFamily="34" charset="0"/>
-              </a:rPr>
-              <a:t>в Інтернеті      </a:t>
-            </a:r>
-            <a:endParaRPr lang="ru-RU" sz="2800" dirty="0"/>
+            <a:pPr marL="276225" algn="just">
+              <a:lnSpc>
+                <a:spcPct val="115000"/>
+              </a:lnSpc>
+              <a:spcAft>
+                <a:spcPts val="0"/>
+              </a:spcAft>
+            </a:pPr>
+            <a:r>
+              <a:rPr lang="ru-RU" sz="2800" b="1" dirty="0" err="1" smtClean="0">
+                <a:solidFill>
+                  <a:schemeClr val="bg1"/>
+                </a:solidFill>
+                <a:latin typeface="Calibri" panose="020F0502020204030204" pitchFamily="34" charset="0"/>
+                <a:ea typeface="Calibri" panose="020F0502020204030204" pitchFamily="34" charset="0"/>
+                <a:cs typeface="Calibri" panose="020F0502020204030204" pitchFamily="34" charset="0"/>
+              </a:rPr>
+              <a:t>Створення</a:t>
+            </a:r>
+            <a:r>
+              <a:rPr lang="ru-RU" sz="2800" b="1" dirty="0" smtClean="0">
+                <a:solidFill>
+                  <a:schemeClr val="bg1"/>
+                </a:solidFill>
+                <a:latin typeface="Calibri" panose="020F0502020204030204" pitchFamily="34" charset="0"/>
+                <a:ea typeface="Calibri" panose="020F0502020204030204" pitchFamily="34" charset="0"/>
+                <a:cs typeface="Calibri" panose="020F0502020204030204" pitchFamily="34" charset="0"/>
+              </a:rPr>
+              <a:t> конвертера</a:t>
+            </a:r>
+            <a:r>
+              <a:rPr lang="en-US" sz="2800" b="1" dirty="0" smtClean="0">
+                <a:solidFill>
+                  <a:schemeClr val="bg1"/>
+                </a:solidFill>
+                <a:latin typeface="Calibri" panose="020F0502020204030204" pitchFamily="34" charset="0"/>
+                <a:ea typeface="Calibri" panose="020F0502020204030204" pitchFamily="34" charset="0"/>
+                <a:cs typeface="Calibri" panose="020F0502020204030204" pitchFamily="34" charset="0"/>
+              </a:rPr>
+              <a:t> </a:t>
+            </a:r>
+            <a:endParaRPr lang="ru-RU" sz="2800" b="1" dirty="0">
+              <a:solidFill>
+                <a:schemeClr val="bg1"/>
+              </a:solidFill>
+              <a:latin typeface="Calibri" panose="020F0502020204030204" pitchFamily="34" charset="0"/>
+              <a:ea typeface="Calibri" panose="020F0502020204030204" pitchFamily="34" charset="0"/>
+              <a:cs typeface="Calibri" panose="020F0502020204030204" pitchFamily="34" charset="0"/>
+            </a:endParaRPr>
           </a:p>
         </p:txBody>
       </p:sp>
     </p:spTree>
     <p:extLst>
       <p:ext uri="{BB962C8B-B14F-4D97-AF65-F5344CB8AC3E}">
-        <p14:creationId xmlns:p14="http://schemas.microsoft.com/office/powerpoint/2010/main" val="292215325"/>
+        <p14:creationId xmlns:p14="http://schemas.microsoft.com/office/powerpoint/2010/main" val="637476394"/>
       </p:ext>
     </p:extLst>
   </p:cSld>
@@ -6670,6 +7206,154 @@
           <a:chExt cx="0" cy="0"/>
         </a:xfrm>
       </p:grpSpPr>
+      <p:sp>
+        <p:nvSpPr>
+          <p:cNvPr id="4" name="Прямоугольник 3"/>
+          <p:cNvSpPr/>
+          <p:nvPr/>
+        </p:nvSpPr>
+        <p:spPr>
+          <a:xfrm>
+            <a:off x="577257" y="2652476"/>
+            <a:ext cx="10610597" cy="523220"/>
+          </a:xfrm>
+          <a:prstGeom prst="rect">
+            <a:avLst/>
+          </a:prstGeom>
+        </p:spPr>
+        <p:txBody>
+          <a:bodyPr wrap="none">
+            <a:spAutoFit/>
+          </a:bodyPr>
+          <a:lstStyle/>
+          <a:p>
+            <a:r>
+              <a:rPr lang="en-US" sz="2800" dirty="0" smtClean="0">
+                <a:solidFill>
+                  <a:schemeClr val="bg1"/>
+                </a:solidFill>
+                <a:hlinkClick r:id="rId2"/>
+              </a:rPr>
+              <a:t>https://keinohrhasen.github.io/FormatStandardify/converter</a:t>
+            </a:r>
+            <a:endParaRPr lang="ru-RU" sz="2800" dirty="0">
+              <a:solidFill>
+                <a:schemeClr val="bg1"/>
+              </a:solidFill>
+            </a:endParaRPr>
+          </a:p>
+        </p:txBody>
+      </p:sp>
+      <p:sp>
+        <p:nvSpPr>
+          <p:cNvPr id="5" name="Прямоугольник 4"/>
+          <p:cNvSpPr/>
+          <p:nvPr/>
+        </p:nvSpPr>
+        <p:spPr>
+          <a:xfrm>
+            <a:off x="0" y="510797"/>
+            <a:ext cx="6339840" cy="587853"/>
+          </a:xfrm>
+          <a:prstGeom prst="rect">
+            <a:avLst/>
+          </a:prstGeom>
+          <a:solidFill>
+            <a:srgbClr val="92D050">
+              <a:alpha val="80000"/>
+            </a:srgbClr>
+          </a:solidFill>
+          <a:ln>
+            <a:noFill/>
+          </a:ln>
+        </p:spPr>
+        <p:txBody>
+          <a:bodyPr wrap="square">
+            <a:spAutoFit/>
+          </a:bodyPr>
+          <a:lstStyle/>
+          <a:p>
+            <a:pPr marL="276225" algn="just">
+              <a:lnSpc>
+                <a:spcPct val="115000"/>
+              </a:lnSpc>
+              <a:spcAft>
+                <a:spcPts val="0"/>
+              </a:spcAft>
+            </a:pPr>
+            <a:r>
+              <a:rPr lang="ru-RU" sz="2800" b="1" dirty="0">
+                <a:solidFill>
+                  <a:schemeClr val="bg1"/>
+                </a:solidFill>
+                <a:latin typeface="Calibri" panose="020F0502020204030204" pitchFamily="34" charset="0"/>
+                <a:ea typeface="Calibri" panose="020F0502020204030204" pitchFamily="34" charset="0"/>
+                <a:cs typeface="Calibri" panose="020F0502020204030204" pitchFamily="34" charset="0"/>
+              </a:rPr>
+              <a:t> Адреса Конвертера в </a:t>
+            </a:r>
+            <a:r>
+              <a:rPr lang="ru-RU" sz="2800" b="1" dirty="0" err="1">
+                <a:solidFill>
+                  <a:schemeClr val="bg1"/>
+                </a:solidFill>
+                <a:latin typeface="Calibri" panose="020F0502020204030204" pitchFamily="34" charset="0"/>
+                <a:ea typeface="Calibri" panose="020F0502020204030204" pitchFamily="34" charset="0"/>
+                <a:cs typeface="Calibri" panose="020F0502020204030204" pitchFamily="34" charset="0"/>
+              </a:rPr>
+              <a:t>Інтернеті</a:t>
+            </a:r>
+            <a:r>
+              <a:rPr lang="ru-RU" sz="2800" b="1" dirty="0">
+                <a:solidFill>
+                  <a:schemeClr val="bg1"/>
+                </a:solidFill>
+                <a:latin typeface="Calibri" panose="020F0502020204030204" pitchFamily="34" charset="0"/>
+                <a:ea typeface="Calibri" panose="020F0502020204030204" pitchFamily="34" charset="0"/>
+                <a:cs typeface="Calibri" panose="020F0502020204030204" pitchFamily="34" charset="0"/>
+              </a:rPr>
+              <a:t> </a:t>
+            </a:r>
+          </a:p>
+        </p:txBody>
+      </p:sp>
+    </p:spTree>
+    <p:extLst>
+      <p:ext uri="{BB962C8B-B14F-4D97-AF65-F5344CB8AC3E}">
+        <p14:creationId xmlns:p14="http://schemas.microsoft.com/office/powerpoint/2010/main" val="292215325"/>
+      </p:ext>
+    </p:extLst>
+  </p:cSld>
+  <p:clrMapOvr>
+    <a:masterClrMapping/>
+  </p:clrMapOvr>
+  <p:timing>
+    <p:tnLst>
+      <p:par>
+        <p:cTn id="1" dur="indefinite" restart="never" nodeType="tmRoot"/>
+      </p:par>
+    </p:tnLst>
+  </p:timing>
+</p:sld>
+</file>
+
+<file path=ppt/slides/slide12.xml><?xml version="1.0" encoding="utf-8"?>
+<p:sld xmlns:a="http://schemas.openxmlformats.org/drawingml/2006/main" xmlns:r="http://schemas.openxmlformats.org/officeDocument/2006/relationships" xmlns:p="http://schemas.openxmlformats.org/presentationml/2006/main">
+  <p:cSld>
+    <p:spTree>
+      <p:nvGrpSpPr>
+        <p:cNvPr id="1" name=""/>
+        <p:cNvGrpSpPr/>
+        <p:nvPr/>
+      </p:nvGrpSpPr>
+      <p:grpSpPr>
+        <a:xfrm>
+          <a:off x="0" y="0"/>
+          <a:ext cx="0" cy="0"/>
+          <a:chOff x="0" y="0"/>
+          <a:chExt cx="0" cy="0"/>
+        </a:xfrm>
+      </p:grpSpPr>
       <p:pic>
         <p:nvPicPr>
           <p:cNvPr id="5" name="Рисунок 4"/>
@@ -6685,7 +7369,7 @@
         <p:spPr>
           <a:xfrm>
             <a:off x="333468" y="3579809"/>
-            <a:ext cx="6196985" cy="2968326"/>
+            <a:ext cx="6354739" cy="2968326"/>
           </a:xfrm>
           <a:prstGeom prst="rect">
             <a:avLst/>
@@ -6727,52 +7411,112 @@
       </p:pic>
       <p:sp>
         <p:nvSpPr>
-          <p:cNvPr id="8" name="Прямоугольник 7"/>
+          <p:cNvPr id="6" name="Прямоугольник 5"/>
           <p:cNvSpPr/>
           <p:nvPr/>
         </p:nvSpPr>
         <p:spPr>
           <a:xfrm>
-            <a:off x="333468" y="566763"/>
-            <a:ext cx="6437194" cy="981423"/>
+            <a:off x="0" y="788645"/>
+            <a:ext cx="6339840" cy="558743"/>
           </a:xfrm>
           <a:prstGeom prst="rect">
             <a:avLst/>
           </a:prstGeom>
           <a:solidFill>
-            <a:schemeClr val="bg1">
-              <a:alpha val="50000"/>
-            </a:schemeClr>
+            <a:srgbClr val="92D050">
+              <a:alpha val="80000"/>
+            </a:srgbClr>
           </a:solidFill>
           <a:ln>
-            <a:solidFill>
-              <a:schemeClr val="accent1"/>
-            </a:solidFill>
+            <a:noFill/>
           </a:ln>
         </p:spPr>
-        <p:style>
-          <a:lnRef idx="2">
-            <a:schemeClr val="dk1">
-              <a:shade val="50000"/>
-            </a:schemeClr>
-          </a:lnRef>
-          <a:fillRef idx="1">
-            <a:schemeClr val="dk1"/>
-          </a:fillRef>
-          <a:effectRef idx="0">
-            <a:schemeClr val="dk1"/>
-          </a:effectRef>
-          <a:fontRef idx="minor">
-            <a:schemeClr val="lt1"/>
-          </a:fontRef>
-        </p:style>
         <p:txBody>
           <a:bodyPr wrap="square">
             <a:spAutoFit/>
           </a:bodyPr>
           <a:lstStyle/>
           <a:p>
-            <a:pPr algn="just">
+            <a:pPr marL="276225" algn="just">
+              <a:lnSpc>
+                <a:spcPct val="115000"/>
+              </a:lnSpc>
+              <a:spcAft>
+                <a:spcPts val="0"/>
+              </a:spcAft>
+            </a:pPr>
+            <a:r>
+              <a:rPr lang="uk-UA" sz="2800" b="1" dirty="0" smtClean="0">
+                <a:solidFill>
+                  <a:schemeClr val="bg1"/>
+                </a:solidFill>
+                <a:latin typeface="Calibri" panose="020F0502020204030204" pitchFamily="34" charset="0"/>
+                <a:ea typeface="Calibri" panose="020F0502020204030204" pitchFamily="34" charset="0"/>
+                <a:cs typeface="Calibri" panose="020F0502020204030204" pitchFamily="34" charset="0"/>
+              </a:rPr>
+              <a:t>Лабораторія «</a:t>
+            </a:r>
+            <a:r>
+              <a:rPr lang="ru-RU" sz="2800" b="1" dirty="0" err="1" smtClean="0">
+                <a:solidFill>
+                  <a:schemeClr val="bg1"/>
+                </a:solidFill>
+                <a:latin typeface="Calibri" panose="020F0502020204030204" pitchFamily="34" charset="0"/>
+                <a:ea typeface="Calibri" panose="020F0502020204030204" pitchFamily="34" charset="0"/>
+                <a:cs typeface="Calibri" panose="020F0502020204030204" pitchFamily="34" charset="0"/>
+              </a:rPr>
+              <a:t>ГеоТераса</a:t>
+            </a:r>
+            <a:r>
+              <a:rPr lang="ru-RU" sz="2800" b="1" dirty="0" smtClean="0">
+                <a:solidFill>
+                  <a:schemeClr val="bg1"/>
+                </a:solidFill>
+                <a:latin typeface="Calibri" panose="020F0502020204030204" pitchFamily="34" charset="0"/>
+                <a:ea typeface="Calibri" panose="020F0502020204030204" pitchFamily="34" charset="0"/>
+                <a:cs typeface="Calibri" panose="020F0502020204030204" pitchFamily="34" charset="0"/>
+              </a:rPr>
+              <a:t>»</a:t>
+            </a:r>
+            <a:endParaRPr lang="ru-RU" sz="2800" b="1" dirty="0">
+              <a:solidFill>
+                <a:schemeClr val="bg1"/>
+              </a:solidFill>
+              <a:latin typeface="Calibri" panose="020F0502020204030204" pitchFamily="34" charset="0"/>
+              <a:ea typeface="Calibri" panose="020F0502020204030204" pitchFamily="34" charset="0"/>
+              <a:cs typeface="Calibri" panose="020F0502020204030204" pitchFamily="34" charset="0"/>
+            </a:endParaRPr>
+          </a:p>
+        </p:txBody>
+      </p:sp>
+      <p:sp>
+        <p:nvSpPr>
+          <p:cNvPr id="9" name="Прямоугольник 8"/>
+          <p:cNvSpPr/>
+          <p:nvPr/>
+        </p:nvSpPr>
+        <p:spPr>
+          <a:xfrm>
+            <a:off x="333468" y="1765178"/>
+            <a:ext cx="6354739" cy="1409617"/>
+          </a:xfrm>
+          <a:prstGeom prst="rect">
+            <a:avLst/>
+          </a:prstGeom>
+          <a:solidFill>
+            <a:schemeClr val="tx1">
+              <a:alpha val="70000"/>
+            </a:schemeClr>
+          </a:solidFill>
+        </p:spPr>
+        <p:txBody>
+          <a:bodyPr wrap="square">
+            <a:spAutoFit/>
+          </a:bodyPr>
+          <a:lstStyle/>
+          <a:p>
+            <a:pPr>
               <a:lnSpc>
                 <a:spcPct val="107000"/>
               </a:lnSpc>
@@ -6781,47 +7525,241 @@
               </a:spcAft>
             </a:pPr>
             <a:r>
-              <a:rPr lang="uk-UA" dirty="0" smtClean="0">
-                <a:solidFill>
-                  <a:schemeClr val="tx1"/>
-                </a:solidFill>
-                <a:effectLst/>
-                <a:latin typeface="Times New Roman" panose="02020603050405020304" pitchFamily="18" charset="0"/>
-                <a:ea typeface="Calibri" panose="020F0502020204030204" pitchFamily="34" charset="0"/>
-                <a:cs typeface="Times New Roman" panose="02020603050405020304" pitchFamily="18" charset="0"/>
-              </a:rPr>
-              <a:t>Для перевірки правильності формування звіту в електронних  таблицях </a:t>
-            </a:r>
-            <a:r>
-              <a:rPr lang="en-US" dirty="0" smtClean="0">
-                <a:solidFill>
-                  <a:schemeClr val="tx1"/>
-                </a:solidFill>
-                <a:effectLst/>
-                <a:latin typeface="Times New Roman" panose="02020603050405020304" pitchFamily="18" charset="0"/>
-                <a:ea typeface="Calibri" panose="020F0502020204030204" pitchFamily="34" charset="0"/>
-                <a:cs typeface="Times New Roman" panose="02020603050405020304" pitchFamily="18" charset="0"/>
-              </a:rPr>
-              <a:t>EXCEL</a:t>
-            </a:r>
-            <a:r>
-              <a:rPr lang="uk-UA" dirty="0" smtClean="0">
-                <a:solidFill>
-                  <a:schemeClr val="tx1"/>
-                </a:solidFill>
-                <a:effectLst/>
-                <a:latin typeface="Times New Roman" panose="02020603050405020304" pitchFamily="18" charset="0"/>
-                <a:ea typeface="Calibri" panose="020F0502020204030204" pitchFamily="34" charset="0"/>
-                <a:cs typeface="Times New Roman" panose="02020603050405020304" pitchFamily="18" charset="0"/>
-              </a:rPr>
-              <a:t> було проведено дослідження на 4 пунктах лінійного базису лабораторії </a:t>
-            </a:r>
-            <a:r>
-              <a:rPr lang="en-US" dirty="0" err="1" smtClean="0">
-                <a:solidFill>
-                  <a:schemeClr val="tx1"/>
-                </a:solidFill>
-                <a:effectLst/>
+              <a:rPr lang="ru-RU" sz="2000" dirty="0" smtClean="0">
+                <a:solidFill>
+                  <a:schemeClr val="bg1"/>
+                </a:solidFill>
+                <a:latin typeface="Times New Roman" panose="02020603050405020304" pitchFamily="18" charset="0"/>
+                <a:ea typeface="Calibri" panose="020F0502020204030204" pitchFamily="34" charset="0"/>
+                <a:cs typeface="Times New Roman" panose="02020603050405020304" pitchFamily="18" charset="0"/>
+              </a:rPr>
+              <a:t>    Для </a:t>
+            </a:r>
+            <a:r>
+              <a:rPr lang="ru-RU" sz="2000" dirty="0" err="1">
+                <a:solidFill>
+                  <a:schemeClr val="bg1"/>
+                </a:solidFill>
+                <a:latin typeface="Times New Roman" panose="02020603050405020304" pitchFamily="18" charset="0"/>
+                <a:ea typeface="Calibri" panose="020F0502020204030204" pitchFamily="34" charset="0"/>
+                <a:cs typeface="Times New Roman" panose="02020603050405020304" pitchFamily="18" charset="0"/>
+              </a:rPr>
+              <a:t>перевірки</a:t>
+            </a:r>
+            <a:r>
+              <a:rPr lang="ru-RU" sz="2000" dirty="0">
+                <a:solidFill>
+                  <a:schemeClr val="bg1"/>
+                </a:solidFill>
+                <a:latin typeface="Times New Roman" panose="02020603050405020304" pitchFamily="18" charset="0"/>
+                <a:ea typeface="Calibri" panose="020F0502020204030204" pitchFamily="34" charset="0"/>
+                <a:cs typeface="Times New Roman" panose="02020603050405020304" pitchFamily="18" charset="0"/>
+              </a:rPr>
+              <a:t> </a:t>
+            </a:r>
+            <a:r>
+              <a:rPr lang="ru-RU" sz="2000" dirty="0" err="1">
+                <a:solidFill>
+                  <a:schemeClr val="bg1"/>
+                </a:solidFill>
+                <a:latin typeface="Times New Roman" panose="02020603050405020304" pitchFamily="18" charset="0"/>
+                <a:ea typeface="Calibri" panose="020F0502020204030204" pitchFamily="34" charset="0"/>
+                <a:cs typeface="Times New Roman" panose="02020603050405020304" pitchFamily="18" charset="0"/>
+              </a:rPr>
+              <a:t>правильності</a:t>
+            </a:r>
+            <a:r>
+              <a:rPr lang="ru-RU" sz="2000" dirty="0">
+                <a:solidFill>
+                  <a:schemeClr val="bg1"/>
+                </a:solidFill>
+                <a:latin typeface="Times New Roman" panose="02020603050405020304" pitchFamily="18" charset="0"/>
+                <a:ea typeface="Calibri" panose="020F0502020204030204" pitchFamily="34" charset="0"/>
+                <a:cs typeface="Times New Roman" panose="02020603050405020304" pitchFamily="18" charset="0"/>
+              </a:rPr>
+              <a:t> </a:t>
+            </a:r>
+            <a:r>
+              <a:rPr lang="ru-RU" sz="2000" dirty="0" err="1">
+                <a:solidFill>
+                  <a:schemeClr val="bg1"/>
+                </a:solidFill>
+                <a:latin typeface="Times New Roman" panose="02020603050405020304" pitchFamily="18" charset="0"/>
+                <a:ea typeface="Calibri" panose="020F0502020204030204" pitchFamily="34" charset="0"/>
+                <a:cs typeface="Times New Roman" panose="02020603050405020304" pitchFamily="18" charset="0"/>
+              </a:rPr>
+              <a:t>формування</a:t>
+            </a:r>
+            <a:r>
+              <a:rPr lang="ru-RU" sz="2000" dirty="0">
+                <a:solidFill>
+                  <a:schemeClr val="bg1"/>
+                </a:solidFill>
+                <a:latin typeface="Times New Roman" panose="02020603050405020304" pitchFamily="18" charset="0"/>
+                <a:ea typeface="Calibri" panose="020F0502020204030204" pitchFamily="34" charset="0"/>
+                <a:cs typeface="Times New Roman" panose="02020603050405020304" pitchFamily="18" charset="0"/>
+              </a:rPr>
+              <a:t> </a:t>
+            </a:r>
+            <a:r>
+              <a:rPr lang="ru-RU" sz="2000" dirty="0" err="1">
+                <a:solidFill>
+                  <a:schemeClr val="bg1"/>
+                </a:solidFill>
+                <a:latin typeface="Times New Roman" panose="02020603050405020304" pitchFamily="18" charset="0"/>
+                <a:ea typeface="Calibri" panose="020F0502020204030204" pitchFamily="34" charset="0"/>
+                <a:cs typeface="Times New Roman" panose="02020603050405020304" pitchFamily="18" charset="0"/>
+              </a:rPr>
+              <a:t>звіту</a:t>
+            </a:r>
+            <a:r>
+              <a:rPr lang="ru-RU" sz="2000" dirty="0">
+                <a:solidFill>
+                  <a:schemeClr val="bg1"/>
+                </a:solidFill>
+                <a:latin typeface="Times New Roman" panose="02020603050405020304" pitchFamily="18" charset="0"/>
+                <a:ea typeface="Calibri" panose="020F0502020204030204" pitchFamily="34" charset="0"/>
+                <a:cs typeface="Times New Roman" panose="02020603050405020304" pitchFamily="18" charset="0"/>
+              </a:rPr>
+              <a:t> в </a:t>
+            </a:r>
+            <a:r>
+              <a:rPr lang="ru-RU" sz="2000" dirty="0" err="1">
+                <a:solidFill>
+                  <a:schemeClr val="bg1"/>
+                </a:solidFill>
+                <a:latin typeface="Times New Roman" panose="02020603050405020304" pitchFamily="18" charset="0"/>
+                <a:ea typeface="Calibri" panose="020F0502020204030204" pitchFamily="34" charset="0"/>
+                <a:cs typeface="Times New Roman" panose="02020603050405020304" pitchFamily="18" charset="0"/>
+              </a:rPr>
+              <a:t>електронних</a:t>
+            </a:r>
+            <a:r>
+              <a:rPr lang="ru-RU" sz="2000" dirty="0">
+                <a:solidFill>
+                  <a:schemeClr val="bg1"/>
+                </a:solidFill>
+                <a:latin typeface="Times New Roman" panose="02020603050405020304" pitchFamily="18" charset="0"/>
+                <a:ea typeface="Calibri" panose="020F0502020204030204" pitchFamily="34" charset="0"/>
+                <a:cs typeface="Times New Roman" panose="02020603050405020304" pitchFamily="18" charset="0"/>
+              </a:rPr>
+              <a:t>  </a:t>
+            </a:r>
+            <a:r>
+              <a:rPr lang="ru-RU" sz="2000" dirty="0" err="1">
+                <a:solidFill>
+                  <a:schemeClr val="bg1"/>
+                </a:solidFill>
+                <a:latin typeface="Times New Roman" panose="02020603050405020304" pitchFamily="18" charset="0"/>
+                <a:ea typeface="Calibri" panose="020F0502020204030204" pitchFamily="34" charset="0"/>
+                <a:cs typeface="Times New Roman" panose="02020603050405020304" pitchFamily="18" charset="0"/>
+              </a:rPr>
+              <a:t>таблицях</a:t>
+            </a:r>
+            <a:r>
+              <a:rPr lang="ru-RU" sz="2000" dirty="0">
+                <a:solidFill>
+                  <a:schemeClr val="bg1"/>
+                </a:solidFill>
+                <a:latin typeface="Times New Roman" panose="02020603050405020304" pitchFamily="18" charset="0"/>
+                <a:ea typeface="Calibri" panose="020F0502020204030204" pitchFamily="34" charset="0"/>
+                <a:cs typeface="Times New Roman" panose="02020603050405020304" pitchFamily="18" charset="0"/>
+              </a:rPr>
+              <a:t> EXCEL </a:t>
+            </a:r>
+            <a:r>
+              <a:rPr lang="ru-RU" sz="2000" dirty="0" err="1">
+                <a:solidFill>
+                  <a:schemeClr val="bg1"/>
+                </a:solidFill>
+                <a:latin typeface="Times New Roman" panose="02020603050405020304" pitchFamily="18" charset="0"/>
+                <a:ea typeface="Calibri" panose="020F0502020204030204" pitchFamily="34" charset="0"/>
+                <a:cs typeface="Times New Roman" panose="02020603050405020304" pitchFamily="18" charset="0"/>
+              </a:rPr>
+              <a:t>було</a:t>
+            </a:r>
+            <a:r>
+              <a:rPr lang="ru-RU" sz="2000" dirty="0">
+                <a:solidFill>
+                  <a:schemeClr val="bg1"/>
+                </a:solidFill>
+                <a:latin typeface="Times New Roman" panose="02020603050405020304" pitchFamily="18" charset="0"/>
+                <a:ea typeface="Calibri" panose="020F0502020204030204" pitchFamily="34" charset="0"/>
+                <a:cs typeface="Times New Roman" panose="02020603050405020304" pitchFamily="18" charset="0"/>
+              </a:rPr>
+              <a:t> проведено </a:t>
+            </a:r>
+            <a:r>
+              <a:rPr lang="ru-RU" sz="2000" dirty="0" err="1">
+                <a:solidFill>
+                  <a:schemeClr val="bg1"/>
+                </a:solidFill>
+                <a:latin typeface="Times New Roman" panose="02020603050405020304" pitchFamily="18" charset="0"/>
+                <a:ea typeface="Calibri" panose="020F0502020204030204" pitchFamily="34" charset="0"/>
+                <a:cs typeface="Times New Roman" panose="02020603050405020304" pitchFamily="18" charset="0"/>
+              </a:rPr>
+              <a:t>дослідження</a:t>
+            </a:r>
+            <a:r>
+              <a:rPr lang="ru-RU" sz="2000" dirty="0">
+                <a:solidFill>
+                  <a:schemeClr val="bg1"/>
+                </a:solidFill>
+                <a:latin typeface="Times New Roman" panose="02020603050405020304" pitchFamily="18" charset="0"/>
+                <a:ea typeface="Calibri" panose="020F0502020204030204" pitchFamily="34" charset="0"/>
+                <a:cs typeface="Times New Roman" panose="02020603050405020304" pitchFamily="18" charset="0"/>
+              </a:rPr>
+              <a:t> на 4 пунктах </a:t>
+            </a:r>
+            <a:r>
+              <a:rPr lang="ru-RU" sz="2000" dirty="0" err="1">
+                <a:solidFill>
+                  <a:schemeClr val="bg1"/>
+                </a:solidFill>
+                <a:latin typeface="Times New Roman" panose="02020603050405020304" pitchFamily="18" charset="0"/>
+                <a:ea typeface="Calibri" panose="020F0502020204030204" pitchFamily="34" charset="0"/>
+                <a:cs typeface="Times New Roman" panose="02020603050405020304" pitchFamily="18" charset="0"/>
+              </a:rPr>
+              <a:t>лінійного</a:t>
+            </a:r>
+            <a:r>
+              <a:rPr lang="ru-RU" sz="2000" dirty="0">
+                <a:solidFill>
+                  <a:schemeClr val="bg1"/>
+                </a:solidFill>
+                <a:latin typeface="Times New Roman" panose="02020603050405020304" pitchFamily="18" charset="0"/>
+                <a:ea typeface="Calibri" panose="020F0502020204030204" pitchFamily="34" charset="0"/>
+                <a:cs typeface="Times New Roman" panose="02020603050405020304" pitchFamily="18" charset="0"/>
+              </a:rPr>
+              <a:t> базису </a:t>
+            </a:r>
+            <a:r>
+              <a:rPr lang="ru-RU" sz="2000" dirty="0" err="1">
+                <a:solidFill>
+                  <a:schemeClr val="bg1"/>
+                </a:solidFill>
+                <a:latin typeface="Times New Roman" panose="02020603050405020304" pitchFamily="18" charset="0"/>
+                <a:ea typeface="Calibri" panose="020F0502020204030204" pitchFamily="34" charset="0"/>
+                <a:cs typeface="Times New Roman" panose="02020603050405020304" pitchFamily="18" charset="0"/>
+              </a:rPr>
+              <a:t>лабораторії</a:t>
+            </a:r>
+            <a:r>
+              <a:rPr lang="ru-RU" sz="2000" dirty="0">
+                <a:solidFill>
+                  <a:schemeClr val="bg1"/>
+                </a:solidFill>
+                <a:latin typeface="Times New Roman" panose="02020603050405020304" pitchFamily="18" charset="0"/>
+                <a:ea typeface="Calibri" panose="020F0502020204030204" pitchFamily="34" charset="0"/>
+                <a:cs typeface="Times New Roman" panose="02020603050405020304" pitchFamily="18" charset="0"/>
+              </a:rPr>
+              <a:t> </a:t>
+            </a:r>
+            <a:r>
+              <a:rPr lang="ru-RU" sz="2000" dirty="0" err="1">
+                <a:solidFill>
+                  <a:schemeClr val="bg1"/>
+                </a:solidFill>
                 <a:latin typeface="Times New Roman" panose="02020603050405020304" pitchFamily="18" charset="0"/>
                 <a:ea typeface="Calibri" panose="020F0502020204030204" pitchFamily="34" charset="0"/>
                 <a:cs typeface="Times New Roman" panose="02020603050405020304" pitchFamily="18" charset="0"/>
@@ -6829,26 +7767,16 @@
               <a:t>GEOTerrace</a:t>
             </a:r>
             <a:r>
-              <a:rPr lang="ru-RU" dirty="0" smtClean="0">
-                <a:solidFill>
-                  <a:schemeClr val="tx1"/>
-                </a:solidFill>
-                <a:effectLst/>
+              <a:rPr lang="ru-RU" sz="2000" dirty="0">
+                <a:solidFill>
+                  <a:schemeClr val="bg1"/>
+                </a:solidFill>
                 <a:latin typeface="Times New Roman" panose="02020603050405020304" pitchFamily="18" charset="0"/>
                 <a:ea typeface="Calibri" panose="020F0502020204030204" pitchFamily="34" charset="0"/>
                 <a:cs typeface="Times New Roman" panose="02020603050405020304" pitchFamily="18" charset="0"/>
               </a:rPr>
               <a:t>.</a:t>
             </a:r>
-            <a:endParaRPr lang="ru-RU" sz="1400" dirty="0">
-              <a:solidFill>
-                <a:schemeClr val="tx1"/>
-              </a:solidFill>
-              <a:effectLst/>
-              <a:latin typeface="Calibri" panose="020F0502020204030204" pitchFamily="34" charset="0"/>
-              <a:ea typeface="Calibri" panose="020F0502020204030204" pitchFamily="34" charset="0"/>
-              <a:cs typeface="Times New Roman" panose="02020603050405020304" pitchFamily="18" charset="0"/>
-            </a:endParaRPr>
           </a:p>
         </p:txBody>
       </p:sp>
@@ -6872,7 +7800,7 @@
 </p:sld>
 </file>
 
-<file path=ppt/slides/slide12.xml><?xml version="1.0" encoding="utf-8"?>
+<file path=ppt/slides/slide13.xml><?xml version="1.0" encoding="utf-8"?>
 <p:sld xmlns:a="http://schemas.openxmlformats.org/drawingml/2006/main" xmlns:r="http://schemas.openxmlformats.org/officeDocument/2006/relationships" xmlns:p="http://schemas.openxmlformats.org/presentationml/2006/main">
   <p:cSld>
     <p:spTree>
@@ -6909,8 +7837,231 @@
         </p:blipFill>
         <p:spPr>
           <a:xfrm>
-            <a:off x="529760" y="319357"/>
-            <a:ext cx="10877266" cy="6374903"/>
+            <a:off x="1783080" y="1585058"/>
+            <a:ext cx="8587626" cy="5033001"/>
+          </a:xfrm>
+          <a:prstGeom prst="rect">
+            <a:avLst/>
+          </a:prstGeom>
+        </p:spPr>
+      </p:pic>
+      <p:sp>
+        <p:nvSpPr>
+          <p:cNvPr id="3" name="Прямоугольник 2"/>
+          <p:cNvSpPr/>
+          <p:nvPr/>
+        </p:nvSpPr>
+        <p:spPr>
+          <a:xfrm>
+            <a:off x="0" y="788645"/>
+            <a:ext cx="6339840" cy="558743"/>
+          </a:xfrm>
+          <a:prstGeom prst="rect">
+            <a:avLst/>
+          </a:prstGeom>
+          <a:solidFill>
+            <a:srgbClr val="92D050">
+              <a:alpha val="80000"/>
+            </a:srgbClr>
+          </a:solidFill>
+          <a:ln>
+            <a:noFill/>
+          </a:ln>
+        </p:spPr>
+        <p:txBody>
+          <a:bodyPr wrap="square">
+            <a:spAutoFit/>
+          </a:bodyPr>
+          <a:lstStyle/>
+          <a:p>
+            <a:pPr marL="276225" algn="just">
+              <a:lnSpc>
+                <a:spcPct val="115000"/>
+              </a:lnSpc>
+              <a:spcAft>
+                <a:spcPts val="0"/>
+              </a:spcAft>
+            </a:pPr>
+            <a:r>
+              <a:rPr lang="ru-RU" sz="2800" b="1" dirty="0" err="1" smtClean="0">
+                <a:solidFill>
+                  <a:schemeClr val="bg1"/>
+                </a:solidFill>
+                <a:latin typeface="Calibri" panose="020F0502020204030204" pitchFamily="34" charset="0"/>
+                <a:ea typeface="Calibri" panose="020F0502020204030204" pitchFamily="34" charset="0"/>
+                <a:cs typeface="Calibri" panose="020F0502020204030204" pitchFamily="34" charset="0"/>
+              </a:rPr>
+              <a:t>Результати</a:t>
+            </a:r>
+            <a:r>
+              <a:rPr lang="ru-RU" sz="2800" b="1" dirty="0" smtClean="0">
+                <a:solidFill>
+                  <a:schemeClr val="bg1"/>
+                </a:solidFill>
+                <a:latin typeface="Calibri" panose="020F0502020204030204" pitchFamily="34" charset="0"/>
+                <a:ea typeface="Calibri" panose="020F0502020204030204" pitchFamily="34" charset="0"/>
+                <a:cs typeface="Calibri" panose="020F0502020204030204" pitchFamily="34" charset="0"/>
+              </a:rPr>
+              <a:t> </a:t>
+            </a:r>
+            <a:r>
+              <a:rPr lang="ru-RU" sz="2800" b="1" dirty="0" err="1" smtClean="0">
+                <a:solidFill>
+                  <a:schemeClr val="bg1"/>
+                </a:solidFill>
+                <a:latin typeface="Calibri" panose="020F0502020204030204" pitchFamily="34" charset="0"/>
+                <a:ea typeface="Calibri" panose="020F0502020204030204" pitchFamily="34" charset="0"/>
+                <a:cs typeface="Calibri" panose="020F0502020204030204" pitchFamily="34" charset="0"/>
+              </a:rPr>
+              <a:t>досл</a:t>
+            </a:r>
+            <a:r>
+              <a:rPr lang="uk-UA" sz="2800" b="1" dirty="0">
+                <a:solidFill>
+                  <a:schemeClr val="bg1"/>
+                </a:solidFill>
+                <a:latin typeface="Calibri" panose="020F0502020204030204" pitchFamily="34" charset="0"/>
+                <a:ea typeface="Calibri" panose="020F0502020204030204" pitchFamily="34" charset="0"/>
+                <a:cs typeface="Calibri" panose="020F0502020204030204" pitchFamily="34" charset="0"/>
+              </a:rPr>
+              <a:t>і</a:t>
+            </a:r>
+            <a:r>
+              <a:rPr lang="ru-RU" sz="2800" b="1" dirty="0" err="1" smtClean="0">
+                <a:solidFill>
+                  <a:schemeClr val="bg1"/>
+                </a:solidFill>
+                <a:latin typeface="Calibri" panose="020F0502020204030204" pitchFamily="34" charset="0"/>
+                <a:ea typeface="Calibri" panose="020F0502020204030204" pitchFamily="34" charset="0"/>
+                <a:cs typeface="Calibri" panose="020F0502020204030204" pitchFamily="34" charset="0"/>
+              </a:rPr>
+              <a:t>дження</a:t>
+            </a:r>
+            <a:endParaRPr lang="ru-RU" sz="2800" b="1" dirty="0">
+              <a:solidFill>
+                <a:schemeClr val="bg1"/>
+              </a:solidFill>
+              <a:latin typeface="Calibri" panose="020F0502020204030204" pitchFamily="34" charset="0"/>
+              <a:ea typeface="Calibri" panose="020F0502020204030204" pitchFamily="34" charset="0"/>
+              <a:cs typeface="Calibri" panose="020F0502020204030204" pitchFamily="34" charset="0"/>
+            </a:endParaRPr>
+          </a:p>
+        </p:txBody>
+      </p:sp>
+    </p:spTree>
+    <p:extLst>
+      <p:ext uri="{BB962C8B-B14F-4D97-AF65-F5344CB8AC3E}">
+        <p14:creationId xmlns:p14="http://schemas.microsoft.com/office/powerpoint/2010/main" val="3051127988"/>
+      </p:ext>
+    </p:extLst>
+  </p:cSld>
+  <p:clrMapOvr>
+    <a:masterClrMapping/>
+  </p:clrMapOvr>
+  <p:timing>
+    <p:tnLst>
+      <p:par>
+        <p:cTn id="1" dur="indefinite" restart="never" nodeType="tmRoot"/>
+      </p:par>
+    </p:tnLst>
+  </p:timing>
+</p:sld>
+</file>
+
+<file path=ppt/slides/slide14.xml><?xml version="1.0" encoding="utf-8"?>
+<p:sld xmlns:a="http://schemas.openxmlformats.org/drawingml/2006/main" xmlns:r="http://schemas.openxmlformats.org/officeDocument/2006/relationships" xmlns:p="http://schemas.openxmlformats.org/presentationml/2006/main">
+  <p:cSld>
+    <p:spTree>
+      <p:nvGrpSpPr>
+        <p:cNvPr id="1" name=""/>
+        <p:cNvGrpSpPr/>
+        <p:nvPr/>
+      </p:nvGrpSpPr>
+      <p:grpSpPr>
+        <a:xfrm>
+          <a:off x="0" y="0"/>
+          <a:ext cx="0" cy="0"/>
+          <a:chOff x="0" y="0"/>
+          <a:chExt cx="0" cy="0"/>
+        </a:xfrm>
+      </p:grpSpPr>
+      <p:sp>
+        <p:nvSpPr>
+          <p:cNvPr id="4" name="Прямоугольник 3"/>
+          <p:cNvSpPr/>
+          <p:nvPr/>
+        </p:nvSpPr>
+        <p:spPr>
+          <a:xfrm>
+            <a:off x="0" y="788645"/>
+            <a:ext cx="6339840" cy="558743"/>
+          </a:xfrm>
+          <a:prstGeom prst="rect">
+            <a:avLst/>
+          </a:prstGeom>
+          <a:solidFill>
+            <a:srgbClr val="92D050">
+              <a:alpha val="80000"/>
+            </a:srgbClr>
+          </a:solidFill>
+          <a:ln>
+            <a:noFill/>
+          </a:ln>
+        </p:spPr>
+        <p:txBody>
+          <a:bodyPr wrap="square">
+            <a:spAutoFit/>
+          </a:bodyPr>
+          <a:lstStyle/>
+          <a:p>
+            <a:pPr marL="276225" algn="just">
+              <a:lnSpc>
+                <a:spcPct val="115000"/>
+              </a:lnSpc>
+              <a:spcAft>
+                <a:spcPts val="0"/>
+              </a:spcAft>
+            </a:pPr>
+            <a:r>
+              <a:rPr lang="uk-UA" sz="2800" b="1" dirty="0" smtClean="0">
+                <a:solidFill>
+                  <a:schemeClr val="bg1"/>
+                </a:solidFill>
+                <a:latin typeface="Calibri" panose="020F0502020204030204" pitchFamily="34" charset="0"/>
+                <a:ea typeface="Calibri" panose="020F0502020204030204" pitchFamily="34" charset="0"/>
+                <a:cs typeface="Calibri" panose="020F0502020204030204" pitchFamily="34" charset="0"/>
+              </a:rPr>
+              <a:t>Кошторис</a:t>
+            </a:r>
+            <a:endParaRPr lang="ru-RU" sz="2800" b="1" dirty="0">
+              <a:solidFill>
+                <a:schemeClr val="bg1"/>
+              </a:solidFill>
+              <a:latin typeface="Calibri" panose="020F0502020204030204" pitchFamily="34" charset="0"/>
+              <a:ea typeface="Calibri" panose="020F0502020204030204" pitchFamily="34" charset="0"/>
+              <a:cs typeface="Calibri" panose="020F0502020204030204" pitchFamily="34" charset="0"/>
+            </a:endParaRPr>
+          </a:p>
+        </p:txBody>
+      </p:sp>
+      <p:pic>
+        <p:nvPicPr>
+          <p:cNvPr id="5" name="Рисунок 4"/>
+          <p:cNvPicPr>
+            <a:picLocks noChangeAspect="1"/>
+          </p:cNvPicPr>
+          <p:nvPr/>
+        </p:nvPicPr>
+        <p:blipFill>
+          <a:blip r:embed="rId2"/>
+          <a:stretch>
+            <a:fillRect/>
+          </a:stretch>
+        </p:blipFill>
+        <p:spPr>
+          <a:xfrm>
+            <a:off x="2438399" y="1669732"/>
+            <a:ext cx="7216589" cy="4929188"/>
           </a:xfrm>
           <a:prstGeom prst="rect">
             <a:avLst/>
@@ -6920,7 +8071,595 @@
     </p:spTree>
     <p:extLst>
       <p:ext uri="{BB962C8B-B14F-4D97-AF65-F5344CB8AC3E}">
-        <p14:creationId xmlns:p14="http://schemas.microsoft.com/office/powerpoint/2010/main" val="3051127988"/>
+        <p14:creationId xmlns:p14="http://schemas.microsoft.com/office/powerpoint/2010/main" val="2135071288"/>
+      </p:ext>
+    </p:extLst>
+  </p:cSld>
+  <p:clrMapOvr>
+    <a:masterClrMapping/>
+  </p:clrMapOvr>
+  <p:timing>
+    <p:tnLst>
+      <p:par>
+        <p:cTn id="1" dur="indefinite" restart="never" nodeType="tmRoot"/>
+      </p:par>
+    </p:tnLst>
+  </p:timing>
+</p:sld>
+</file>
+
+<file path=ppt/slides/slide15.xml><?xml version="1.0" encoding="utf-8"?>
+<p:sld xmlns:a="http://schemas.openxmlformats.org/drawingml/2006/main" xmlns:r="http://schemas.openxmlformats.org/officeDocument/2006/relationships" xmlns:p="http://schemas.openxmlformats.org/presentationml/2006/main">
+  <p:cSld>
+    <p:spTree>
+      <p:nvGrpSpPr>
+        <p:cNvPr id="1" name=""/>
+        <p:cNvGrpSpPr/>
+        <p:nvPr/>
+      </p:nvGrpSpPr>
+      <p:grpSpPr>
+        <a:xfrm>
+          <a:off x="0" y="0"/>
+          <a:ext cx="0" cy="0"/>
+          <a:chOff x="0" y="0"/>
+          <a:chExt cx="0" cy="0"/>
+        </a:xfrm>
+      </p:grpSpPr>
+      <p:sp>
+        <p:nvSpPr>
+          <p:cNvPr id="4" name="Прямоугольник 3"/>
+          <p:cNvSpPr/>
+          <p:nvPr/>
+        </p:nvSpPr>
+        <p:spPr>
+          <a:xfrm>
+            <a:off x="0" y="788645"/>
+            <a:ext cx="6339840" cy="558743"/>
+          </a:xfrm>
+          <a:prstGeom prst="rect">
+            <a:avLst/>
+          </a:prstGeom>
+          <a:solidFill>
+            <a:srgbClr val="92D050">
+              <a:alpha val="80000"/>
+            </a:srgbClr>
+          </a:solidFill>
+          <a:ln>
+            <a:noFill/>
+          </a:ln>
+        </p:spPr>
+        <p:txBody>
+          <a:bodyPr wrap="square">
+            <a:spAutoFit/>
+          </a:bodyPr>
+          <a:lstStyle/>
+          <a:p>
+            <a:pPr marL="276225" algn="just">
+              <a:lnSpc>
+                <a:spcPct val="115000"/>
+              </a:lnSpc>
+              <a:spcAft>
+                <a:spcPts val="0"/>
+              </a:spcAft>
+            </a:pPr>
+            <a:r>
+              <a:rPr lang="uk-UA" sz="2800" b="1" dirty="0" smtClean="0">
+                <a:solidFill>
+                  <a:schemeClr val="bg1"/>
+                </a:solidFill>
+                <a:latin typeface="Calibri" panose="020F0502020204030204" pitchFamily="34" charset="0"/>
+                <a:ea typeface="Calibri" panose="020F0502020204030204" pitchFamily="34" charset="0"/>
+                <a:cs typeface="Calibri" panose="020F0502020204030204" pitchFamily="34" charset="0"/>
+              </a:rPr>
+              <a:t>Висновки</a:t>
+            </a:r>
+            <a:endParaRPr lang="ru-RU" sz="2800" b="1" dirty="0">
+              <a:solidFill>
+                <a:schemeClr val="bg1"/>
+              </a:solidFill>
+              <a:latin typeface="Calibri" panose="020F0502020204030204" pitchFamily="34" charset="0"/>
+              <a:ea typeface="Calibri" panose="020F0502020204030204" pitchFamily="34" charset="0"/>
+              <a:cs typeface="Calibri" panose="020F0502020204030204" pitchFamily="34" charset="0"/>
+            </a:endParaRPr>
+          </a:p>
+        </p:txBody>
+      </p:sp>
+      <p:sp>
+        <p:nvSpPr>
+          <p:cNvPr id="6" name="Прямоугольник 5"/>
+          <p:cNvSpPr/>
+          <p:nvPr/>
+        </p:nvSpPr>
+        <p:spPr>
+          <a:xfrm>
+            <a:off x="213360" y="1482169"/>
+            <a:ext cx="11841480" cy="4914166"/>
+          </a:xfrm>
+          <a:prstGeom prst="rect">
+            <a:avLst/>
+          </a:prstGeom>
+          <a:solidFill>
+            <a:schemeClr val="tx1">
+              <a:alpha val="70000"/>
+            </a:schemeClr>
+          </a:solidFill>
+        </p:spPr>
+        <p:txBody>
+          <a:bodyPr wrap="square">
+            <a:spAutoFit/>
+          </a:bodyPr>
+          <a:lstStyle/>
+          <a:p>
+            <a:pPr marL="228600" algn="just">
+              <a:lnSpc>
+                <a:spcPct val="150000"/>
+              </a:lnSpc>
+              <a:spcAft>
+                <a:spcPts val="800"/>
+              </a:spcAft>
+            </a:pPr>
+            <a:r>
+              <a:rPr lang="uk-UA" sz="2000" dirty="0" smtClean="0">
+                <a:solidFill>
+                  <a:schemeClr val="bg1"/>
+                </a:solidFill>
+                <a:latin typeface="Calibri" panose="020F0502020204030204" pitchFamily="34" charset="0"/>
+                <a:ea typeface="Calibri" panose="020F0502020204030204" pitchFamily="34" charset="0"/>
+                <a:cs typeface="Calibri" panose="020F0502020204030204" pitchFamily="34" charset="0"/>
+              </a:rPr>
+              <a:t>Для </a:t>
+            </a:r>
+            <a:r>
+              <a:rPr lang="uk-UA" sz="2000" dirty="0">
+                <a:solidFill>
+                  <a:schemeClr val="bg1"/>
+                </a:solidFill>
+                <a:latin typeface="Calibri" panose="020F0502020204030204" pitchFamily="34" charset="0"/>
+                <a:ea typeface="Calibri" panose="020F0502020204030204" pitchFamily="34" charset="0"/>
+                <a:cs typeface="Calibri" panose="020F0502020204030204" pitchFamily="34" charset="0"/>
+              </a:rPr>
+              <a:t>вирішення </a:t>
+            </a:r>
+            <a:r>
+              <a:rPr lang="uk-UA" sz="2000" dirty="0" smtClean="0">
+                <a:solidFill>
+                  <a:schemeClr val="bg1"/>
+                </a:solidFill>
+                <a:latin typeface="Calibri" panose="020F0502020204030204" pitchFamily="34" charset="0"/>
+                <a:ea typeface="Calibri" panose="020F0502020204030204" pitchFamily="34" charset="0"/>
+                <a:cs typeface="Calibri" panose="020F0502020204030204" pitchFamily="34" charset="0"/>
+              </a:rPr>
+              <a:t>порушеної проблеми були проведені</a:t>
+            </a:r>
+            <a:r>
+              <a:rPr lang="en-US" sz="2000" dirty="0">
+                <a:solidFill>
+                  <a:schemeClr val="bg1"/>
+                </a:solidFill>
+                <a:latin typeface="Calibri" panose="020F0502020204030204" pitchFamily="34" charset="0"/>
+                <a:ea typeface="Calibri" panose="020F0502020204030204" pitchFamily="34" charset="0"/>
+                <a:cs typeface="Calibri" panose="020F0502020204030204" pitchFamily="34" charset="0"/>
+              </a:rPr>
+              <a:t>:</a:t>
+            </a:r>
+            <a:endParaRPr lang="ru-RU" sz="2000" dirty="0">
+              <a:solidFill>
+                <a:schemeClr val="bg1"/>
+              </a:solidFill>
+              <a:latin typeface="Calibri" panose="020F0502020204030204" pitchFamily="34" charset="0"/>
+              <a:ea typeface="Calibri" panose="020F0502020204030204" pitchFamily="34" charset="0"/>
+              <a:cs typeface="Calibri" panose="020F0502020204030204" pitchFamily="34" charset="0"/>
+            </a:endParaRPr>
+          </a:p>
+          <a:p>
+            <a:pPr marL="342900" lvl="0" indent="-342900" algn="just">
+              <a:lnSpc>
+                <a:spcPct val="150000"/>
+              </a:lnSpc>
+              <a:spcAft>
+                <a:spcPts val="0"/>
+              </a:spcAft>
+              <a:buFont typeface="+mj-lt"/>
+              <a:buAutoNum type="arabicPeriod"/>
+            </a:pPr>
+            <a:r>
+              <a:rPr lang="uk-UA" sz="2000" dirty="0">
+                <a:solidFill>
+                  <a:schemeClr val="bg1"/>
+                </a:solidFill>
+                <a:latin typeface="Calibri" panose="020F0502020204030204" pitchFamily="34" charset="0"/>
+                <a:ea typeface="Calibri" panose="020F0502020204030204" pitchFamily="34" charset="0"/>
+                <a:cs typeface="Calibri" panose="020F0502020204030204" pitchFamily="34" charset="0"/>
+              </a:rPr>
+              <a:t>Аналіз наявних програмних </a:t>
+            </a:r>
+            <a:r>
+              <a:rPr lang="uk-UA" sz="2000" dirty="0" smtClean="0">
+                <a:solidFill>
+                  <a:schemeClr val="bg1"/>
+                </a:solidFill>
+                <a:latin typeface="Calibri" panose="020F0502020204030204" pitchFamily="34" charset="0"/>
+                <a:ea typeface="Calibri" panose="020F0502020204030204" pitchFamily="34" charset="0"/>
+                <a:cs typeface="Calibri" panose="020F0502020204030204" pitchFamily="34" charset="0"/>
+              </a:rPr>
+              <a:t>рішень</a:t>
+            </a:r>
+            <a:r>
+              <a:rPr lang="en-US" sz="2000" dirty="0" smtClean="0">
+                <a:solidFill>
+                  <a:schemeClr val="bg1"/>
+                </a:solidFill>
+                <a:latin typeface="Calibri" panose="020F0502020204030204" pitchFamily="34" charset="0"/>
+                <a:ea typeface="Calibri" panose="020F0502020204030204" pitchFamily="34" charset="0"/>
+                <a:cs typeface="Calibri" panose="020F0502020204030204" pitchFamily="34" charset="0"/>
+              </a:rPr>
+              <a:t>, </a:t>
+            </a:r>
+            <a:r>
+              <a:rPr lang="uk-UA" sz="2000" dirty="0">
+                <a:solidFill>
+                  <a:schemeClr val="bg1"/>
+                </a:solidFill>
+                <a:latin typeface="Calibri" panose="020F0502020204030204" pitchFamily="34" charset="0"/>
+                <a:ea typeface="Calibri" panose="020F0502020204030204" pitchFamily="34" charset="0"/>
+                <a:cs typeface="Calibri" panose="020F0502020204030204" pitchFamily="34" charset="0"/>
+              </a:rPr>
+              <a:t>на основі </a:t>
+            </a:r>
+            <a:r>
+              <a:rPr lang="uk-UA" sz="2000" dirty="0" smtClean="0">
+                <a:solidFill>
+                  <a:schemeClr val="bg1"/>
+                </a:solidFill>
+                <a:latin typeface="Calibri" panose="020F0502020204030204" pitchFamily="34" charset="0"/>
+                <a:ea typeface="Calibri" panose="020F0502020204030204" pitchFamily="34" charset="0"/>
+                <a:cs typeface="Calibri" panose="020F0502020204030204" pitchFamily="34" charset="0"/>
+              </a:rPr>
+              <a:t>яких, </a:t>
+            </a:r>
+            <a:r>
+              <a:rPr lang="uk-UA" sz="2000" dirty="0">
+                <a:solidFill>
+                  <a:schemeClr val="bg1"/>
+                </a:solidFill>
+                <a:latin typeface="Calibri" panose="020F0502020204030204" pitchFamily="34" charset="0"/>
+                <a:ea typeface="Calibri" panose="020F0502020204030204" pitchFamily="34" charset="0"/>
+                <a:cs typeface="Calibri" panose="020F0502020204030204" pitchFamily="34" charset="0"/>
+              </a:rPr>
+              <a:t>були укладені вимоги до конвертера.</a:t>
+            </a:r>
+            <a:endParaRPr lang="ru-RU" sz="2000" dirty="0">
+              <a:solidFill>
+                <a:schemeClr val="bg1"/>
+              </a:solidFill>
+              <a:latin typeface="Calibri" panose="020F0502020204030204" pitchFamily="34" charset="0"/>
+              <a:ea typeface="Calibri" panose="020F0502020204030204" pitchFamily="34" charset="0"/>
+              <a:cs typeface="Calibri" panose="020F0502020204030204" pitchFamily="34" charset="0"/>
+            </a:endParaRPr>
+          </a:p>
+          <a:p>
+            <a:pPr marL="342900" lvl="0" indent="-342900" algn="just">
+              <a:lnSpc>
+                <a:spcPct val="150000"/>
+              </a:lnSpc>
+              <a:spcAft>
+                <a:spcPts val="0"/>
+              </a:spcAft>
+              <a:buFont typeface="+mj-lt"/>
+              <a:buAutoNum type="arabicPeriod"/>
+            </a:pPr>
+            <a:r>
+              <a:rPr lang="uk-UA" sz="2000" dirty="0">
+                <a:solidFill>
+                  <a:schemeClr val="bg1"/>
+                </a:solidFill>
+                <a:latin typeface="Calibri" panose="020F0502020204030204" pitchFamily="34" charset="0"/>
+                <a:ea typeface="Calibri" panose="020F0502020204030204" pitchFamily="34" charset="0"/>
+                <a:cs typeface="Calibri" panose="020F0502020204030204" pitchFamily="34" charset="0"/>
+              </a:rPr>
+              <a:t>Детальне дослідження текстових форматів </a:t>
+            </a:r>
+            <a:r>
+              <a:rPr lang="en-US" sz="2000" dirty="0" err="1">
+                <a:solidFill>
+                  <a:schemeClr val="bg1"/>
+                </a:solidFill>
+                <a:latin typeface="Calibri" panose="020F0502020204030204" pitchFamily="34" charset="0"/>
+                <a:ea typeface="Calibri" panose="020F0502020204030204" pitchFamily="34" charset="0"/>
+                <a:cs typeface="Calibri" panose="020F0502020204030204" pitchFamily="34" charset="0"/>
+              </a:rPr>
+              <a:t>gsi</a:t>
+            </a:r>
+            <a:r>
+              <a:rPr lang="en-US" sz="2000" dirty="0">
+                <a:solidFill>
+                  <a:schemeClr val="bg1"/>
+                </a:solidFill>
+                <a:latin typeface="Calibri" panose="020F0502020204030204" pitchFamily="34" charset="0"/>
+                <a:ea typeface="Calibri" panose="020F0502020204030204" pitchFamily="34" charset="0"/>
+                <a:cs typeface="Calibri" panose="020F0502020204030204" pitchFamily="34" charset="0"/>
+              </a:rPr>
+              <a:t>, rts-5, rw5 </a:t>
+            </a:r>
+            <a:r>
+              <a:rPr lang="uk-UA" sz="2000" dirty="0">
+                <a:solidFill>
+                  <a:schemeClr val="bg1"/>
+                </a:solidFill>
+                <a:latin typeface="Calibri" panose="020F0502020204030204" pitchFamily="34" charset="0"/>
+                <a:ea typeface="Calibri" panose="020F0502020204030204" pitchFamily="34" charset="0"/>
+                <a:cs typeface="Calibri" panose="020F0502020204030204" pitchFamily="34" charset="0"/>
+              </a:rPr>
+              <a:t>для подальшої конвертації в електронні таблиці </a:t>
+            </a:r>
+            <a:r>
+              <a:rPr lang="en-US" sz="2000" dirty="0">
+                <a:solidFill>
+                  <a:schemeClr val="bg1"/>
+                </a:solidFill>
+                <a:latin typeface="Calibri" panose="020F0502020204030204" pitchFamily="34" charset="0"/>
+                <a:ea typeface="Calibri" panose="020F0502020204030204" pitchFamily="34" charset="0"/>
+                <a:cs typeface="Calibri" panose="020F0502020204030204" pitchFamily="34" charset="0"/>
+              </a:rPr>
+              <a:t>EXCEL. </a:t>
+            </a:r>
+            <a:endParaRPr lang="ru-RU" sz="2000" dirty="0">
+              <a:solidFill>
+                <a:schemeClr val="bg1"/>
+              </a:solidFill>
+              <a:latin typeface="Calibri" panose="020F0502020204030204" pitchFamily="34" charset="0"/>
+              <a:ea typeface="Calibri" panose="020F0502020204030204" pitchFamily="34" charset="0"/>
+              <a:cs typeface="Calibri" panose="020F0502020204030204" pitchFamily="34" charset="0"/>
+            </a:endParaRPr>
+          </a:p>
+          <a:p>
+            <a:pPr marL="342900" lvl="0" indent="-342900" algn="just">
+              <a:lnSpc>
+                <a:spcPct val="150000"/>
+              </a:lnSpc>
+              <a:spcAft>
+                <a:spcPts val="0"/>
+              </a:spcAft>
+              <a:buFont typeface="+mj-lt"/>
+              <a:buAutoNum type="arabicPeriod"/>
+            </a:pPr>
+            <a:r>
+              <a:rPr lang="uk-UA" sz="2000" dirty="0">
+                <a:solidFill>
+                  <a:schemeClr val="bg1"/>
+                </a:solidFill>
+                <a:latin typeface="Calibri" panose="020F0502020204030204" pitchFamily="34" charset="0"/>
+                <a:ea typeface="Calibri" panose="020F0502020204030204" pitchFamily="34" charset="0"/>
+                <a:cs typeface="Calibri" panose="020F0502020204030204" pitchFamily="34" charset="0"/>
+              </a:rPr>
+              <a:t>Опис методів комп’ютерного програмування та веб-програмування.</a:t>
+            </a:r>
+            <a:endParaRPr lang="ru-RU" sz="2000" dirty="0">
+              <a:solidFill>
+                <a:schemeClr val="bg1"/>
+              </a:solidFill>
+              <a:latin typeface="Calibri" panose="020F0502020204030204" pitchFamily="34" charset="0"/>
+              <a:ea typeface="Calibri" panose="020F0502020204030204" pitchFamily="34" charset="0"/>
+              <a:cs typeface="Calibri" panose="020F0502020204030204" pitchFamily="34" charset="0"/>
+            </a:endParaRPr>
+          </a:p>
+          <a:p>
+            <a:pPr marL="342900" lvl="0" indent="-342900" algn="just">
+              <a:lnSpc>
+                <a:spcPct val="150000"/>
+              </a:lnSpc>
+              <a:spcAft>
+                <a:spcPts val="0"/>
+              </a:spcAft>
+              <a:buFont typeface="+mj-lt"/>
+              <a:buAutoNum type="arabicPeriod"/>
+            </a:pPr>
+            <a:r>
+              <a:rPr lang="uk-UA" sz="2000" dirty="0">
+                <a:solidFill>
+                  <a:schemeClr val="bg1"/>
+                </a:solidFill>
+                <a:latin typeface="Calibri" panose="020F0502020204030204" pitchFamily="34" charset="0"/>
+                <a:ea typeface="Calibri" panose="020F0502020204030204" pitchFamily="34" charset="0"/>
+                <a:cs typeface="Calibri" panose="020F0502020204030204" pitchFamily="34" charset="0"/>
+              </a:rPr>
+              <a:t>Розробка веб-додатку для конвертації форматних файлів. </a:t>
+            </a:r>
+            <a:endParaRPr lang="ru-RU" sz="2000" dirty="0">
+              <a:solidFill>
+                <a:schemeClr val="bg1"/>
+              </a:solidFill>
+              <a:latin typeface="Calibri" panose="020F0502020204030204" pitchFamily="34" charset="0"/>
+              <a:ea typeface="Calibri" panose="020F0502020204030204" pitchFamily="34" charset="0"/>
+              <a:cs typeface="Calibri" panose="020F0502020204030204" pitchFamily="34" charset="0"/>
+            </a:endParaRPr>
+          </a:p>
+          <a:p>
+            <a:pPr marL="342900" lvl="0" indent="-342900" algn="just">
+              <a:lnSpc>
+                <a:spcPct val="150000"/>
+              </a:lnSpc>
+              <a:spcAft>
+                <a:spcPts val="0"/>
+              </a:spcAft>
+              <a:buFont typeface="+mj-lt"/>
+              <a:buAutoNum type="arabicPeriod"/>
+            </a:pPr>
+            <a:r>
+              <a:rPr lang="uk-UA" sz="2000" dirty="0">
+                <a:solidFill>
+                  <a:schemeClr val="bg1"/>
+                </a:solidFill>
+                <a:latin typeface="Calibri" panose="020F0502020204030204" pitchFamily="34" charset="0"/>
+                <a:ea typeface="Calibri" panose="020F0502020204030204" pitchFamily="34" charset="0"/>
+                <a:cs typeface="Calibri" panose="020F0502020204030204" pitchFamily="34" charset="0"/>
+              </a:rPr>
+              <a:t>Запуск </a:t>
+            </a:r>
+            <a:r>
+              <a:rPr lang="uk-UA" sz="2000" dirty="0" err="1">
+                <a:solidFill>
+                  <a:schemeClr val="bg1"/>
+                </a:solidFill>
+                <a:latin typeface="Calibri" panose="020F0502020204030204" pitchFamily="34" charset="0"/>
+                <a:ea typeface="Calibri" panose="020F0502020204030204" pitchFamily="34" charset="0"/>
+                <a:cs typeface="Calibri" panose="020F0502020204030204" pitchFamily="34" charset="0"/>
+              </a:rPr>
+              <a:t>білда</a:t>
+            </a:r>
+            <a:r>
+              <a:rPr lang="uk-UA" sz="2000" dirty="0">
+                <a:solidFill>
+                  <a:schemeClr val="bg1"/>
+                </a:solidFill>
+                <a:latin typeface="Calibri" panose="020F0502020204030204" pitchFamily="34" charset="0"/>
+                <a:ea typeface="Calibri" panose="020F0502020204030204" pitchFamily="34" charset="0"/>
+                <a:cs typeface="Calibri" panose="020F0502020204030204" pitchFamily="34" charset="0"/>
+              </a:rPr>
+              <a:t> проекту на </a:t>
+            </a:r>
+            <a:r>
+              <a:rPr lang="uk-UA" sz="2000" dirty="0" err="1">
+                <a:solidFill>
+                  <a:schemeClr val="bg1"/>
+                </a:solidFill>
+                <a:latin typeface="Calibri" panose="020F0502020204030204" pitchFamily="34" charset="0"/>
+                <a:ea typeface="Calibri" panose="020F0502020204030204" pitchFamily="34" charset="0"/>
+                <a:cs typeface="Calibri" panose="020F0502020204030204" pitchFamily="34" charset="0"/>
+              </a:rPr>
+              <a:t>хостинговому</a:t>
+            </a:r>
+            <a:r>
+              <a:rPr lang="uk-UA" sz="2000" dirty="0">
+                <a:solidFill>
+                  <a:schemeClr val="bg1"/>
+                </a:solidFill>
+                <a:latin typeface="Calibri" panose="020F0502020204030204" pitchFamily="34" charset="0"/>
+                <a:ea typeface="Calibri" panose="020F0502020204030204" pitchFamily="34" charset="0"/>
+                <a:cs typeface="Calibri" panose="020F0502020204030204" pitchFamily="34" charset="0"/>
+              </a:rPr>
+              <a:t> сервісі «</a:t>
+            </a:r>
+            <a:r>
+              <a:rPr lang="en-US" sz="2000" dirty="0">
+                <a:solidFill>
+                  <a:schemeClr val="bg1"/>
+                </a:solidFill>
+                <a:latin typeface="Calibri" panose="020F0502020204030204" pitchFamily="34" charset="0"/>
+                <a:ea typeface="Calibri" panose="020F0502020204030204" pitchFamily="34" charset="0"/>
+                <a:cs typeface="Calibri" panose="020F0502020204030204" pitchFamily="34" charset="0"/>
+              </a:rPr>
+              <a:t>GitHub Pages</a:t>
+            </a:r>
+            <a:r>
+              <a:rPr lang="uk-UA" sz="2000" dirty="0">
+                <a:solidFill>
+                  <a:schemeClr val="bg1"/>
+                </a:solidFill>
+                <a:latin typeface="Calibri" panose="020F0502020204030204" pitchFamily="34" charset="0"/>
+                <a:ea typeface="Calibri" panose="020F0502020204030204" pitchFamily="34" charset="0"/>
+                <a:cs typeface="Calibri" panose="020F0502020204030204" pitchFamily="34" charset="0"/>
+              </a:rPr>
+              <a:t>»</a:t>
+            </a:r>
+            <a:endParaRPr lang="ru-RU" sz="2000" dirty="0">
+              <a:solidFill>
+                <a:schemeClr val="bg1"/>
+              </a:solidFill>
+              <a:latin typeface="Calibri" panose="020F0502020204030204" pitchFamily="34" charset="0"/>
+              <a:ea typeface="Calibri" panose="020F0502020204030204" pitchFamily="34" charset="0"/>
+              <a:cs typeface="Calibri" panose="020F0502020204030204" pitchFamily="34" charset="0"/>
+            </a:endParaRPr>
+          </a:p>
+          <a:p>
+            <a:pPr marL="342900" lvl="0" indent="-342900" algn="just">
+              <a:lnSpc>
+                <a:spcPct val="150000"/>
+              </a:lnSpc>
+              <a:spcAft>
+                <a:spcPts val="800"/>
+              </a:spcAft>
+              <a:buFont typeface="+mj-lt"/>
+              <a:buAutoNum type="arabicPeriod"/>
+            </a:pPr>
+            <a:r>
+              <a:rPr lang="uk-UA" sz="2000" dirty="0">
+                <a:solidFill>
+                  <a:schemeClr val="bg1"/>
+                </a:solidFill>
+                <a:latin typeface="Calibri" panose="020F0502020204030204" pitchFamily="34" charset="0"/>
+                <a:ea typeface="Calibri" panose="020F0502020204030204" pitchFamily="34" charset="0"/>
+                <a:cs typeface="Calibri" panose="020F0502020204030204" pitchFamily="34" charset="0"/>
+              </a:rPr>
+              <a:t>Складання кошторису виконаних робіт.</a:t>
+            </a:r>
+            <a:endParaRPr lang="ru-RU" sz="2000" dirty="0">
+              <a:solidFill>
+                <a:schemeClr val="bg1"/>
+              </a:solidFill>
+              <a:latin typeface="Calibri" panose="020F0502020204030204" pitchFamily="34" charset="0"/>
+              <a:ea typeface="Calibri" panose="020F0502020204030204" pitchFamily="34" charset="0"/>
+              <a:cs typeface="Calibri" panose="020F0502020204030204" pitchFamily="34" charset="0"/>
+            </a:endParaRPr>
+          </a:p>
+          <a:p>
+            <a:pPr marL="228600" algn="just">
+              <a:lnSpc>
+                <a:spcPct val="150000"/>
+              </a:lnSpc>
+              <a:spcAft>
+                <a:spcPts val="800"/>
+              </a:spcAft>
+            </a:pPr>
+            <a:r>
+              <a:rPr lang="uk-UA" sz="2000" dirty="0">
+                <a:solidFill>
+                  <a:schemeClr val="bg1"/>
+                </a:solidFill>
+                <a:latin typeface="Calibri" panose="020F0502020204030204" pitchFamily="34" charset="0"/>
+                <a:ea typeface="Calibri" panose="020F0502020204030204" pitchFamily="34" charset="0"/>
+                <a:cs typeface="Calibri" panose="020F0502020204030204" pitchFamily="34" charset="0"/>
+              </a:rPr>
+              <a:t>Результатом виконаної роботи є працюючий онлайн-конвертер, що </a:t>
+            </a:r>
+            <a:r>
+              <a:rPr lang="uk-UA" sz="2000" dirty="0" err="1">
+                <a:solidFill>
+                  <a:schemeClr val="bg1"/>
+                </a:solidFill>
+                <a:latin typeface="Calibri" panose="020F0502020204030204" pitchFamily="34" charset="0"/>
+                <a:ea typeface="Calibri" panose="020F0502020204030204" pitchFamily="34" charset="0"/>
+                <a:cs typeface="Calibri" panose="020F0502020204030204" pitchFamily="34" charset="0"/>
+              </a:rPr>
+              <a:t>задовільняє</a:t>
+            </a:r>
+            <a:r>
+              <a:rPr lang="uk-UA" sz="2000" dirty="0">
+                <a:solidFill>
+                  <a:schemeClr val="bg1"/>
+                </a:solidFill>
+                <a:latin typeface="Calibri" panose="020F0502020204030204" pitchFamily="34" charset="0"/>
+                <a:ea typeface="Calibri" panose="020F0502020204030204" pitchFamily="34" charset="0"/>
+                <a:cs typeface="Calibri" panose="020F0502020204030204" pitchFamily="34" charset="0"/>
+              </a:rPr>
+              <a:t> потреби більше десятка активних користувачів.</a:t>
+            </a:r>
+            <a:endParaRPr lang="ru-RU" sz="2000" dirty="0">
+              <a:solidFill>
+                <a:schemeClr val="bg1"/>
+              </a:solidFill>
+              <a:effectLst/>
+              <a:latin typeface="Calibri" panose="020F0502020204030204" pitchFamily="34" charset="0"/>
+              <a:ea typeface="Calibri" panose="020F0502020204030204" pitchFamily="34" charset="0"/>
+              <a:cs typeface="Calibri" panose="020F0502020204030204" pitchFamily="34" charset="0"/>
+            </a:endParaRPr>
+          </a:p>
+        </p:txBody>
+      </p:sp>
+    </p:spTree>
+    <p:extLst>
+      <p:ext uri="{BB962C8B-B14F-4D97-AF65-F5344CB8AC3E}">
+        <p14:creationId xmlns:p14="http://schemas.microsoft.com/office/powerpoint/2010/main" val="1142433336"/>
       </p:ext>
     </p:extLst>
   </p:cSld>
@@ -6964,15 +8703,15 @@
         </p:nvSpPr>
         <p:spPr>
           <a:xfrm>
-            <a:off x="501192" y="803790"/>
-            <a:ext cx="10700208" cy="5673210"/>
+            <a:off x="226872" y="727590"/>
+            <a:ext cx="11660328" cy="5810370"/>
           </a:xfrm>
           <a:prstGeom prst="rect">
             <a:avLst/>
           </a:prstGeom>
           <a:solidFill>
-            <a:schemeClr val="bg1">
-              <a:alpha val="50000"/>
+            <a:schemeClr val="tx1">
+              <a:alpha val="70000"/>
             </a:schemeClr>
           </a:solidFill>
         </p:spPr>
@@ -7147,119 +8886,785 @@
           <a:p>
             <a:pPr algn="l"/>
             <a:endParaRPr lang="en-US" dirty="0" smtClean="0">
-              <a:latin typeface="Times New Roman" panose="02020603050405020304" pitchFamily="18" charset="0"/>
-              <a:cs typeface="Times New Roman" panose="02020603050405020304" pitchFamily="18" charset="0"/>
+              <a:solidFill>
+                <a:schemeClr val="bg1"/>
+              </a:solidFill>
+              <a:latin typeface="Calibri" panose="020F0502020204030204" pitchFamily="34" charset="0"/>
+              <a:cs typeface="Calibri" panose="020F0502020204030204" pitchFamily="34" charset="0"/>
             </a:endParaRPr>
           </a:p>
           <a:p>
             <a:pPr algn="l"/>
             <a:r>
+              <a:rPr lang="ru-RU" b="1" dirty="0" smtClean="0">
+                <a:solidFill>
+                  <a:schemeClr val="bg1"/>
+                </a:solidFill>
+                <a:latin typeface="Calibri" panose="020F0502020204030204" pitchFamily="34" charset="0"/>
+                <a:cs typeface="Calibri" panose="020F0502020204030204" pitchFamily="34" charset="0"/>
+              </a:rPr>
+              <a:t>    Мета </a:t>
+            </a:r>
+            <a:r>
+              <a:rPr lang="ru-RU" b="1" dirty="0" err="1">
+                <a:solidFill>
+                  <a:schemeClr val="bg1"/>
+                </a:solidFill>
+                <a:latin typeface="Calibri" panose="020F0502020204030204" pitchFamily="34" charset="0"/>
+                <a:cs typeface="Calibri" panose="020F0502020204030204" pitchFamily="34" charset="0"/>
+              </a:rPr>
+              <a:t>роботи</a:t>
+            </a:r>
+            <a:r>
+              <a:rPr lang="ru-RU" b="1" dirty="0">
+                <a:solidFill>
+                  <a:schemeClr val="bg1"/>
+                </a:solidFill>
+                <a:latin typeface="Calibri" panose="020F0502020204030204" pitchFamily="34" charset="0"/>
+                <a:cs typeface="Calibri" panose="020F0502020204030204" pitchFamily="34" charset="0"/>
+              </a:rPr>
+              <a:t> – </a:t>
+            </a:r>
+            <a:r>
+              <a:rPr lang="ru-RU" dirty="0" err="1">
+                <a:solidFill>
+                  <a:schemeClr val="bg1"/>
+                </a:solidFill>
+                <a:latin typeface="Calibri" panose="020F0502020204030204" pitchFamily="34" charset="0"/>
+                <a:cs typeface="Calibri" panose="020F0502020204030204" pitchFamily="34" charset="0"/>
+              </a:rPr>
+              <a:t>створення</a:t>
+            </a:r>
+            <a:r>
+              <a:rPr lang="ru-RU" dirty="0">
+                <a:solidFill>
+                  <a:schemeClr val="bg1"/>
+                </a:solidFill>
+                <a:latin typeface="Calibri" panose="020F0502020204030204" pitchFamily="34" charset="0"/>
+                <a:cs typeface="Calibri" panose="020F0502020204030204" pitchFamily="34" charset="0"/>
+              </a:rPr>
+              <a:t> онлайн конвертора для </a:t>
+            </a:r>
+            <a:r>
+              <a:rPr lang="ru-RU" dirty="0" err="1">
+                <a:solidFill>
+                  <a:schemeClr val="bg1"/>
+                </a:solidFill>
+                <a:latin typeface="Calibri" panose="020F0502020204030204" pitchFamily="34" charset="0"/>
+                <a:cs typeface="Calibri" panose="020F0502020204030204" pitchFamily="34" charset="0"/>
+              </a:rPr>
+              <a:t>форматних</a:t>
+            </a:r>
+            <a:r>
+              <a:rPr lang="ru-RU" dirty="0">
+                <a:solidFill>
+                  <a:schemeClr val="bg1"/>
+                </a:solidFill>
+                <a:latin typeface="Calibri" panose="020F0502020204030204" pitchFamily="34" charset="0"/>
+                <a:cs typeface="Calibri" panose="020F0502020204030204" pitchFamily="34" charset="0"/>
+              </a:rPr>
+              <a:t> </a:t>
+            </a:r>
+            <a:r>
+              <a:rPr lang="ru-RU" dirty="0" err="1">
+                <a:solidFill>
+                  <a:schemeClr val="bg1"/>
+                </a:solidFill>
+                <a:latin typeface="Calibri" panose="020F0502020204030204" pitchFamily="34" charset="0"/>
+                <a:cs typeface="Calibri" panose="020F0502020204030204" pitchFamily="34" charset="0"/>
+              </a:rPr>
+              <a:t>файлів</a:t>
+            </a:r>
+            <a:r>
+              <a:rPr lang="ru-RU" dirty="0">
+                <a:solidFill>
+                  <a:schemeClr val="bg1"/>
+                </a:solidFill>
+                <a:latin typeface="Calibri" panose="020F0502020204030204" pitchFamily="34" charset="0"/>
+                <a:cs typeface="Calibri" panose="020F0502020204030204" pitchFamily="34" charset="0"/>
+              </a:rPr>
+              <a:t> </a:t>
+            </a:r>
+            <a:r>
+              <a:rPr lang="ru-RU" b="1" dirty="0" err="1">
+                <a:solidFill>
+                  <a:schemeClr val="bg1"/>
+                </a:solidFill>
+                <a:latin typeface="Calibri" panose="020F0502020204030204" pitchFamily="34" charset="0"/>
+                <a:cs typeface="Calibri" panose="020F0502020204030204" pitchFamily="34" charset="0"/>
+              </a:rPr>
+              <a:t>gsi</a:t>
+            </a:r>
+            <a:r>
+              <a:rPr lang="ru-RU" dirty="0">
+                <a:solidFill>
+                  <a:schemeClr val="bg1"/>
+                </a:solidFill>
+                <a:latin typeface="Calibri" panose="020F0502020204030204" pitchFamily="34" charset="0"/>
+                <a:cs typeface="Calibri" panose="020F0502020204030204" pitchFamily="34" charset="0"/>
+              </a:rPr>
+              <a:t>, </a:t>
+            </a:r>
+            <a:r>
+              <a:rPr lang="ru-RU" b="1" dirty="0">
+                <a:solidFill>
+                  <a:schemeClr val="bg1"/>
+                </a:solidFill>
+                <a:latin typeface="Calibri" panose="020F0502020204030204" pitchFamily="34" charset="0"/>
+                <a:cs typeface="Calibri" panose="020F0502020204030204" pitchFamily="34" charset="0"/>
+              </a:rPr>
+              <a:t>gts-6</a:t>
+            </a:r>
+            <a:r>
+              <a:rPr lang="ru-RU" dirty="0">
+                <a:solidFill>
+                  <a:schemeClr val="bg1"/>
+                </a:solidFill>
+                <a:latin typeface="Calibri" panose="020F0502020204030204" pitchFamily="34" charset="0"/>
+                <a:cs typeface="Calibri" panose="020F0502020204030204" pitchFamily="34" charset="0"/>
+              </a:rPr>
+              <a:t>, </a:t>
+            </a:r>
+            <a:r>
+              <a:rPr lang="ru-RU" b="1" dirty="0" smtClean="0">
+                <a:solidFill>
+                  <a:schemeClr val="bg1"/>
+                </a:solidFill>
+                <a:latin typeface="Calibri" panose="020F0502020204030204" pitchFamily="34" charset="0"/>
+                <a:cs typeface="Calibri" panose="020F0502020204030204" pitchFamily="34" charset="0"/>
+              </a:rPr>
+              <a:t>rw5</a:t>
+            </a:r>
+            <a:endParaRPr lang="en-US" b="1" dirty="0" smtClean="0">
+              <a:solidFill>
+                <a:schemeClr val="bg1"/>
+              </a:solidFill>
+              <a:latin typeface="Calibri" panose="020F0502020204030204" pitchFamily="34" charset="0"/>
+              <a:cs typeface="Calibri" panose="020F0502020204030204" pitchFamily="34" charset="0"/>
+            </a:endParaRPr>
+          </a:p>
+          <a:p>
+            <a:pPr algn="l"/>
+            <a:r>
+              <a:rPr lang="ru-RU" b="1" dirty="0" smtClean="0">
+                <a:solidFill>
+                  <a:schemeClr val="bg1"/>
+                </a:solidFill>
+                <a:latin typeface="Calibri" panose="020F0502020204030204" pitchFamily="34" charset="0"/>
+                <a:cs typeface="Calibri" panose="020F0502020204030204" pitchFamily="34" charset="0"/>
+              </a:rPr>
+              <a:t>    </a:t>
+            </a:r>
+            <a:r>
+              <a:rPr lang="ru-RU" b="1" dirty="0" err="1" smtClean="0">
+                <a:solidFill>
+                  <a:schemeClr val="bg1"/>
+                </a:solidFill>
+                <a:latin typeface="Calibri" panose="020F0502020204030204" pitchFamily="34" charset="0"/>
+                <a:cs typeface="Calibri" panose="020F0502020204030204" pitchFamily="34" charset="0"/>
+              </a:rPr>
+              <a:t>Об’єкт</a:t>
+            </a:r>
+            <a:r>
+              <a:rPr lang="ru-RU" b="1" dirty="0" smtClean="0">
+                <a:solidFill>
+                  <a:schemeClr val="bg1"/>
+                </a:solidFill>
+                <a:latin typeface="Calibri" panose="020F0502020204030204" pitchFamily="34" charset="0"/>
+                <a:cs typeface="Calibri" panose="020F0502020204030204" pitchFamily="34" charset="0"/>
+              </a:rPr>
+              <a:t> </a:t>
+            </a:r>
+            <a:r>
+              <a:rPr lang="ru-RU" b="1" dirty="0" err="1">
+                <a:solidFill>
+                  <a:schemeClr val="bg1"/>
+                </a:solidFill>
+                <a:latin typeface="Calibri" panose="020F0502020204030204" pitchFamily="34" charset="0"/>
+                <a:cs typeface="Calibri" panose="020F0502020204030204" pitchFamily="34" charset="0"/>
+              </a:rPr>
+              <a:t>дослідження</a:t>
+            </a:r>
+            <a:r>
+              <a:rPr lang="ru-RU" b="1" dirty="0">
+                <a:solidFill>
+                  <a:schemeClr val="bg1"/>
+                </a:solidFill>
+                <a:latin typeface="Calibri" panose="020F0502020204030204" pitchFamily="34" charset="0"/>
+                <a:cs typeface="Calibri" panose="020F0502020204030204" pitchFamily="34" charset="0"/>
+              </a:rPr>
+              <a:t> </a:t>
+            </a:r>
+            <a:r>
+              <a:rPr lang="ru-RU" dirty="0">
+                <a:solidFill>
+                  <a:schemeClr val="bg1"/>
+                </a:solidFill>
+                <a:latin typeface="Calibri" panose="020F0502020204030204" pitchFamily="34" charset="0"/>
+                <a:cs typeface="Calibri" panose="020F0502020204030204" pitchFamily="34" charset="0"/>
+              </a:rPr>
+              <a:t>– </a:t>
+            </a:r>
+            <a:r>
+              <a:rPr lang="ru-RU" dirty="0" err="1">
+                <a:solidFill>
+                  <a:schemeClr val="bg1"/>
+                </a:solidFill>
+                <a:latin typeface="Calibri" panose="020F0502020204030204" pitchFamily="34" charset="0"/>
+                <a:cs typeface="Calibri" panose="020F0502020204030204" pitchFamily="34" charset="0"/>
+              </a:rPr>
+              <a:t>форматні</a:t>
+            </a:r>
+            <a:r>
+              <a:rPr lang="ru-RU" dirty="0">
+                <a:solidFill>
+                  <a:schemeClr val="bg1"/>
+                </a:solidFill>
+                <a:latin typeface="Calibri" panose="020F0502020204030204" pitchFamily="34" charset="0"/>
+                <a:cs typeface="Calibri" panose="020F0502020204030204" pitchFamily="34" charset="0"/>
+              </a:rPr>
+              <a:t> </a:t>
+            </a:r>
+            <a:r>
+              <a:rPr lang="ru-RU" dirty="0" err="1">
+                <a:solidFill>
+                  <a:schemeClr val="bg1"/>
+                </a:solidFill>
+                <a:latin typeface="Calibri" panose="020F0502020204030204" pitchFamily="34" charset="0"/>
+                <a:cs typeface="Calibri" panose="020F0502020204030204" pitchFamily="34" charset="0"/>
+              </a:rPr>
+              <a:t>файли</a:t>
+            </a:r>
+            <a:r>
+              <a:rPr lang="ru-RU" dirty="0">
+                <a:solidFill>
+                  <a:schemeClr val="bg1"/>
+                </a:solidFill>
+                <a:latin typeface="Calibri" panose="020F0502020204030204" pitchFamily="34" charset="0"/>
+                <a:cs typeface="Calibri" panose="020F0502020204030204" pitchFamily="34" charset="0"/>
+              </a:rPr>
+              <a:t> </a:t>
+            </a:r>
+            <a:r>
+              <a:rPr lang="ru-RU" dirty="0" err="1">
+                <a:solidFill>
+                  <a:schemeClr val="bg1"/>
+                </a:solidFill>
+                <a:latin typeface="Calibri" panose="020F0502020204030204" pitchFamily="34" charset="0"/>
+                <a:cs typeface="Calibri" panose="020F0502020204030204" pitchFamily="34" charset="0"/>
+              </a:rPr>
+              <a:t>вимірів</a:t>
+            </a:r>
+            <a:r>
+              <a:rPr lang="ru-RU" dirty="0">
+                <a:solidFill>
+                  <a:schemeClr val="bg1"/>
+                </a:solidFill>
+                <a:latin typeface="Calibri" panose="020F0502020204030204" pitchFamily="34" charset="0"/>
+                <a:cs typeface="Calibri" panose="020F0502020204030204" pitchFamily="34" charset="0"/>
+              </a:rPr>
+              <a:t> </a:t>
+            </a:r>
+            <a:r>
+              <a:rPr lang="ru-RU" dirty="0" err="1" smtClean="0">
+                <a:solidFill>
+                  <a:schemeClr val="bg1"/>
+                </a:solidFill>
+                <a:latin typeface="Calibri" panose="020F0502020204030204" pitchFamily="34" charset="0"/>
+                <a:cs typeface="Calibri" panose="020F0502020204030204" pitchFamily="34" charset="0"/>
+              </a:rPr>
+              <a:t>тахеометрів</a:t>
+            </a:r>
+            <a:r>
+              <a:rPr lang="ru-RU" dirty="0" smtClean="0">
+                <a:solidFill>
+                  <a:schemeClr val="bg1"/>
+                </a:solidFill>
+                <a:latin typeface="Calibri" panose="020F0502020204030204" pitchFamily="34" charset="0"/>
+                <a:cs typeface="Calibri" panose="020F0502020204030204" pitchFamily="34" charset="0"/>
+              </a:rPr>
+              <a:t> </a:t>
+            </a:r>
+            <a:r>
+              <a:rPr lang="ru-RU" dirty="0">
+                <a:solidFill>
+                  <a:schemeClr val="bg1"/>
+                </a:solidFill>
+                <a:latin typeface="Calibri" panose="020F0502020204030204" pitchFamily="34" charset="0"/>
+                <a:cs typeface="Calibri" panose="020F0502020204030204" pitchFamily="34" charset="0"/>
+              </a:rPr>
+              <a:t>і </a:t>
+            </a:r>
+            <a:r>
+              <a:rPr lang="en-US" dirty="0" smtClean="0">
+                <a:solidFill>
+                  <a:schemeClr val="bg1"/>
+                </a:solidFill>
+                <a:latin typeface="Calibri" panose="020F0502020204030204" pitchFamily="34" charset="0"/>
+                <a:cs typeface="Calibri" panose="020F0502020204030204" pitchFamily="34" charset="0"/>
+              </a:rPr>
+              <a:t>GNSS</a:t>
+            </a:r>
+            <a:r>
               <a:rPr lang="uk-UA" dirty="0" smtClean="0">
-                <a:latin typeface="Times New Roman" panose="02020603050405020304" pitchFamily="18" charset="0"/>
-                <a:cs typeface="Times New Roman" panose="02020603050405020304" pitchFamily="18" charset="0"/>
-              </a:rPr>
-              <a:t>Метою даної роботи є </a:t>
-            </a:r>
-            <a:r>
-              <a:rPr lang="uk-UA" dirty="0" smtClean="0"/>
-              <a:t>забезпечення уніфікації вирішення наукових та користувацьких задач шляхом дослідження вихідних форматів геодезичних приладів.</a:t>
-            </a:r>
-            <a:endParaRPr lang="en-US" dirty="0" smtClean="0"/>
+                <a:solidFill>
+                  <a:schemeClr val="bg1"/>
+                </a:solidFill>
+                <a:latin typeface="Calibri" panose="020F0502020204030204" pitchFamily="34" charset="0"/>
+                <a:cs typeface="Calibri" panose="020F0502020204030204" pitchFamily="34" charset="0"/>
+              </a:rPr>
+              <a:t> </a:t>
+            </a:r>
+            <a:r>
+              <a:rPr lang="ru-RU" dirty="0" err="1" smtClean="0">
+                <a:solidFill>
+                  <a:schemeClr val="bg1"/>
+                </a:solidFill>
+                <a:latin typeface="Calibri" panose="020F0502020204030204" pitchFamily="34" charset="0"/>
+                <a:cs typeface="Calibri" panose="020F0502020204030204" pitchFamily="34" charset="0"/>
+              </a:rPr>
+              <a:t>приймачів</a:t>
+            </a:r>
+            <a:endParaRPr lang="ru-RU" dirty="0">
+              <a:solidFill>
+                <a:schemeClr val="bg1"/>
+              </a:solidFill>
+              <a:latin typeface="Calibri" panose="020F0502020204030204" pitchFamily="34" charset="0"/>
+              <a:cs typeface="Calibri" panose="020F0502020204030204" pitchFamily="34" charset="0"/>
+            </a:endParaRPr>
           </a:p>
           <a:p>
             <a:pPr algn="l"/>
-            <a:endParaRPr lang="ru-RU" dirty="0" smtClean="0"/>
+            <a:r>
+              <a:rPr lang="ru-RU" b="1" dirty="0" smtClean="0">
+                <a:solidFill>
+                  <a:schemeClr val="bg1"/>
+                </a:solidFill>
+                <a:latin typeface="Calibri" panose="020F0502020204030204" pitchFamily="34" charset="0"/>
+                <a:cs typeface="Calibri" panose="020F0502020204030204" pitchFamily="34" charset="0"/>
+              </a:rPr>
+              <a:t>    Предмет </a:t>
+            </a:r>
+            <a:r>
+              <a:rPr lang="ru-RU" b="1" dirty="0" err="1" smtClean="0">
+                <a:solidFill>
+                  <a:schemeClr val="bg1"/>
+                </a:solidFill>
+                <a:latin typeface="Calibri" panose="020F0502020204030204" pitchFamily="34" charset="0"/>
+                <a:cs typeface="Calibri" panose="020F0502020204030204" pitchFamily="34" charset="0"/>
+              </a:rPr>
+              <a:t>дослідження</a:t>
+            </a:r>
+            <a:r>
+              <a:rPr lang="ru-RU" b="1" dirty="0" smtClean="0">
+                <a:solidFill>
+                  <a:schemeClr val="bg1"/>
+                </a:solidFill>
+                <a:latin typeface="Calibri" panose="020F0502020204030204" pitchFamily="34" charset="0"/>
+                <a:cs typeface="Calibri" panose="020F0502020204030204" pitchFamily="34" charset="0"/>
+              </a:rPr>
+              <a:t> </a:t>
+            </a:r>
+            <a:r>
+              <a:rPr lang="ru-RU" dirty="0" smtClean="0">
+                <a:solidFill>
+                  <a:schemeClr val="bg1"/>
+                </a:solidFill>
+                <a:latin typeface="Calibri" panose="020F0502020204030204" pitchFamily="34" charset="0"/>
+                <a:cs typeface="Calibri" panose="020F0502020204030204" pitchFamily="34" charset="0"/>
+              </a:rPr>
+              <a:t>– порядок та структура </a:t>
+            </a:r>
+            <a:r>
+              <a:rPr lang="ru-RU" dirty="0" err="1" smtClean="0">
+                <a:solidFill>
+                  <a:schemeClr val="bg1"/>
+                </a:solidFill>
+                <a:latin typeface="Calibri" panose="020F0502020204030204" pitchFamily="34" charset="0"/>
+                <a:cs typeface="Calibri" panose="020F0502020204030204" pitchFamily="34" charset="0"/>
+              </a:rPr>
+              <a:t>форматних</a:t>
+            </a:r>
+            <a:r>
+              <a:rPr lang="ru-RU" dirty="0" smtClean="0">
+                <a:solidFill>
+                  <a:schemeClr val="bg1"/>
+                </a:solidFill>
+                <a:latin typeface="Calibri" panose="020F0502020204030204" pitchFamily="34" charset="0"/>
+                <a:cs typeface="Calibri" panose="020F0502020204030204" pitchFamily="34" charset="0"/>
+              </a:rPr>
+              <a:t> </a:t>
+            </a:r>
+            <a:r>
+              <a:rPr lang="ru-RU" dirty="0" err="1" smtClean="0">
+                <a:solidFill>
+                  <a:schemeClr val="bg1"/>
+                </a:solidFill>
+                <a:latin typeface="Calibri" panose="020F0502020204030204" pitchFamily="34" charset="0"/>
+                <a:cs typeface="Calibri" panose="020F0502020204030204" pitchFamily="34" charset="0"/>
+              </a:rPr>
+              <a:t>файлів</a:t>
+            </a:r>
+            <a:r>
+              <a:rPr lang="ru-RU" dirty="0" smtClean="0">
+                <a:solidFill>
+                  <a:schemeClr val="bg1"/>
+                </a:solidFill>
+                <a:latin typeface="Calibri" panose="020F0502020204030204" pitchFamily="34" charset="0"/>
+                <a:cs typeface="Calibri" panose="020F0502020204030204" pitchFamily="34" charset="0"/>
+              </a:rPr>
+              <a:t>.</a:t>
+            </a:r>
+          </a:p>
+          <a:p>
+            <a:pPr algn="l"/>
+            <a:endParaRPr lang="en-US" dirty="0" smtClean="0">
+              <a:solidFill>
+                <a:schemeClr val="bg1"/>
+              </a:solidFill>
+              <a:latin typeface="Calibri" panose="020F0502020204030204" pitchFamily="34" charset="0"/>
+              <a:cs typeface="Calibri" panose="020F0502020204030204" pitchFamily="34" charset="0"/>
+            </a:endParaRPr>
+          </a:p>
+          <a:p>
+            <a:pPr algn="l"/>
+            <a:endParaRPr lang="ru-RU" dirty="0" smtClean="0">
+              <a:solidFill>
+                <a:schemeClr val="bg1"/>
+              </a:solidFill>
+              <a:latin typeface="Calibri" panose="020F0502020204030204" pitchFamily="34" charset="0"/>
+              <a:cs typeface="Calibri" panose="020F0502020204030204" pitchFamily="34" charset="0"/>
+            </a:endParaRPr>
           </a:p>
           <a:p>
             <a:r>
               <a:rPr lang="uk-UA" b="1" dirty="0" smtClean="0">
-                <a:latin typeface="Times New Roman" panose="02020603050405020304" pitchFamily="18" charset="0"/>
-                <a:cs typeface="Times New Roman" panose="02020603050405020304" pitchFamily="18" charset="0"/>
+                <a:solidFill>
+                  <a:schemeClr val="bg1"/>
+                </a:solidFill>
+                <a:latin typeface="Calibri" panose="020F0502020204030204" pitchFamily="34" charset="0"/>
+                <a:cs typeface="Calibri" panose="020F0502020204030204" pitchFamily="34" charset="0"/>
               </a:rPr>
               <a:t>Для вирішення поставленої мети у роботі потрібно виконати такі завдання:</a:t>
             </a:r>
           </a:p>
           <a:p>
-            <a:pPr algn="l"/>
-            <a:r>
-              <a:rPr lang="uk-UA" i="1" dirty="0" smtClean="0">
-                <a:latin typeface="Times New Roman" panose="02020603050405020304" pitchFamily="18" charset="0"/>
-                <a:cs typeface="Times New Roman" panose="02020603050405020304" pitchFamily="18" charset="0"/>
-              </a:rPr>
-              <a:t>- Пошук та дослідження наявних програм, призначених для трансформації сирих даних вимірювального приладу.</a:t>
-            </a:r>
-          </a:p>
-          <a:p>
-            <a:pPr algn="l"/>
-            <a:r>
-              <a:rPr lang="uk-UA" i="1" dirty="0" smtClean="0">
-                <a:latin typeface="Times New Roman" panose="02020603050405020304" pitchFamily="18" charset="0"/>
-                <a:cs typeface="Times New Roman" panose="02020603050405020304" pitchFamily="18" charset="0"/>
-              </a:rPr>
-              <a:t>- Дослідження структури форматних файлів </a:t>
-            </a:r>
-            <a:r>
-              <a:rPr lang="en-US" i="1" dirty="0" smtClean="0">
-                <a:latin typeface="Times New Roman" panose="02020603050405020304" pitchFamily="18" charset="0"/>
-                <a:cs typeface="Times New Roman" panose="02020603050405020304" pitchFamily="18" charset="0"/>
-              </a:rPr>
-              <a:t>GSI, GTS-6, RW5.</a:t>
-            </a:r>
-          </a:p>
-          <a:p>
-            <a:pPr algn="l"/>
-            <a:r>
-              <a:rPr lang="en-US" i="1" dirty="0" smtClean="0">
-                <a:latin typeface="Times New Roman" panose="02020603050405020304" pitchFamily="18" charset="0"/>
-                <a:cs typeface="Times New Roman" panose="02020603050405020304" pitchFamily="18" charset="0"/>
-              </a:rPr>
-              <a:t>- </a:t>
-            </a:r>
-            <a:r>
-              <a:rPr lang="uk-UA" i="1" dirty="0" smtClean="0">
-                <a:latin typeface="Times New Roman" panose="02020603050405020304" pitchFamily="18" charset="0"/>
-                <a:cs typeface="Times New Roman" panose="02020603050405020304" pitchFamily="18" charset="0"/>
-              </a:rPr>
-              <a:t>Створення веб додатку для трансформування даних з текстових файлів форматів </a:t>
-            </a:r>
-            <a:r>
-              <a:rPr lang="en-US" i="1" dirty="0" smtClean="0">
-                <a:latin typeface="Times New Roman" panose="02020603050405020304" pitchFamily="18" charset="0"/>
-                <a:cs typeface="Times New Roman" panose="02020603050405020304" pitchFamily="18" charset="0"/>
+            <a:pPr marL="342900" indent="-342900" algn="l">
+              <a:buFont typeface="Wingdings" panose="05000000000000000000" pitchFamily="2" charset="2"/>
+              <a:buChar char="Ø"/>
+            </a:pPr>
+            <a:r>
+              <a:rPr lang="uk-UA" dirty="0" smtClean="0">
+                <a:solidFill>
+                  <a:schemeClr val="bg1"/>
+                </a:solidFill>
+                <a:latin typeface="Calibri" panose="020F0502020204030204" pitchFamily="34" charset="0"/>
+                <a:cs typeface="Calibri" panose="020F0502020204030204" pitchFamily="34" charset="0"/>
+              </a:rPr>
+              <a:t>Дослідження існуючих програм</a:t>
+            </a:r>
+            <a:r>
+              <a:rPr lang="uk-UA" dirty="0" smtClean="0">
+                <a:solidFill>
+                  <a:schemeClr val="bg1"/>
+                </a:solidFill>
+                <a:latin typeface="Calibri" panose="020F0502020204030204" pitchFamily="34" charset="0"/>
+                <a:cs typeface="Calibri" panose="020F0502020204030204" pitchFamily="34" charset="0"/>
+              </a:rPr>
+              <a:t>, призначених для трансформації сирих даних вимірювального </a:t>
+            </a:r>
+            <a:r>
+              <a:rPr lang="uk-UA" dirty="0" smtClean="0">
+                <a:solidFill>
+                  <a:schemeClr val="bg1"/>
+                </a:solidFill>
+                <a:latin typeface="Calibri" panose="020F0502020204030204" pitchFamily="34" charset="0"/>
+                <a:cs typeface="Calibri" panose="020F0502020204030204" pitchFamily="34" charset="0"/>
+              </a:rPr>
+              <a:t>приладу</a:t>
+            </a:r>
+            <a:r>
+              <a:rPr lang="en-US" dirty="0" smtClean="0">
+                <a:solidFill>
+                  <a:schemeClr val="bg1"/>
+                </a:solidFill>
+                <a:latin typeface="Calibri" panose="020F0502020204030204" pitchFamily="34" charset="0"/>
+                <a:cs typeface="Calibri" panose="020F0502020204030204" pitchFamily="34" charset="0"/>
+              </a:rPr>
+              <a:t> (</a:t>
+            </a:r>
+            <a:r>
+              <a:rPr lang="en-US" dirty="0" smtClean="0">
+                <a:solidFill>
+                  <a:srgbClr val="7030A0"/>
+                </a:solidFill>
+                <a:latin typeface="Calibri" panose="020F0502020204030204" pitchFamily="34" charset="0"/>
+                <a:cs typeface="Calibri" panose="020F0502020204030204" pitchFamily="34" charset="0"/>
+              </a:rPr>
+              <a:t>1</a:t>
+            </a:r>
+            <a:r>
+              <a:rPr lang="uk-UA" dirty="0" smtClean="0">
+                <a:solidFill>
+                  <a:srgbClr val="7030A0"/>
+                </a:solidFill>
+                <a:latin typeface="Calibri" panose="020F0502020204030204" pitchFamily="34" charset="0"/>
+                <a:cs typeface="Calibri" panose="020F0502020204030204" pitchFamily="34" charset="0"/>
+              </a:rPr>
+              <a:t> розділ</a:t>
+            </a:r>
+            <a:r>
+              <a:rPr lang="en-US" dirty="0" smtClean="0">
+                <a:solidFill>
+                  <a:schemeClr val="bg1"/>
+                </a:solidFill>
+                <a:latin typeface="Calibri" panose="020F0502020204030204" pitchFamily="34" charset="0"/>
+                <a:cs typeface="Calibri" panose="020F0502020204030204" pitchFamily="34" charset="0"/>
+              </a:rPr>
+              <a:t>)</a:t>
+            </a:r>
+            <a:endParaRPr lang="uk-UA" dirty="0" smtClean="0">
+              <a:solidFill>
+                <a:schemeClr val="bg1"/>
+              </a:solidFill>
+              <a:latin typeface="Calibri" panose="020F0502020204030204" pitchFamily="34" charset="0"/>
+              <a:cs typeface="Calibri" panose="020F0502020204030204" pitchFamily="34" charset="0"/>
+            </a:endParaRPr>
+          </a:p>
+          <a:p>
+            <a:pPr marL="342900" indent="-342900" algn="l">
+              <a:buFont typeface="Wingdings" panose="05000000000000000000" pitchFamily="2" charset="2"/>
+              <a:buChar char="Ø"/>
+            </a:pPr>
+            <a:r>
+              <a:rPr lang="uk-UA" dirty="0" smtClean="0">
+                <a:solidFill>
+                  <a:schemeClr val="bg1"/>
+                </a:solidFill>
+                <a:latin typeface="Calibri" panose="020F0502020204030204" pitchFamily="34" charset="0"/>
+                <a:cs typeface="Calibri" panose="020F0502020204030204" pitchFamily="34" charset="0"/>
+              </a:rPr>
+              <a:t>Дослідження </a:t>
+            </a:r>
+            <a:r>
+              <a:rPr lang="uk-UA" dirty="0" smtClean="0">
+                <a:solidFill>
+                  <a:schemeClr val="bg1"/>
+                </a:solidFill>
+                <a:latin typeface="Calibri" panose="020F0502020204030204" pitchFamily="34" charset="0"/>
+                <a:cs typeface="Calibri" panose="020F0502020204030204" pitchFamily="34" charset="0"/>
+              </a:rPr>
+              <a:t>структури форматних файлів </a:t>
+            </a:r>
+            <a:r>
+              <a:rPr lang="en-US" dirty="0" smtClean="0">
+                <a:solidFill>
+                  <a:schemeClr val="bg1"/>
+                </a:solidFill>
+                <a:latin typeface="Calibri" panose="020F0502020204030204" pitchFamily="34" charset="0"/>
+                <a:cs typeface="Calibri" panose="020F0502020204030204" pitchFamily="34" charset="0"/>
+              </a:rPr>
+              <a:t>GSI, GTS-6, </a:t>
+            </a:r>
+            <a:r>
+              <a:rPr lang="en-US" dirty="0" smtClean="0">
+                <a:solidFill>
+                  <a:schemeClr val="bg1"/>
+                </a:solidFill>
+                <a:latin typeface="Calibri" panose="020F0502020204030204" pitchFamily="34" charset="0"/>
+                <a:cs typeface="Calibri" panose="020F0502020204030204" pitchFamily="34" charset="0"/>
+              </a:rPr>
+              <a:t>RW5</a:t>
+            </a:r>
+            <a:r>
+              <a:rPr lang="uk-UA" dirty="0" smtClean="0">
+                <a:solidFill>
+                  <a:schemeClr val="bg1"/>
+                </a:solidFill>
+                <a:latin typeface="Calibri" panose="020F0502020204030204" pitchFamily="34" charset="0"/>
+                <a:cs typeface="Calibri" panose="020F0502020204030204" pitchFamily="34" charset="0"/>
+              </a:rPr>
+              <a:t> (</a:t>
+            </a:r>
+            <a:r>
+              <a:rPr lang="uk-UA" dirty="0" smtClean="0">
+                <a:solidFill>
+                  <a:srgbClr val="7030A0"/>
+                </a:solidFill>
+                <a:latin typeface="Calibri" panose="020F0502020204030204" pitchFamily="34" charset="0"/>
+                <a:cs typeface="Calibri" panose="020F0502020204030204" pitchFamily="34" charset="0"/>
+              </a:rPr>
+              <a:t>2 розділ</a:t>
+            </a:r>
+            <a:r>
+              <a:rPr lang="uk-UA" dirty="0" smtClean="0">
+                <a:solidFill>
+                  <a:schemeClr val="bg1"/>
+                </a:solidFill>
+                <a:latin typeface="Calibri" panose="020F0502020204030204" pitchFamily="34" charset="0"/>
+                <a:cs typeface="Calibri" panose="020F0502020204030204" pitchFamily="34" charset="0"/>
+              </a:rPr>
+              <a:t>)</a:t>
+            </a:r>
+            <a:endParaRPr lang="en-US" dirty="0" smtClean="0">
+              <a:solidFill>
+                <a:schemeClr val="bg1"/>
+              </a:solidFill>
+              <a:latin typeface="Calibri" panose="020F0502020204030204" pitchFamily="34" charset="0"/>
+              <a:cs typeface="Calibri" panose="020F0502020204030204" pitchFamily="34" charset="0"/>
+            </a:endParaRPr>
+          </a:p>
+          <a:p>
+            <a:pPr marL="342900" indent="-342900" algn="l">
+              <a:buFont typeface="Wingdings" panose="05000000000000000000" pitchFamily="2" charset="2"/>
+              <a:buChar char="Ø"/>
+            </a:pPr>
+            <a:r>
+              <a:rPr lang="uk-UA" dirty="0" smtClean="0">
+                <a:solidFill>
+                  <a:schemeClr val="bg1"/>
+                </a:solidFill>
+                <a:latin typeface="Calibri" panose="020F0502020204030204" pitchFamily="34" charset="0"/>
+                <a:cs typeface="Calibri" panose="020F0502020204030204" pitchFamily="34" charset="0"/>
+              </a:rPr>
+              <a:t>Створення </a:t>
+            </a:r>
+            <a:r>
+              <a:rPr lang="uk-UA" dirty="0" smtClean="0">
+                <a:solidFill>
+                  <a:schemeClr val="bg1"/>
+                </a:solidFill>
+                <a:latin typeface="Calibri" panose="020F0502020204030204" pitchFamily="34" charset="0"/>
+                <a:cs typeface="Calibri" panose="020F0502020204030204" pitchFamily="34" charset="0"/>
+              </a:rPr>
+              <a:t>веб додатку для трансформування даних </a:t>
+            </a:r>
+            <a:r>
+              <a:rPr lang="uk-UA" dirty="0" smtClean="0">
+                <a:solidFill>
+                  <a:schemeClr val="bg1"/>
+                </a:solidFill>
+                <a:latin typeface="Calibri" panose="020F0502020204030204" pitchFamily="34" charset="0"/>
+                <a:cs typeface="Calibri" panose="020F0502020204030204" pitchFamily="34" charset="0"/>
+              </a:rPr>
+              <a:t>з текстових </a:t>
+            </a:r>
+            <a:r>
+              <a:rPr lang="uk-UA" dirty="0" smtClean="0">
+                <a:solidFill>
+                  <a:schemeClr val="bg1"/>
+                </a:solidFill>
+                <a:latin typeface="Calibri" panose="020F0502020204030204" pitchFamily="34" charset="0"/>
+                <a:cs typeface="Calibri" panose="020F0502020204030204" pitchFamily="34" charset="0"/>
+              </a:rPr>
+              <a:t>файлів форматів </a:t>
+            </a:r>
+            <a:r>
+              <a:rPr lang="en-US" dirty="0" smtClean="0">
+                <a:solidFill>
+                  <a:schemeClr val="bg1"/>
+                </a:solidFill>
+                <a:latin typeface="Calibri" panose="020F0502020204030204" pitchFamily="34" charset="0"/>
+                <a:cs typeface="Calibri" panose="020F0502020204030204" pitchFamily="34" charset="0"/>
               </a:rPr>
               <a:t>GSI, GTS-6 </a:t>
             </a:r>
             <a:r>
-              <a:rPr lang="uk-UA" i="1" dirty="0" smtClean="0">
-                <a:latin typeface="Times New Roman" panose="02020603050405020304" pitchFamily="18" charset="0"/>
-                <a:cs typeface="Times New Roman" panose="02020603050405020304" pitchFamily="18" charset="0"/>
+              <a:rPr lang="uk-UA" dirty="0" smtClean="0">
+                <a:solidFill>
+                  <a:schemeClr val="bg1"/>
+                </a:solidFill>
+                <a:latin typeface="Calibri" panose="020F0502020204030204" pitchFamily="34" charset="0"/>
+                <a:cs typeface="Calibri" panose="020F0502020204030204" pitchFamily="34" charset="0"/>
               </a:rPr>
               <a:t>та </a:t>
             </a:r>
             <a:r>
-              <a:rPr lang="en-US" i="1" dirty="0" smtClean="0">
-                <a:latin typeface="Times New Roman" panose="02020603050405020304" pitchFamily="18" charset="0"/>
-                <a:cs typeface="Times New Roman" panose="02020603050405020304" pitchFamily="18" charset="0"/>
+              <a:rPr lang="en-US" dirty="0" smtClean="0">
+                <a:solidFill>
+                  <a:schemeClr val="bg1"/>
+                </a:solidFill>
+                <a:latin typeface="Calibri" panose="020F0502020204030204" pitchFamily="34" charset="0"/>
+                <a:cs typeface="Calibri" panose="020F0502020204030204" pitchFamily="34" charset="0"/>
               </a:rPr>
               <a:t>RW5 </a:t>
             </a:r>
             <a:r>
-              <a:rPr lang="uk-UA" i="1" dirty="0" smtClean="0">
-                <a:latin typeface="Times New Roman" panose="02020603050405020304" pitchFamily="18" charset="0"/>
-                <a:cs typeface="Times New Roman" panose="02020603050405020304" pitchFamily="18" charset="0"/>
+              <a:rPr lang="uk-UA" dirty="0" smtClean="0">
+                <a:solidFill>
+                  <a:schemeClr val="bg1"/>
+                </a:solidFill>
+                <a:latin typeface="Calibri" panose="020F0502020204030204" pitchFamily="34" charset="0"/>
+                <a:cs typeface="Calibri" panose="020F0502020204030204" pitchFamily="34" charset="0"/>
               </a:rPr>
               <a:t>в електронні таблиці </a:t>
             </a:r>
             <a:r>
-              <a:rPr lang="en-US" i="1" dirty="0" smtClean="0">
-                <a:latin typeface="Times New Roman" panose="02020603050405020304" pitchFamily="18" charset="0"/>
-                <a:cs typeface="Times New Roman" panose="02020603050405020304" pitchFamily="18" charset="0"/>
-              </a:rPr>
-              <a:t>EXEL.</a:t>
-            </a:r>
-          </a:p>
-          <a:p>
-            <a:endParaRPr lang="uk-UA" dirty="0"/>
+              <a:rPr lang="en-US" dirty="0" smtClean="0">
+                <a:solidFill>
+                  <a:schemeClr val="bg1"/>
+                </a:solidFill>
+                <a:latin typeface="Calibri" panose="020F0502020204030204" pitchFamily="34" charset="0"/>
+                <a:cs typeface="Calibri" panose="020F0502020204030204" pitchFamily="34" charset="0"/>
+              </a:rPr>
+              <a:t>EXEL</a:t>
+            </a:r>
+            <a:r>
+              <a:rPr lang="uk-UA" dirty="0" smtClean="0">
+                <a:solidFill>
+                  <a:schemeClr val="bg1"/>
+                </a:solidFill>
+                <a:latin typeface="Calibri" panose="020F0502020204030204" pitchFamily="34" charset="0"/>
+                <a:cs typeface="Calibri" panose="020F0502020204030204" pitchFamily="34" charset="0"/>
+              </a:rPr>
+              <a:t> (</a:t>
+            </a:r>
+            <a:r>
+              <a:rPr lang="uk-UA" dirty="0" smtClean="0">
+                <a:solidFill>
+                  <a:srgbClr val="7030A0"/>
+                </a:solidFill>
+                <a:latin typeface="Calibri" panose="020F0502020204030204" pitchFamily="34" charset="0"/>
+                <a:cs typeface="Calibri" panose="020F0502020204030204" pitchFamily="34" charset="0"/>
+              </a:rPr>
+              <a:t>3 розділ</a:t>
+            </a:r>
+            <a:r>
+              <a:rPr lang="uk-UA" dirty="0" smtClean="0">
+                <a:solidFill>
+                  <a:schemeClr val="bg1"/>
+                </a:solidFill>
+                <a:latin typeface="Calibri" panose="020F0502020204030204" pitchFamily="34" charset="0"/>
+                <a:cs typeface="Calibri" panose="020F0502020204030204" pitchFamily="34" charset="0"/>
+              </a:rPr>
+              <a:t>)</a:t>
+            </a:r>
+          </a:p>
+          <a:p>
+            <a:pPr marL="342900" indent="-342900" algn="l">
+              <a:buFont typeface="Wingdings" panose="05000000000000000000" pitchFamily="2" charset="2"/>
+              <a:buChar char="Ø"/>
+            </a:pPr>
+            <a:endParaRPr lang="en-US" dirty="0" smtClean="0">
+              <a:solidFill>
+                <a:schemeClr val="bg1"/>
+              </a:solidFill>
+              <a:latin typeface="Calibri" panose="020F0502020204030204" pitchFamily="34" charset="0"/>
+              <a:cs typeface="Calibri" panose="020F0502020204030204" pitchFamily="34" charset="0"/>
+            </a:endParaRPr>
+          </a:p>
+          <a:p>
+            <a:pPr marL="342900" indent="-342900">
+              <a:buFont typeface="Wingdings" panose="05000000000000000000" pitchFamily="2" charset="2"/>
+              <a:buChar char="Ø"/>
+            </a:pPr>
+            <a:endParaRPr lang="uk-UA" dirty="0">
+              <a:solidFill>
+                <a:schemeClr val="bg1"/>
+              </a:solidFill>
+              <a:latin typeface="Calibri" panose="020F0502020204030204" pitchFamily="34" charset="0"/>
+              <a:cs typeface="Calibri" panose="020F0502020204030204" pitchFamily="34" charset="0"/>
+            </a:endParaRPr>
           </a:p>
         </p:txBody>
       </p:sp>
@@ -7308,12 +9713,17 @@
         </p:nvSpPr>
         <p:spPr>
           <a:xfrm>
-            <a:off x="280571" y="1672575"/>
-            <a:ext cx="6641913" cy="1685077"/>
+            <a:off x="3642359" y="1767704"/>
+            <a:ext cx="8293061" cy="1200008"/>
           </a:xfrm>
           <a:prstGeom prst="rect">
             <a:avLst/>
           </a:prstGeom>
+          <a:solidFill>
+            <a:schemeClr val="tx1">
+              <a:alpha val="70000"/>
+            </a:schemeClr>
+          </a:solidFill>
         </p:spPr>
         <p:txBody>
           <a:bodyPr wrap="square">
@@ -7330,69 +9740,103 @@
               </a:spcAft>
             </a:pPr>
             <a:r>
-              <a:rPr lang="uk-UA" dirty="0" smtClean="0">
+              <a:rPr lang="uk-UA" sz="2000" dirty="0" smtClean="0">
+                <a:solidFill>
+                  <a:schemeClr val="bg1"/>
+                </a:solidFill>
                 <a:effectLst/>
                 <a:latin typeface="Calibri" panose="020F0502020204030204" pitchFamily="34" charset="0"/>
                 <a:ea typeface="Calibri" panose="020F0502020204030204" pitchFamily="34" charset="0"/>
                 <a:cs typeface="Times New Roman" panose="02020603050405020304" pitchFamily="18" charset="0"/>
               </a:rPr>
-              <a:t>Це програма для редагування файлів вимірювань, отриманих з електронних тахеометрів. Потрібна для обробки перед імпортом в програми обробки цих вимірів. При встановленні можна додатково встановити програму для обміну даними з тахеометром «</a:t>
-            </a:r>
-            <a:r>
-              <a:rPr lang="uk-UA" dirty="0" err="1" smtClean="0">
+              <a:t>    Ця </a:t>
+            </a:r>
+            <a:r>
+              <a:rPr lang="uk-UA" sz="2000" dirty="0" smtClean="0">
+                <a:solidFill>
+                  <a:schemeClr val="bg1"/>
+                </a:solidFill>
                 <a:effectLst/>
                 <a:latin typeface="Calibri" panose="020F0502020204030204" pitchFamily="34" charset="0"/>
                 <a:ea typeface="Calibri" panose="020F0502020204030204" pitchFamily="34" charset="0"/>
                 <a:cs typeface="Times New Roman" panose="02020603050405020304" pitchFamily="18" charset="0"/>
               </a:rPr>
-              <a:t>Total</a:t>
-            </a:r>
-            <a:r>
-              <a:rPr lang="uk-UA" dirty="0" smtClean="0">
+              <a:t>програма </a:t>
+            </a:r>
+            <a:r>
+              <a:rPr lang="uk-UA" sz="2000" dirty="0" smtClean="0">
+                <a:solidFill>
+                  <a:schemeClr val="bg1"/>
+                </a:solidFill>
                 <a:effectLst/>
                 <a:latin typeface="Calibri" panose="020F0502020204030204" pitchFamily="34" charset="0"/>
                 <a:ea typeface="Calibri" panose="020F0502020204030204" pitchFamily="34" charset="0"/>
                 <a:cs typeface="Times New Roman" panose="02020603050405020304" pitchFamily="18" charset="0"/>
               </a:rPr>
-              <a:t> </a:t>
-            </a:r>
-            <a:r>
-              <a:rPr lang="uk-UA" dirty="0" err="1" smtClean="0">
+              <a:t>призначена для </a:t>
+            </a:r>
+            <a:r>
+              <a:rPr lang="uk-UA" sz="2000" dirty="0" smtClean="0">
+                <a:solidFill>
+                  <a:schemeClr val="bg1"/>
+                </a:solidFill>
                 <a:effectLst/>
                 <a:latin typeface="Calibri" panose="020F0502020204030204" pitchFamily="34" charset="0"/>
                 <a:ea typeface="Calibri" panose="020F0502020204030204" pitchFamily="34" charset="0"/>
                 <a:cs typeface="Times New Roman" panose="02020603050405020304" pitchFamily="18" charset="0"/>
               </a:rPr>
-              <a:t>Station</a:t>
-            </a:r>
-            <a:r>
-              <a:rPr lang="uk-UA" dirty="0" smtClean="0">
+              <a:t>редагування файлів вимірювань, отриманих з електронних </a:t>
+            </a:r>
+            <a:r>
+              <a:rPr lang="uk-UA" sz="2000" dirty="0" smtClean="0">
+                <a:solidFill>
+                  <a:schemeClr val="bg1"/>
+                </a:solidFill>
                 <a:effectLst/>
                 <a:latin typeface="Calibri" panose="020F0502020204030204" pitchFamily="34" charset="0"/>
                 <a:ea typeface="Calibri" panose="020F0502020204030204" pitchFamily="34" charset="0"/>
                 <a:cs typeface="Times New Roman" panose="02020603050405020304" pitchFamily="18" charset="0"/>
               </a:rPr>
-              <a:t> </a:t>
-            </a:r>
-            <a:r>
-              <a:rPr lang="uk-UA" dirty="0" err="1" smtClean="0">
+              <a:t>тахеометрів.</a:t>
+            </a:r>
+          </a:p>
+          <a:p>
+            <a:pPr algn="just">
+              <a:lnSpc>
+                <a:spcPct val="115000"/>
+              </a:lnSpc>
+              <a:spcAft>
+                <a:spcPts val="0"/>
+              </a:spcAft>
+            </a:pPr>
+            <a:r>
+              <a:rPr lang="uk-UA" sz="2000" dirty="0" smtClean="0">
+                <a:solidFill>
+                  <a:schemeClr val="bg1"/>
+                </a:solidFill>
                 <a:effectLst/>
                 <a:latin typeface="Calibri" panose="020F0502020204030204" pitchFamily="34" charset="0"/>
                 <a:ea typeface="Calibri" panose="020F0502020204030204" pitchFamily="34" charset="0"/>
                 <a:cs typeface="Times New Roman" panose="02020603050405020304" pitchFamily="18" charset="0"/>
               </a:rPr>
-              <a:t>Agent</a:t>
-            </a:r>
-            <a:r>
-              <a:rPr lang="uk-UA" dirty="0" smtClean="0">
+              <a:t>    Потрібна </a:t>
+            </a:r>
+            <a:r>
+              <a:rPr lang="uk-UA" sz="2000" dirty="0" smtClean="0">
+                <a:solidFill>
+                  <a:schemeClr val="bg1"/>
+                </a:solidFill>
                 <a:effectLst/>
                 <a:latin typeface="Calibri" panose="020F0502020204030204" pitchFamily="34" charset="0"/>
                 <a:ea typeface="Calibri" panose="020F0502020204030204" pitchFamily="34" charset="0"/>
                 <a:cs typeface="Times New Roman" panose="02020603050405020304" pitchFamily="18" charset="0"/>
               </a:rPr>
-              <a:t>».</a:t>
-            </a:r>
-            <a:endParaRPr lang="ru-RU" sz="1600" dirty="0" smtClean="0">
+              <a:t>для обробки перед імпортом в програми обробки цих вимірів. </a:t>
+            </a:r>
+            <a:endParaRPr lang="ru-RU" dirty="0" smtClean="0">
+              <a:solidFill>
+                <a:schemeClr val="bg1"/>
+              </a:solidFill>
               <a:effectLst/>
               <a:latin typeface="Times New Roman" panose="02020603050405020304" pitchFamily="18" charset="0"/>
               <a:ea typeface="Calibri" panose="020F0502020204030204" pitchFamily="34" charset="0"/>
@@ -7414,8 +9858,8 @@
         </p:blipFill>
         <p:spPr>
           <a:xfrm>
-            <a:off x="3169920" y="3520440"/>
-            <a:ext cx="8765501" cy="3059061"/>
+            <a:off x="3642360" y="3520439"/>
+            <a:ext cx="8293061" cy="2970488"/>
           </a:xfrm>
           <a:prstGeom prst="rect">
             <a:avLst/>
@@ -7430,12 +9874,17 @@
         </p:nvSpPr>
         <p:spPr>
           <a:xfrm>
-            <a:off x="413980" y="4708989"/>
-            <a:ext cx="2588300" cy="1870512"/>
+            <a:off x="278068" y="4136214"/>
+            <a:ext cx="3015020" cy="1738938"/>
           </a:xfrm>
           <a:prstGeom prst="rect">
             <a:avLst/>
           </a:prstGeom>
+          <a:solidFill>
+            <a:schemeClr val="tx1">
+              <a:alpha val="70000"/>
+            </a:schemeClr>
+          </a:solidFill>
         </p:spPr>
         <p:txBody>
           <a:bodyPr wrap="square">
@@ -7452,15 +9901,33 @@
               </a:spcAft>
             </a:pPr>
             <a:r>
-              <a:rPr lang="uk-UA" dirty="0" smtClean="0">
+              <a:rPr lang="uk-UA" sz="2000" dirty="0" smtClean="0">
+                <a:solidFill>
+                  <a:schemeClr val="bg1"/>
+                </a:solidFill>
                 <a:effectLst/>
                 <a:latin typeface="Calibri" panose="020F0502020204030204" pitchFamily="34" charset="0"/>
                 <a:ea typeface="Calibri" panose="020F0502020204030204" pitchFamily="34" charset="0"/>
                 <a:cs typeface="Times New Roman" panose="02020603050405020304" pitchFamily="18" charset="0"/>
               </a:rPr>
-              <a:t>Недоліком даної програми є те, що вона доступна тільки для користувачів операційної системи «Windows».</a:t>
-            </a:r>
-            <a:endParaRPr lang="ru-RU" sz="1400" dirty="0">
+              <a:t>Недоліком </a:t>
+            </a:r>
+            <a:r>
+              <a:rPr lang="uk-UA" sz="2000" dirty="0" smtClean="0">
+                <a:solidFill>
+                  <a:schemeClr val="bg1"/>
+                </a:solidFill>
+                <a:effectLst/>
+                <a:latin typeface="Calibri" panose="020F0502020204030204" pitchFamily="34" charset="0"/>
+                <a:ea typeface="Calibri" panose="020F0502020204030204" pitchFamily="34" charset="0"/>
+                <a:cs typeface="Times New Roman" panose="02020603050405020304" pitchFamily="18" charset="0"/>
+              </a:rPr>
+              <a:t>даної програми є те, що вона доступна тільки для користувачів операційної системи «Windows».</a:t>
+            </a:r>
+            <a:endParaRPr lang="ru-RU" sz="1600" dirty="0">
+              <a:solidFill>
+                <a:schemeClr val="bg1"/>
+              </a:solidFill>
               <a:effectLst/>
               <a:latin typeface="Calibri" panose="020F0502020204030204" pitchFamily="34" charset="0"/>
               <a:ea typeface="Calibri" panose="020F0502020204030204" pitchFamily="34" charset="0"/>
@@ -7477,21 +9944,19 @@
         </p:nvSpPr>
         <p:spPr>
           <a:xfrm>
-            <a:off x="413980" y="438676"/>
-            <a:ext cx="6375097" cy="548099"/>
+            <a:off x="0" y="510797"/>
+            <a:ext cx="6375097" cy="587853"/>
           </a:xfrm>
           <a:prstGeom prst="rect">
             <a:avLst/>
           </a:prstGeom>
           <a:solidFill>
-            <a:schemeClr val="bg1">
-              <a:alpha val="50000"/>
-            </a:schemeClr>
+            <a:srgbClr val="92D050">
+              <a:alpha val="80000"/>
+            </a:srgbClr>
           </a:solidFill>
           <a:ln>
-            <a:solidFill>
-              <a:schemeClr val="accent1"/>
-            </a:solidFill>
+            <a:noFill/>
           </a:ln>
         </p:spPr>
         <p:txBody>
@@ -7510,40 +9975,60 @@
             </a:pPr>
             <a:r>
               <a:rPr lang="en-US" sz="2800" b="1" dirty="0" smtClean="0">
+                <a:solidFill>
+                  <a:schemeClr val="bg1"/>
+                </a:solidFill>
                 <a:effectLst/>
-                <a:latin typeface="Times New Roman" panose="02020603050405020304" pitchFamily="18" charset="0"/>
-                <a:ea typeface="Calibri" panose="020F0502020204030204" pitchFamily="34" charset="0"/>
+                <a:latin typeface="Calibri" panose="020F0502020204030204" pitchFamily="34" charset="0"/>
+                <a:ea typeface="Calibri" panose="020F0502020204030204" pitchFamily="34" charset="0"/>
+                <a:cs typeface="Calibri" panose="020F0502020204030204" pitchFamily="34" charset="0"/>
               </a:rPr>
               <a:t>        </a:t>
             </a:r>
             <a:r>
               <a:rPr lang="uk-UA" sz="2800" b="1" dirty="0" smtClean="0">
+                <a:solidFill>
+                  <a:schemeClr val="bg1"/>
+                </a:solidFill>
                 <a:effectLst/>
-                <a:latin typeface="Times New Roman" panose="02020603050405020304" pitchFamily="18" charset="0"/>
-                <a:ea typeface="Calibri" panose="020F0502020204030204" pitchFamily="34" charset="0"/>
+                <a:latin typeface="Calibri" panose="020F0502020204030204" pitchFamily="34" charset="0"/>
+                <a:ea typeface="Calibri" panose="020F0502020204030204" pitchFamily="34" charset="0"/>
+                <a:cs typeface="Calibri" panose="020F0502020204030204" pitchFamily="34" charset="0"/>
               </a:rPr>
               <a:t>«Редактор </a:t>
             </a:r>
             <a:r>
               <a:rPr lang="ru-RU" sz="2800" b="1" dirty="0" smtClean="0">
+                <a:solidFill>
+                  <a:schemeClr val="bg1"/>
+                </a:solidFill>
                 <a:effectLst/>
-                <a:latin typeface="Times New Roman" panose="02020603050405020304" pitchFamily="18" charset="0"/>
-                <a:ea typeface="Calibri" panose="020F0502020204030204" pitchFamily="34" charset="0"/>
+                <a:latin typeface="Calibri" panose="020F0502020204030204" pitchFamily="34" charset="0"/>
+                <a:ea typeface="Calibri" panose="020F0502020204030204" pitchFamily="34" charset="0"/>
+                <a:cs typeface="Calibri" panose="020F0502020204030204" pitchFamily="34" charset="0"/>
               </a:rPr>
               <a:t>измерений</a:t>
             </a:r>
             <a:r>
               <a:rPr lang="uk-UA" sz="2800" b="1" dirty="0" smtClean="0">
+                <a:solidFill>
+                  <a:schemeClr val="bg1"/>
+                </a:solidFill>
                 <a:effectLst/>
-                <a:latin typeface="Times New Roman" panose="02020603050405020304" pitchFamily="18" charset="0"/>
-                <a:ea typeface="Calibri" panose="020F0502020204030204" pitchFamily="34" charset="0"/>
+                <a:latin typeface="Calibri" panose="020F0502020204030204" pitchFamily="34" charset="0"/>
+                <a:ea typeface="Calibri" panose="020F0502020204030204" pitchFamily="34" charset="0"/>
+                <a:cs typeface="Calibri" panose="020F0502020204030204" pitchFamily="34" charset="0"/>
               </a:rPr>
               <a:t>»</a:t>
             </a:r>
             <a:endParaRPr lang="ru-RU" sz="2400" dirty="0">
+              <a:solidFill>
+                <a:schemeClr val="bg1"/>
+              </a:solidFill>
               <a:effectLst/>
-              <a:latin typeface="Times New Roman" panose="02020603050405020304" pitchFamily="18" charset="0"/>
+              <a:latin typeface="Calibri" panose="020F0502020204030204" pitchFamily="34" charset="0"/>
               <a:ea typeface="Calibri" panose="020F0502020204030204" pitchFamily="34" charset="0"/>
+              <a:cs typeface="Calibri" panose="020F0502020204030204" pitchFamily="34" charset="0"/>
             </a:endParaRPr>
           </a:p>
         </p:txBody>
@@ -7585,20 +10070,106 @@
           <a:chExt cx="0" cy="0"/>
         </a:xfrm>
       </p:grpSpPr>
-      <p:sp>
-        <p:nvSpPr>
-          <p:cNvPr id="5" name="Прямоугольник 4"/>
-          <p:cNvSpPr/>
+      <p:pic>
+        <p:nvPicPr>
+          <p:cNvPr id="6" name="Рисунок 5"/>
+          <p:cNvPicPr/>
           <p:nvPr/>
-        </p:nvSpPr>
+        </p:nvPicPr>
+        <p:blipFill rotWithShape="1">
+          <a:blip r:embed="rId2"/>
+          <a:srcRect b="27262"/>
+          <a:stretch/>
+        </p:blipFill>
         <p:spPr>
           <a:xfrm>
-            <a:off x="296085" y="1490430"/>
-            <a:ext cx="5068395" cy="1779333"/>
+            <a:off x="5471160" y="3505201"/>
+            <a:ext cx="6529397" cy="2895600"/>
           </a:xfrm>
           <a:prstGeom prst="rect">
             <a:avLst/>
           </a:prstGeom>
+        </p:spPr>
+      </p:pic>
+      <p:sp>
+        <p:nvSpPr>
+          <p:cNvPr id="9" name="Прямоугольник 8"/>
+          <p:cNvSpPr/>
+          <p:nvPr/>
+        </p:nvSpPr>
+        <p:spPr>
+          <a:xfrm>
+            <a:off x="0" y="510797"/>
+            <a:ext cx="6375097" cy="558743"/>
+          </a:xfrm>
+          <a:prstGeom prst="rect">
+            <a:avLst/>
+          </a:prstGeom>
+          <a:solidFill>
+            <a:srgbClr val="92D050">
+              <a:alpha val="80000"/>
+            </a:srgbClr>
+          </a:solidFill>
+          <a:ln>
+            <a:noFill/>
+          </a:ln>
+        </p:spPr>
+        <p:txBody>
+          <a:bodyPr wrap="square">
+            <a:spAutoFit/>
+          </a:bodyPr>
+          <a:lstStyle/>
+          <a:p>
+            <a:pPr marL="276225" algn="just">
+              <a:lnSpc>
+                <a:spcPct val="115000"/>
+              </a:lnSpc>
+              <a:spcAft>
+                <a:spcPts val="0"/>
+              </a:spcAft>
+            </a:pPr>
+            <a:r>
+              <a:rPr lang="en-US" sz="2800" b="1" dirty="0">
+                <a:solidFill>
+                  <a:schemeClr val="bg1"/>
+                </a:solidFill>
+                <a:latin typeface="Calibri" panose="020F0502020204030204" pitchFamily="34" charset="0"/>
+                <a:ea typeface="Calibri" panose="020F0502020204030204" pitchFamily="34" charset="0"/>
+                <a:cs typeface="Calibri" panose="020F0502020204030204" pitchFamily="34" charset="0"/>
+              </a:rPr>
+              <a:t> «RTK Format 4.0.0»</a:t>
+            </a:r>
+            <a:endParaRPr lang="ru-RU" sz="2400" dirty="0">
+              <a:solidFill>
+                <a:schemeClr val="bg1"/>
+              </a:solidFill>
+              <a:effectLst/>
+              <a:latin typeface="Calibri" panose="020F0502020204030204" pitchFamily="34" charset="0"/>
+              <a:ea typeface="Calibri" panose="020F0502020204030204" pitchFamily="34" charset="0"/>
+              <a:cs typeface="Calibri" panose="020F0502020204030204" pitchFamily="34" charset="0"/>
+            </a:endParaRPr>
+          </a:p>
+        </p:txBody>
+      </p:sp>
+      <p:sp>
+        <p:nvSpPr>
+          <p:cNvPr id="10" name="Прямоугольник 9"/>
+          <p:cNvSpPr/>
+          <p:nvPr/>
+        </p:nvSpPr>
+        <p:spPr>
+          <a:xfrm>
+            <a:off x="235126" y="1619197"/>
+            <a:ext cx="7171514" cy="1614801"/>
+          </a:xfrm>
+          <a:prstGeom prst="rect">
+            <a:avLst/>
+          </a:prstGeom>
+          <a:solidFill>
+            <a:schemeClr val="tx1">
+              <a:alpha val="70000"/>
+            </a:schemeClr>
+          </a:solidFill>
         </p:spPr>
         <p:txBody>
           <a:bodyPr wrap="square">
@@ -7615,17 +10186,43 @@
               </a:spcAft>
             </a:pPr>
             <a:r>
-              <a:rPr lang="uk-UA" dirty="0" smtClean="0">
-                <a:effectLst/>
-                <a:latin typeface="Times New Roman" panose="02020603050405020304" pitchFamily="18" charset="0"/>
-                <a:ea typeface="Calibri" panose="020F0502020204030204" pitchFamily="34" charset="0"/>
-                <a:cs typeface="Times New Roman" panose="02020603050405020304" pitchFamily="18" charset="0"/>
-              </a:rPr>
-              <a:t>Це програма для конвертації та редагування вимірів з GNSS приймачів, написана чехом </a:t>
-            </a:r>
-            <a:r>
-              <a:rPr lang="uk-UA" dirty="0" err="1" smtClean="0">
-                <a:effectLst/>
+              <a:rPr lang="en-US" sz="2000" dirty="0" smtClean="0">
+                <a:solidFill>
+                  <a:schemeClr val="bg1"/>
+                </a:solidFill>
+                <a:latin typeface="Times New Roman" panose="02020603050405020304" pitchFamily="18" charset="0"/>
+                <a:ea typeface="Calibri" panose="020F0502020204030204" pitchFamily="34" charset="0"/>
+                <a:cs typeface="Times New Roman" panose="02020603050405020304" pitchFamily="18" charset="0"/>
+              </a:rPr>
+              <a:t>     </a:t>
+            </a:r>
+            <a:r>
+              <a:rPr lang="uk-UA" sz="2000" dirty="0" smtClean="0">
+                <a:solidFill>
+                  <a:schemeClr val="bg1"/>
+                </a:solidFill>
+                <a:latin typeface="Times New Roman" panose="02020603050405020304" pitchFamily="18" charset="0"/>
+                <a:ea typeface="Calibri" panose="020F0502020204030204" pitchFamily="34" charset="0"/>
+                <a:cs typeface="Times New Roman" panose="02020603050405020304" pitchFamily="18" charset="0"/>
+              </a:rPr>
+              <a:t>Це </a:t>
+            </a:r>
+            <a:r>
+              <a:rPr lang="uk-UA" sz="2000" dirty="0">
+                <a:solidFill>
+                  <a:schemeClr val="bg1"/>
+                </a:solidFill>
+                <a:latin typeface="Times New Roman" panose="02020603050405020304" pitchFamily="18" charset="0"/>
+                <a:ea typeface="Calibri" panose="020F0502020204030204" pitchFamily="34" charset="0"/>
+                <a:cs typeface="Times New Roman" panose="02020603050405020304" pitchFamily="18" charset="0"/>
+              </a:rPr>
+              <a:t>програма для конвертації та редагування вимірів з GNSS приймачів, написана чехом </a:t>
+            </a:r>
+            <a:r>
+              <a:rPr lang="uk-UA" sz="2000" dirty="0" err="1">
+                <a:solidFill>
+                  <a:schemeClr val="bg1"/>
+                </a:solidFill>
                 <a:latin typeface="Times New Roman" panose="02020603050405020304" pitchFamily="18" charset="0"/>
                 <a:ea typeface="Calibri" panose="020F0502020204030204" pitchFamily="34" charset="0"/>
                 <a:cs typeface="Times New Roman" panose="02020603050405020304" pitchFamily="18" charset="0"/>
@@ -7633,8 +10230,10 @@
               <a:t>Тімуром</a:t>
             </a:r>
             <a:r>
-              <a:rPr lang="uk-UA" dirty="0" smtClean="0">
-                <a:effectLst/>
+              <a:rPr lang="uk-UA" sz="2000" dirty="0">
+                <a:solidFill>
+                  <a:schemeClr val="bg1"/>
+                </a:solidFill>
                 <a:latin typeface="Times New Roman" panose="02020603050405020304" pitchFamily="18" charset="0"/>
                 <a:ea typeface="Calibri" panose="020F0502020204030204" pitchFamily="34" charset="0"/>
                 <a:cs typeface="Times New Roman" panose="02020603050405020304" pitchFamily="18" charset="0"/>
@@ -7642,8 +10241,10 @@
               <a:t> </a:t>
             </a:r>
             <a:r>
-              <a:rPr lang="uk-UA" dirty="0" err="1" smtClean="0">
-                <a:effectLst/>
+              <a:rPr lang="uk-UA" sz="2000" dirty="0" err="1">
+                <a:solidFill>
+                  <a:schemeClr val="bg1"/>
+                </a:solidFill>
                 <a:latin typeface="Times New Roman" panose="02020603050405020304" pitchFamily="18" charset="0"/>
                 <a:ea typeface="Calibri" panose="020F0502020204030204" pitchFamily="34" charset="0"/>
                 <a:cs typeface="Times New Roman" panose="02020603050405020304" pitchFamily="18" charset="0"/>
@@ -7651,16 +10252,20 @@
               <a:t>Аясом</a:t>
             </a:r>
             <a:r>
-              <a:rPr lang="uk-UA" dirty="0" smtClean="0">
-                <a:effectLst/>
+              <a:rPr lang="uk-UA" sz="2000" dirty="0">
+                <a:solidFill>
+                  <a:schemeClr val="bg1"/>
+                </a:solidFill>
                 <a:latin typeface="Times New Roman" panose="02020603050405020304" pitchFamily="18" charset="0"/>
                 <a:ea typeface="Calibri" panose="020F0502020204030204" pitchFamily="34" charset="0"/>
                 <a:cs typeface="Times New Roman" panose="02020603050405020304" pitchFamily="18" charset="0"/>
               </a:rPr>
               <a:t>.</a:t>
             </a:r>
-            <a:endParaRPr lang="ru-RU" sz="1400" dirty="0" smtClean="0">
-              <a:effectLst/>
+            <a:endParaRPr lang="ru-RU" sz="1600" dirty="0">
+              <a:solidFill>
+                <a:schemeClr val="bg1"/>
+              </a:solidFill>
               <a:latin typeface="Calibri" panose="020F0502020204030204" pitchFamily="34" charset="0"/>
               <a:ea typeface="Calibri" panose="020F0502020204030204" pitchFamily="34" charset="0"/>
               <a:cs typeface="Times New Roman" panose="02020603050405020304" pitchFamily="18" charset="0"/>
@@ -7676,25 +10281,53 @@
               </a:spcAft>
             </a:pPr>
             <a:r>
-              <a:rPr lang="uk-UA" dirty="0" smtClean="0">
-                <a:effectLst/>
-                <a:latin typeface="Calibri" panose="020F0502020204030204" pitchFamily="34" charset="0"/>
-                <a:ea typeface="Calibri" panose="020F0502020204030204" pitchFamily="34" charset="0"/>
-                <a:cs typeface="Times New Roman" panose="02020603050405020304" pitchFamily="18" charset="0"/>
-              </a:rPr>
-              <a:t>Підтримка імпорту файлів: </a:t>
-            </a:r>
-            <a:r>
-              <a:rPr lang="uk-UA" dirty="0" smtClean="0">
-                <a:effectLst/>
+              <a:rPr lang="en-US" sz="2000" dirty="0" smtClean="0">
+                <a:solidFill>
+                  <a:schemeClr val="bg1"/>
+                </a:solidFill>
+                <a:latin typeface="Calibri" panose="020F0502020204030204" pitchFamily="34" charset="0"/>
+                <a:ea typeface="Calibri" panose="020F0502020204030204" pitchFamily="34" charset="0"/>
+                <a:cs typeface="Times New Roman" panose="02020603050405020304" pitchFamily="18" charset="0"/>
+              </a:rPr>
+              <a:t>    </a:t>
+            </a:r>
+            <a:r>
+              <a:rPr lang="uk-UA" sz="2000" dirty="0" smtClean="0">
+                <a:solidFill>
+                  <a:schemeClr val="bg1"/>
+                </a:solidFill>
+                <a:latin typeface="Calibri" panose="020F0502020204030204" pitchFamily="34" charset="0"/>
+                <a:ea typeface="Calibri" panose="020F0502020204030204" pitchFamily="34" charset="0"/>
+                <a:cs typeface="Times New Roman" panose="02020603050405020304" pitchFamily="18" charset="0"/>
+              </a:rPr>
+              <a:t>Підтримка </a:t>
+            </a:r>
+            <a:r>
+              <a:rPr lang="uk-UA" sz="2000" dirty="0">
+                <a:solidFill>
+                  <a:schemeClr val="bg1"/>
+                </a:solidFill>
+                <a:latin typeface="Calibri" panose="020F0502020204030204" pitchFamily="34" charset="0"/>
+                <a:ea typeface="Calibri" panose="020F0502020204030204" pitchFamily="34" charset="0"/>
+                <a:cs typeface="Times New Roman" panose="02020603050405020304" pitchFamily="18" charset="0"/>
+              </a:rPr>
+              <a:t>імпорту файлів: </a:t>
+            </a:r>
+            <a:r>
+              <a:rPr lang="uk-UA" sz="2000" dirty="0">
+                <a:solidFill>
+                  <a:schemeClr val="bg1"/>
+                </a:solidFill>
                 <a:latin typeface="Times New Roman" panose="02020603050405020304" pitchFamily="18" charset="0"/>
                 <a:ea typeface="Calibri" panose="020F0502020204030204" pitchFamily="34" charset="0"/>
                 <a:cs typeface="Times New Roman" panose="02020603050405020304" pitchFamily="18" charset="0"/>
               </a:rPr>
               <a:t>RW5, RTK, NCN, PNT.</a:t>
             </a:r>
-            <a:endParaRPr lang="ru-RU" sz="1400" dirty="0" smtClean="0">
-              <a:effectLst/>
+            <a:endParaRPr lang="ru-RU" sz="1600" dirty="0">
+              <a:solidFill>
+                <a:schemeClr val="bg1"/>
+              </a:solidFill>
               <a:latin typeface="Calibri" panose="020F0502020204030204" pitchFamily="34" charset="0"/>
               <a:ea typeface="Calibri" panose="020F0502020204030204" pitchFamily="34" charset="0"/>
               <a:cs typeface="Times New Roman" panose="02020603050405020304" pitchFamily="18" charset="0"/>
@@ -7710,16 +10343,42 @@
               </a:spcAft>
             </a:pPr>
             <a:r>
-              <a:rPr lang="uk-UA" dirty="0" smtClean="0">
-                <a:effectLst/>
-                <a:latin typeface="Calibri" panose="020F0502020204030204" pitchFamily="34" charset="0"/>
-                <a:ea typeface="Calibri" panose="020F0502020204030204" pitchFamily="34" charset="0"/>
-                <a:cs typeface="Times New Roman" panose="02020603050405020304" pitchFamily="18" charset="0"/>
-              </a:rPr>
-              <a:t>Експорт у формати: RTK, EXCEL.</a:t>
-            </a:r>
-            <a:endParaRPr lang="ru-RU" sz="1400" dirty="0">
-              <a:effectLst/>
+              <a:rPr lang="en-US" sz="2000" dirty="0" smtClean="0">
+                <a:solidFill>
+                  <a:schemeClr val="bg1"/>
+                </a:solidFill>
+                <a:latin typeface="Calibri" panose="020F0502020204030204" pitchFamily="34" charset="0"/>
+                <a:ea typeface="Calibri" panose="020F0502020204030204" pitchFamily="34" charset="0"/>
+                <a:cs typeface="Times New Roman" panose="02020603050405020304" pitchFamily="18" charset="0"/>
+              </a:rPr>
+              <a:t>    </a:t>
+            </a:r>
+            <a:r>
+              <a:rPr lang="uk-UA" sz="2000" dirty="0" smtClean="0">
+                <a:solidFill>
+                  <a:schemeClr val="bg1"/>
+                </a:solidFill>
+                <a:latin typeface="Calibri" panose="020F0502020204030204" pitchFamily="34" charset="0"/>
+                <a:ea typeface="Calibri" panose="020F0502020204030204" pitchFamily="34" charset="0"/>
+                <a:cs typeface="Times New Roman" panose="02020603050405020304" pitchFamily="18" charset="0"/>
+              </a:rPr>
+              <a:t>Експорт </a:t>
+            </a:r>
+            <a:r>
+              <a:rPr lang="uk-UA" sz="2000" dirty="0">
+                <a:solidFill>
+                  <a:schemeClr val="bg1"/>
+                </a:solidFill>
+                <a:latin typeface="Calibri" panose="020F0502020204030204" pitchFamily="34" charset="0"/>
+                <a:ea typeface="Calibri" panose="020F0502020204030204" pitchFamily="34" charset="0"/>
+                <a:cs typeface="Times New Roman" panose="02020603050405020304" pitchFamily="18" charset="0"/>
+              </a:rPr>
+              <a:t>у формати: RTK, EXCEL.</a:t>
+            </a:r>
+            <a:endParaRPr lang="ru-RU" sz="1600" dirty="0">
+              <a:solidFill>
+                <a:schemeClr val="bg1"/>
+              </a:solidFill>
               <a:latin typeface="Calibri" panose="020F0502020204030204" pitchFamily="34" charset="0"/>
               <a:ea typeface="Calibri" panose="020F0502020204030204" pitchFamily="34" charset="0"/>
               <a:cs typeface="Times New Roman" panose="02020603050405020304" pitchFamily="18" charset="0"/>
@@ -7727,45 +10386,28 @@
           </a:p>
         </p:txBody>
       </p:sp>
-      <p:pic>
-        <p:nvPicPr>
-          <p:cNvPr id="6" name="Рисунок 5"/>
-          <p:cNvPicPr/>
+      <p:sp>
+        <p:nvSpPr>
+          <p:cNvPr id="11" name="Прямоугольник 10"/>
+          <p:cNvSpPr/>
           <p:nvPr/>
-        </p:nvPicPr>
-        <p:blipFill>
-          <a:blip r:embed="rId2"/>
-          <a:stretch>
-            <a:fillRect/>
-          </a:stretch>
-        </p:blipFill>
+        </p:nvSpPr>
         <p:spPr>
           <a:xfrm>
-            <a:off x="5471160" y="2636520"/>
-            <a:ext cx="6529397" cy="3980855"/>
+            <a:off x="235125" y="4343400"/>
+            <a:ext cx="4946475" cy="2057401"/>
           </a:xfrm>
           <a:prstGeom prst="rect">
             <a:avLst/>
           </a:prstGeom>
+          <a:solidFill>
+            <a:schemeClr val="tx1">
+              <a:alpha val="70000"/>
+            </a:schemeClr>
+          </a:solidFill>
         </p:spPr>
-      </p:pic>
-      <p:sp>
-        <p:nvSpPr>
-          <p:cNvPr id="7" name="Прямоугольник 6"/>
-          <p:cNvSpPr/>
-          <p:nvPr/>
-        </p:nvSpPr>
-        <p:spPr>
-          <a:xfrm>
-            <a:off x="296085" y="4940634"/>
-            <a:ext cx="6096000" cy="1676741"/>
-          </a:xfrm>
-          <a:prstGeom prst="rect">
-            <a:avLst/>
-          </a:prstGeom>
-        </p:spPr>
-        <p:txBody>
-          <a:bodyPr>
+        <p:txBody>
+          <a:bodyPr wrap="square">
             <a:spAutoFit/>
           </a:bodyPr>
           <a:lstStyle/>
@@ -7779,185 +10421,250 @@
               </a:spcAft>
             </a:pPr>
             <a:r>
-              <a:rPr lang="uk-UA" dirty="0" smtClean="0">
-                <a:effectLst/>
-                <a:latin typeface="Times New Roman" panose="02020603050405020304" pitchFamily="18" charset="0"/>
-                <a:ea typeface="Calibri" panose="020F0502020204030204" pitchFamily="34" charset="0"/>
-                <a:cs typeface="Times New Roman" panose="02020603050405020304" pitchFamily="18" charset="0"/>
-              </a:rPr>
-              <a:t>Серед недоліків даної програми є:</a:t>
-            </a:r>
-            <a:endParaRPr lang="ru-RU" sz="1400" dirty="0" smtClean="0">
-              <a:effectLst/>
-              <a:latin typeface="Calibri" panose="020F0502020204030204" pitchFamily="34" charset="0"/>
-              <a:ea typeface="Calibri" panose="020F0502020204030204" pitchFamily="34" charset="0"/>
-              <a:cs typeface="Times New Roman" panose="02020603050405020304" pitchFamily="18" charset="0"/>
-            </a:endParaRPr>
-          </a:p>
-          <a:p>
-            <a:pPr marL="342900" lvl="0" indent="-342900">
-              <a:lnSpc>
-                <a:spcPct val="107000"/>
-              </a:lnSpc>
-              <a:spcAft>
-                <a:spcPts val="0"/>
-              </a:spcAft>
-              <a:buFont typeface="Symbol" panose="05050102010706020507" pitchFamily="18" charset="2"/>
-              <a:buChar char=""/>
-            </a:pPr>
-            <a:r>
-              <a:rPr lang="uk-UA" dirty="0" smtClean="0">
-                <a:effectLst/>
-                <a:latin typeface="Times New Roman" panose="02020603050405020304" pitchFamily="18" charset="0"/>
-                <a:ea typeface="Calibri" panose="020F0502020204030204" pitchFamily="34" charset="0"/>
-                <a:cs typeface="Times New Roman" panose="02020603050405020304" pitchFamily="18" charset="0"/>
-              </a:rPr>
-              <a:t>моноплатфрменність (Windows)</a:t>
-            </a:r>
-            <a:endParaRPr lang="ru-RU" sz="1400" dirty="0" smtClean="0">
-              <a:effectLst/>
-              <a:latin typeface="Calibri" panose="020F0502020204030204" pitchFamily="34" charset="0"/>
-              <a:ea typeface="Calibri" panose="020F0502020204030204" pitchFamily="34" charset="0"/>
-              <a:cs typeface="Times New Roman" panose="02020603050405020304" pitchFamily="18" charset="0"/>
-            </a:endParaRPr>
-          </a:p>
-          <a:p>
-            <a:pPr marL="342900" lvl="0" indent="-342900">
-              <a:lnSpc>
-                <a:spcPct val="107000"/>
-              </a:lnSpc>
-              <a:spcAft>
-                <a:spcPts val="0"/>
-              </a:spcAft>
-              <a:buFont typeface="Symbol" panose="05050102010706020507" pitchFamily="18" charset="2"/>
-              <a:buChar char=""/>
-            </a:pPr>
-            <a:r>
-              <a:rPr lang="uk-UA" dirty="0" smtClean="0">
-                <a:effectLst/>
-                <a:latin typeface="Times New Roman" panose="02020603050405020304" pitchFamily="18" charset="0"/>
-                <a:ea typeface="Calibri" panose="020F0502020204030204" pitchFamily="34" charset="0"/>
-                <a:cs typeface="Times New Roman" panose="02020603050405020304" pitchFamily="18" charset="0"/>
-              </a:rPr>
-              <a:t>нестабільна робота</a:t>
-            </a:r>
-            <a:endParaRPr lang="ru-RU" sz="1400" dirty="0" smtClean="0">
-              <a:effectLst/>
-              <a:latin typeface="Calibri" panose="020F0502020204030204" pitchFamily="34" charset="0"/>
-              <a:ea typeface="Calibri" panose="020F0502020204030204" pitchFamily="34" charset="0"/>
-              <a:cs typeface="Times New Roman" panose="02020603050405020304" pitchFamily="18" charset="0"/>
-            </a:endParaRPr>
-          </a:p>
-          <a:p>
-            <a:pPr marL="342900" lvl="0" indent="-342900">
+              <a:rPr lang="ru-RU" sz="2000" dirty="0" err="1" smtClean="0">
+                <a:solidFill>
+                  <a:schemeClr val="bg1"/>
+                </a:solidFill>
+                <a:latin typeface="Times New Roman" panose="02020603050405020304" pitchFamily="18" charset="0"/>
+                <a:ea typeface="Calibri" panose="020F0502020204030204" pitchFamily="34" charset="0"/>
+                <a:cs typeface="Times New Roman" panose="02020603050405020304" pitchFamily="18" charset="0"/>
+              </a:rPr>
+              <a:t>Серед</a:t>
+            </a:r>
+            <a:r>
+              <a:rPr lang="ru-RU" sz="2000" dirty="0" smtClean="0">
+                <a:solidFill>
+                  <a:schemeClr val="bg1"/>
+                </a:solidFill>
+                <a:latin typeface="Times New Roman" panose="02020603050405020304" pitchFamily="18" charset="0"/>
+                <a:ea typeface="Calibri" panose="020F0502020204030204" pitchFamily="34" charset="0"/>
+                <a:cs typeface="Times New Roman" panose="02020603050405020304" pitchFamily="18" charset="0"/>
+              </a:rPr>
+              <a:t> </a:t>
+            </a:r>
+            <a:r>
+              <a:rPr lang="ru-RU" sz="2000" dirty="0" err="1">
+                <a:solidFill>
+                  <a:schemeClr val="bg1"/>
+                </a:solidFill>
+                <a:latin typeface="Times New Roman" panose="02020603050405020304" pitchFamily="18" charset="0"/>
+                <a:ea typeface="Calibri" panose="020F0502020204030204" pitchFamily="34" charset="0"/>
+                <a:cs typeface="Times New Roman" panose="02020603050405020304" pitchFamily="18" charset="0"/>
+              </a:rPr>
+              <a:t>недоліків</a:t>
+            </a:r>
+            <a:r>
+              <a:rPr lang="ru-RU" sz="2000" dirty="0">
+                <a:solidFill>
+                  <a:schemeClr val="bg1"/>
+                </a:solidFill>
+                <a:latin typeface="Times New Roman" panose="02020603050405020304" pitchFamily="18" charset="0"/>
+                <a:ea typeface="Calibri" panose="020F0502020204030204" pitchFamily="34" charset="0"/>
+                <a:cs typeface="Times New Roman" panose="02020603050405020304" pitchFamily="18" charset="0"/>
+              </a:rPr>
+              <a:t> </a:t>
+            </a:r>
+            <a:r>
+              <a:rPr lang="ru-RU" sz="2000" dirty="0" err="1">
+                <a:solidFill>
+                  <a:schemeClr val="bg1"/>
+                </a:solidFill>
+                <a:latin typeface="Times New Roman" panose="02020603050405020304" pitchFamily="18" charset="0"/>
+                <a:ea typeface="Calibri" panose="020F0502020204030204" pitchFamily="34" charset="0"/>
+                <a:cs typeface="Times New Roman" panose="02020603050405020304" pitchFamily="18" charset="0"/>
+              </a:rPr>
+              <a:t>даної</a:t>
+            </a:r>
+            <a:r>
+              <a:rPr lang="ru-RU" sz="2000" dirty="0">
+                <a:solidFill>
+                  <a:schemeClr val="bg1"/>
+                </a:solidFill>
+                <a:latin typeface="Times New Roman" panose="02020603050405020304" pitchFamily="18" charset="0"/>
+                <a:ea typeface="Calibri" panose="020F0502020204030204" pitchFamily="34" charset="0"/>
+                <a:cs typeface="Times New Roman" panose="02020603050405020304" pitchFamily="18" charset="0"/>
+              </a:rPr>
+              <a:t> </a:t>
+            </a:r>
+            <a:r>
+              <a:rPr lang="ru-RU" sz="2000" dirty="0" err="1">
+                <a:solidFill>
+                  <a:schemeClr val="bg1"/>
+                </a:solidFill>
+                <a:latin typeface="Times New Roman" panose="02020603050405020304" pitchFamily="18" charset="0"/>
+                <a:ea typeface="Calibri" panose="020F0502020204030204" pitchFamily="34" charset="0"/>
+                <a:cs typeface="Times New Roman" panose="02020603050405020304" pitchFamily="18" charset="0"/>
+              </a:rPr>
+              <a:t>програми</a:t>
+            </a:r>
+            <a:r>
+              <a:rPr lang="ru-RU" sz="2000" dirty="0">
+                <a:solidFill>
+                  <a:schemeClr val="bg1"/>
+                </a:solidFill>
+                <a:latin typeface="Times New Roman" panose="02020603050405020304" pitchFamily="18" charset="0"/>
+                <a:ea typeface="Calibri" panose="020F0502020204030204" pitchFamily="34" charset="0"/>
+                <a:cs typeface="Times New Roman" panose="02020603050405020304" pitchFamily="18" charset="0"/>
+              </a:rPr>
+              <a:t> є:</a:t>
+            </a:r>
+          </a:p>
+          <a:p>
+            <a:pPr marL="342900" indent="-342900">
               <a:lnSpc>
                 <a:spcPct val="107000"/>
               </a:lnSpc>
               <a:spcAft>
                 <a:spcPts val="800"/>
               </a:spcAft>
-              <a:buFont typeface="Symbol" panose="05050102010706020507" pitchFamily="18" charset="2"/>
-              <a:buChar char=""/>
+              <a:buFont typeface="Wingdings" panose="05000000000000000000" pitchFamily="2" charset="2"/>
+              <a:buChar char="§"/>
             </a:pPr>
             <a:r>
-              <a:rPr lang="uk-UA" dirty="0" smtClean="0">
-                <a:effectLst/>
-                <a:latin typeface="Times New Roman" panose="02020603050405020304" pitchFamily="18" charset="0"/>
-                <a:ea typeface="Calibri" panose="020F0502020204030204" pitchFamily="34" charset="0"/>
-                <a:cs typeface="Times New Roman" panose="02020603050405020304" pitchFamily="18" charset="0"/>
-              </a:rPr>
-              <a:t>некоректність обчислень полів з прямокутними координатами точки</a:t>
-            </a:r>
-            <a:endParaRPr lang="ru-RU" sz="1400" dirty="0">
-              <a:effectLst/>
-              <a:latin typeface="Calibri" panose="020F0502020204030204" pitchFamily="34" charset="0"/>
-              <a:ea typeface="Calibri" panose="020F0502020204030204" pitchFamily="34" charset="0"/>
-              <a:cs typeface="Times New Roman" panose="02020603050405020304" pitchFamily="18" charset="0"/>
-            </a:endParaRPr>
-          </a:p>
-        </p:txBody>
-      </p:sp>
-      <p:sp>
-        <p:nvSpPr>
-          <p:cNvPr id="8" name="Прямоугольник 7"/>
-          <p:cNvSpPr/>
-          <p:nvPr/>
-        </p:nvSpPr>
-        <p:spPr>
-          <a:xfrm>
-            <a:off x="296085" y="466991"/>
-            <a:ext cx="6375097" cy="553357"/>
-          </a:xfrm>
-          <a:prstGeom prst="rect">
-            <a:avLst/>
-          </a:prstGeom>
-          <a:solidFill>
-            <a:schemeClr val="bg1">
-              <a:alpha val="50000"/>
-            </a:schemeClr>
-          </a:solidFill>
-          <a:ln>
-            <a:solidFill>
-              <a:schemeClr val="accent1"/>
-            </a:solidFill>
-          </a:ln>
-        </p:spPr>
-        <p:txBody>
-          <a:bodyPr wrap="square">
-            <a:spAutoFit/>
-          </a:bodyPr>
-          <a:lstStyle/>
-          <a:p>
-            <a:pPr>
+              <a:rPr lang="ru-RU" sz="2000" dirty="0">
+                <a:solidFill>
+                  <a:schemeClr val="bg1"/>
+                </a:solidFill>
+                <a:latin typeface="Times New Roman" panose="02020603050405020304" pitchFamily="18" charset="0"/>
+                <a:ea typeface="Calibri" panose="020F0502020204030204" pitchFamily="34" charset="0"/>
+                <a:cs typeface="Times New Roman" panose="02020603050405020304" pitchFamily="18" charset="0"/>
+              </a:rPr>
+              <a:t>моноплатфрменність (Windows)</a:t>
+            </a:r>
+          </a:p>
+          <a:p>
+            <a:pPr marL="342900" indent="-342900">
               <a:lnSpc>
                 <a:spcPct val="107000"/>
               </a:lnSpc>
               <a:spcAft>
                 <a:spcPts val="800"/>
               </a:spcAft>
+              <a:buFont typeface="Wingdings" panose="05000000000000000000" pitchFamily="2" charset="2"/>
+              <a:buChar char="§"/>
             </a:pPr>
             <a:r>
-              <a:rPr lang="en-US" sz="2800" b="1" dirty="0" smtClean="0">
-                <a:effectLst/>
-                <a:latin typeface="Times New Roman" panose="02020603050405020304" pitchFamily="18" charset="0"/>
-                <a:ea typeface="Calibri" panose="020F0502020204030204" pitchFamily="34" charset="0"/>
-                <a:cs typeface="Times New Roman" panose="02020603050405020304" pitchFamily="18" charset="0"/>
-              </a:rPr>
-              <a:t>              </a:t>
-            </a:r>
-            <a:r>
-              <a:rPr lang="uk-UA" sz="2800" b="1" dirty="0" smtClean="0">
-                <a:effectLst/>
-                <a:latin typeface="Times New Roman" panose="02020603050405020304" pitchFamily="18" charset="0"/>
-                <a:ea typeface="Calibri" panose="020F0502020204030204" pitchFamily="34" charset="0"/>
-                <a:cs typeface="Times New Roman" panose="02020603050405020304" pitchFamily="18" charset="0"/>
-              </a:rPr>
-              <a:t>«RTK </a:t>
-            </a:r>
-            <a:r>
-              <a:rPr lang="uk-UA" sz="2800" b="1" dirty="0" err="1" smtClean="0">
-                <a:effectLst/>
-                <a:latin typeface="Times New Roman" panose="02020603050405020304" pitchFamily="18" charset="0"/>
-                <a:ea typeface="Calibri" panose="020F0502020204030204" pitchFamily="34" charset="0"/>
-                <a:cs typeface="Times New Roman" panose="02020603050405020304" pitchFamily="18" charset="0"/>
-              </a:rPr>
-              <a:t>Format</a:t>
-            </a:r>
-            <a:r>
-              <a:rPr lang="uk-UA" sz="2800" b="1" dirty="0" smtClean="0">
-                <a:effectLst/>
-                <a:latin typeface="Times New Roman" panose="02020603050405020304" pitchFamily="18" charset="0"/>
-                <a:ea typeface="Calibri" panose="020F0502020204030204" pitchFamily="34" charset="0"/>
-                <a:cs typeface="Times New Roman" panose="02020603050405020304" pitchFamily="18" charset="0"/>
-              </a:rPr>
-              <a:t> 4.0.0»</a:t>
-            </a:r>
-            <a:endParaRPr lang="ru-RU" sz="2000" dirty="0">
-              <a:effectLst/>
-              <a:latin typeface="Calibri" panose="020F0502020204030204" pitchFamily="34" charset="0"/>
-              <a:ea typeface="Calibri" panose="020F0502020204030204" pitchFamily="34" charset="0"/>
-              <a:cs typeface="Times New Roman" panose="02020603050405020304" pitchFamily="18" charset="0"/>
-            </a:endParaRPr>
+              <a:rPr lang="ru-RU" sz="2000" dirty="0" err="1">
+                <a:solidFill>
+                  <a:schemeClr val="bg1"/>
+                </a:solidFill>
+                <a:latin typeface="Times New Roman" panose="02020603050405020304" pitchFamily="18" charset="0"/>
+                <a:ea typeface="Calibri" panose="020F0502020204030204" pitchFamily="34" charset="0"/>
+                <a:cs typeface="Times New Roman" panose="02020603050405020304" pitchFamily="18" charset="0"/>
+              </a:rPr>
+              <a:t>нестабільна</a:t>
+            </a:r>
+            <a:r>
+              <a:rPr lang="ru-RU" sz="2000" dirty="0">
+                <a:solidFill>
+                  <a:schemeClr val="bg1"/>
+                </a:solidFill>
+                <a:latin typeface="Times New Roman" panose="02020603050405020304" pitchFamily="18" charset="0"/>
+                <a:ea typeface="Calibri" panose="020F0502020204030204" pitchFamily="34" charset="0"/>
+                <a:cs typeface="Times New Roman" panose="02020603050405020304" pitchFamily="18" charset="0"/>
+              </a:rPr>
+              <a:t> робота</a:t>
+            </a:r>
+          </a:p>
+          <a:p>
+            <a:pPr marL="342900" indent="-342900">
+              <a:lnSpc>
+                <a:spcPct val="107000"/>
+              </a:lnSpc>
+              <a:spcAft>
+                <a:spcPts val="800"/>
+              </a:spcAft>
+              <a:buFont typeface="Wingdings" panose="05000000000000000000" pitchFamily="2" charset="2"/>
+              <a:buChar char="§"/>
+            </a:pPr>
+            <a:r>
+              <a:rPr lang="ru-RU" sz="2000" dirty="0" err="1">
+                <a:solidFill>
+                  <a:schemeClr val="bg1"/>
+                </a:solidFill>
+                <a:latin typeface="Times New Roman" panose="02020603050405020304" pitchFamily="18" charset="0"/>
+                <a:ea typeface="Calibri" panose="020F0502020204030204" pitchFamily="34" charset="0"/>
+                <a:cs typeface="Times New Roman" panose="02020603050405020304" pitchFamily="18" charset="0"/>
+              </a:rPr>
+              <a:t>некоректність</a:t>
+            </a:r>
+            <a:r>
+              <a:rPr lang="ru-RU" sz="2000" dirty="0">
+                <a:solidFill>
+                  <a:schemeClr val="bg1"/>
+                </a:solidFill>
+                <a:latin typeface="Times New Roman" panose="02020603050405020304" pitchFamily="18" charset="0"/>
+                <a:ea typeface="Calibri" panose="020F0502020204030204" pitchFamily="34" charset="0"/>
+                <a:cs typeface="Times New Roman" panose="02020603050405020304" pitchFamily="18" charset="0"/>
+              </a:rPr>
+              <a:t> </a:t>
+            </a:r>
+            <a:r>
+              <a:rPr lang="ru-RU" sz="2000" dirty="0" err="1">
+                <a:solidFill>
+                  <a:schemeClr val="bg1"/>
+                </a:solidFill>
+                <a:latin typeface="Times New Roman" panose="02020603050405020304" pitchFamily="18" charset="0"/>
+                <a:ea typeface="Calibri" panose="020F0502020204030204" pitchFamily="34" charset="0"/>
+                <a:cs typeface="Times New Roman" panose="02020603050405020304" pitchFamily="18" charset="0"/>
+              </a:rPr>
+              <a:t>обчислень</a:t>
+            </a:r>
+            <a:r>
+              <a:rPr lang="ru-RU" sz="2000" dirty="0">
+                <a:solidFill>
+                  <a:schemeClr val="bg1"/>
+                </a:solidFill>
+                <a:latin typeface="Times New Roman" panose="02020603050405020304" pitchFamily="18" charset="0"/>
+                <a:ea typeface="Calibri" panose="020F0502020204030204" pitchFamily="34" charset="0"/>
+                <a:cs typeface="Times New Roman" panose="02020603050405020304" pitchFamily="18" charset="0"/>
+              </a:rPr>
+              <a:t> </a:t>
+            </a:r>
+            <a:r>
+              <a:rPr lang="ru-RU" sz="2000" dirty="0" err="1">
+                <a:solidFill>
+                  <a:schemeClr val="bg1"/>
+                </a:solidFill>
+                <a:latin typeface="Times New Roman" panose="02020603050405020304" pitchFamily="18" charset="0"/>
+                <a:ea typeface="Calibri" panose="020F0502020204030204" pitchFamily="34" charset="0"/>
+                <a:cs typeface="Times New Roman" panose="02020603050405020304" pitchFamily="18" charset="0"/>
+              </a:rPr>
+              <a:t>полів</a:t>
+            </a:r>
+            <a:r>
+              <a:rPr lang="ru-RU" sz="2000" dirty="0">
+                <a:solidFill>
+                  <a:schemeClr val="bg1"/>
+                </a:solidFill>
+                <a:latin typeface="Times New Roman" panose="02020603050405020304" pitchFamily="18" charset="0"/>
+                <a:ea typeface="Calibri" panose="020F0502020204030204" pitchFamily="34" charset="0"/>
+                <a:cs typeface="Times New Roman" panose="02020603050405020304" pitchFamily="18" charset="0"/>
+              </a:rPr>
+              <a:t> з </a:t>
+            </a:r>
+            <a:r>
+              <a:rPr lang="ru-RU" sz="2000" dirty="0" err="1">
+                <a:solidFill>
+                  <a:schemeClr val="bg1"/>
+                </a:solidFill>
+                <a:latin typeface="Times New Roman" panose="02020603050405020304" pitchFamily="18" charset="0"/>
+                <a:ea typeface="Calibri" panose="020F0502020204030204" pitchFamily="34" charset="0"/>
+                <a:cs typeface="Times New Roman" panose="02020603050405020304" pitchFamily="18" charset="0"/>
+              </a:rPr>
+              <a:t>прямокутними</a:t>
+            </a:r>
+            <a:r>
+              <a:rPr lang="ru-RU" sz="2000" dirty="0">
+                <a:solidFill>
+                  <a:schemeClr val="bg1"/>
+                </a:solidFill>
+                <a:latin typeface="Times New Roman" panose="02020603050405020304" pitchFamily="18" charset="0"/>
+                <a:ea typeface="Calibri" panose="020F0502020204030204" pitchFamily="34" charset="0"/>
+                <a:cs typeface="Times New Roman" panose="02020603050405020304" pitchFamily="18" charset="0"/>
+              </a:rPr>
+              <a:t> координатами точки</a:t>
+            </a:r>
           </a:p>
         </p:txBody>
       </p:sp>
@@ -7998,6 +10705,862 @@
           <a:chExt cx="0" cy="0"/>
         </a:xfrm>
       </p:grpSpPr>
+      <p:sp>
+        <p:nvSpPr>
+          <p:cNvPr id="9" name="Прямоугольник 8"/>
+          <p:cNvSpPr/>
+          <p:nvPr/>
+        </p:nvSpPr>
+        <p:spPr>
+          <a:xfrm>
+            <a:off x="175714" y="1414659"/>
+            <a:ext cx="11850980" cy="1285480"/>
+          </a:xfrm>
+          <a:prstGeom prst="rect">
+            <a:avLst/>
+          </a:prstGeom>
+          <a:solidFill>
+            <a:schemeClr val="tx1">
+              <a:alpha val="70000"/>
+            </a:schemeClr>
+          </a:solidFill>
+        </p:spPr>
+        <p:txBody>
+          <a:bodyPr wrap="square">
+            <a:spAutoFit/>
+          </a:bodyPr>
+          <a:lstStyle/>
+          <a:p>
+            <a:pPr>
+              <a:lnSpc>
+                <a:spcPct val="107000"/>
+              </a:lnSpc>
+              <a:spcAft>
+                <a:spcPts val="800"/>
+              </a:spcAft>
+            </a:pPr>
+            <a:r>
+              <a:rPr lang="en-US" sz="2000" dirty="0" smtClean="0">
+                <a:solidFill>
+                  <a:schemeClr val="bg1"/>
+                </a:solidFill>
+                <a:latin typeface="Times New Roman" panose="02020603050405020304" pitchFamily="18" charset="0"/>
+                <a:ea typeface="Calibri" panose="020F0502020204030204" pitchFamily="34" charset="0"/>
+                <a:cs typeface="Times New Roman" panose="02020603050405020304" pitchFamily="18" charset="0"/>
+              </a:rPr>
+              <a:t>    </a:t>
+            </a:r>
+            <a:r>
+              <a:rPr lang="ru-RU" sz="2000" dirty="0" err="1" smtClean="0">
+                <a:solidFill>
+                  <a:schemeClr val="bg1"/>
+                </a:solidFill>
+                <a:latin typeface="Times New Roman" panose="02020603050405020304" pitchFamily="18" charset="0"/>
+                <a:ea typeface="Calibri" panose="020F0502020204030204" pitchFamily="34" charset="0"/>
+                <a:cs typeface="Times New Roman" panose="02020603050405020304" pitchFamily="18" charset="0"/>
+              </a:rPr>
+              <a:t>Цей</a:t>
+            </a:r>
+            <a:r>
+              <a:rPr lang="ru-RU" sz="2000" dirty="0" smtClean="0">
+                <a:solidFill>
+                  <a:schemeClr val="bg1"/>
+                </a:solidFill>
+                <a:latin typeface="Times New Roman" panose="02020603050405020304" pitchFamily="18" charset="0"/>
+                <a:ea typeface="Calibri" panose="020F0502020204030204" pitchFamily="34" charset="0"/>
+                <a:cs typeface="Times New Roman" panose="02020603050405020304" pitchFamily="18" charset="0"/>
+              </a:rPr>
+              <a:t> </a:t>
+            </a:r>
+            <a:r>
+              <a:rPr lang="ru-RU" sz="2000" dirty="0" err="1">
+                <a:solidFill>
+                  <a:schemeClr val="bg1"/>
+                </a:solidFill>
+                <a:latin typeface="Times New Roman" panose="02020603050405020304" pitchFamily="18" charset="0"/>
+                <a:ea typeface="Calibri" panose="020F0502020204030204" pitchFamily="34" charset="0"/>
+                <a:cs typeface="Times New Roman" panose="02020603050405020304" pitchFamily="18" charset="0"/>
+              </a:rPr>
+              <a:t>додаток</a:t>
+            </a:r>
+            <a:r>
+              <a:rPr lang="ru-RU" sz="2000" dirty="0">
+                <a:solidFill>
+                  <a:schemeClr val="bg1"/>
+                </a:solidFill>
+                <a:latin typeface="Times New Roman" panose="02020603050405020304" pitchFamily="18" charset="0"/>
+                <a:ea typeface="Calibri" panose="020F0502020204030204" pitchFamily="34" charset="0"/>
+                <a:cs typeface="Times New Roman" panose="02020603050405020304" pitchFamily="18" charset="0"/>
+              </a:rPr>
+              <a:t> </a:t>
+            </a:r>
+            <a:r>
+              <a:rPr lang="ru-RU" sz="2000" dirty="0" err="1">
+                <a:solidFill>
+                  <a:schemeClr val="bg1"/>
+                </a:solidFill>
+                <a:latin typeface="Times New Roman" panose="02020603050405020304" pitchFamily="18" charset="0"/>
+                <a:ea typeface="Calibri" panose="020F0502020204030204" pitchFamily="34" charset="0"/>
+                <a:cs typeface="Times New Roman" panose="02020603050405020304" pitchFamily="18" charset="0"/>
+              </a:rPr>
+              <a:t>призначений</a:t>
+            </a:r>
+            <a:r>
+              <a:rPr lang="ru-RU" sz="2000" dirty="0">
+                <a:solidFill>
+                  <a:schemeClr val="bg1"/>
+                </a:solidFill>
+                <a:latin typeface="Times New Roman" panose="02020603050405020304" pitchFamily="18" charset="0"/>
+                <a:ea typeface="Calibri" panose="020F0502020204030204" pitchFamily="34" charset="0"/>
+                <a:cs typeface="Times New Roman" panose="02020603050405020304" pitchFamily="18" charset="0"/>
+              </a:rPr>
+              <a:t> для онлайн конвертації GNSS </a:t>
+            </a:r>
+            <a:r>
+              <a:rPr lang="ru-RU" sz="2000" dirty="0" err="1">
+                <a:solidFill>
+                  <a:schemeClr val="bg1"/>
+                </a:solidFill>
+                <a:latin typeface="Times New Roman" panose="02020603050405020304" pitchFamily="18" charset="0"/>
+                <a:ea typeface="Calibri" panose="020F0502020204030204" pitchFamily="34" charset="0"/>
+                <a:cs typeface="Times New Roman" panose="02020603050405020304" pitchFamily="18" charset="0"/>
+              </a:rPr>
+              <a:t>даних</a:t>
+            </a:r>
+            <a:r>
+              <a:rPr lang="ru-RU" sz="2000" dirty="0">
+                <a:solidFill>
+                  <a:schemeClr val="bg1"/>
+                </a:solidFill>
+                <a:latin typeface="Times New Roman" panose="02020603050405020304" pitchFamily="18" charset="0"/>
+                <a:ea typeface="Calibri" panose="020F0502020204030204" pitchFamily="34" charset="0"/>
+                <a:cs typeface="Times New Roman" panose="02020603050405020304" pitchFamily="18" charset="0"/>
+              </a:rPr>
+              <a:t> з формату RW5 в EXCEL </a:t>
+            </a:r>
+            <a:r>
+              <a:rPr lang="ru-RU" sz="2000" dirty="0" err="1" smtClean="0">
+                <a:solidFill>
+                  <a:schemeClr val="bg1"/>
+                </a:solidFill>
+                <a:latin typeface="Times New Roman" panose="02020603050405020304" pitchFamily="18" charset="0"/>
+                <a:ea typeface="Calibri" panose="020F0502020204030204" pitchFamily="34" charset="0"/>
+                <a:cs typeface="Times New Roman" panose="02020603050405020304" pitchFamily="18" charset="0"/>
+              </a:rPr>
+              <a:t>таблиці</a:t>
+            </a:r>
+            <a:endParaRPr lang="ru-RU" sz="2000" dirty="0">
+              <a:solidFill>
+                <a:schemeClr val="bg1"/>
+              </a:solidFill>
+              <a:latin typeface="Times New Roman" panose="02020603050405020304" pitchFamily="18" charset="0"/>
+              <a:ea typeface="Calibri" panose="020F0502020204030204" pitchFamily="34" charset="0"/>
+              <a:cs typeface="Times New Roman" panose="02020603050405020304" pitchFamily="18" charset="0"/>
+            </a:endParaRPr>
+          </a:p>
+          <a:p>
+            <a:pPr>
+              <a:lnSpc>
+                <a:spcPct val="107000"/>
+              </a:lnSpc>
+              <a:spcAft>
+                <a:spcPts val="800"/>
+              </a:spcAft>
+            </a:pPr>
+            <a:r>
+              <a:rPr lang="en-US" sz="2000" dirty="0" smtClean="0">
+                <a:solidFill>
+                  <a:schemeClr val="bg1"/>
+                </a:solidFill>
+                <a:latin typeface="Calibri" panose="020F0502020204030204" pitchFamily="34" charset="0"/>
+                <a:ea typeface="Calibri" panose="020F0502020204030204" pitchFamily="34" charset="0"/>
+                <a:cs typeface="Times New Roman" panose="02020603050405020304" pitchFamily="18" charset="0"/>
+              </a:rPr>
+              <a:t>    </a:t>
+            </a:r>
+            <a:r>
+              <a:rPr lang="uk-UA" sz="2000" dirty="0" smtClean="0">
+                <a:solidFill>
+                  <a:schemeClr val="bg1"/>
+                </a:solidFill>
+                <a:latin typeface="Calibri" panose="020F0502020204030204" pitchFamily="34" charset="0"/>
+                <a:ea typeface="Calibri" panose="020F0502020204030204" pitchFamily="34" charset="0"/>
+                <a:cs typeface="Times New Roman" panose="02020603050405020304" pitchFamily="18" charset="0"/>
+              </a:rPr>
+              <a:t>Підтримка </a:t>
+            </a:r>
+            <a:r>
+              <a:rPr lang="uk-UA" sz="2000" dirty="0">
+                <a:solidFill>
+                  <a:schemeClr val="bg1"/>
+                </a:solidFill>
+                <a:latin typeface="Calibri" panose="020F0502020204030204" pitchFamily="34" charset="0"/>
+                <a:ea typeface="Calibri" panose="020F0502020204030204" pitchFamily="34" charset="0"/>
+                <a:cs typeface="Times New Roman" panose="02020603050405020304" pitchFamily="18" charset="0"/>
+              </a:rPr>
+              <a:t>імпорту файлів: </a:t>
+            </a:r>
+            <a:r>
+              <a:rPr lang="uk-UA" sz="2000" dirty="0">
+                <a:solidFill>
+                  <a:schemeClr val="bg1"/>
+                </a:solidFill>
+                <a:latin typeface="Times New Roman" panose="02020603050405020304" pitchFamily="18" charset="0"/>
+                <a:ea typeface="Calibri" panose="020F0502020204030204" pitchFamily="34" charset="0"/>
+                <a:cs typeface="Times New Roman" panose="02020603050405020304" pitchFamily="18" charset="0"/>
+              </a:rPr>
+              <a:t>RW5, RTK, NCN, PNT.</a:t>
+            </a:r>
+            <a:endParaRPr lang="ru-RU" sz="1600" dirty="0">
+              <a:solidFill>
+                <a:schemeClr val="bg1"/>
+              </a:solidFill>
+              <a:latin typeface="Calibri" panose="020F0502020204030204" pitchFamily="34" charset="0"/>
+              <a:ea typeface="Calibri" panose="020F0502020204030204" pitchFamily="34" charset="0"/>
+              <a:cs typeface="Times New Roman" panose="02020603050405020304" pitchFamily="18" charset="0"/>
+            </a:endParaRPr>
+          </a:p>
+          <a:p>
+            <a:pPr>
+              <a:lnSpc>
+                <a:spcPct val="107000"/>
+              </a:lnSpc>
+              <a:spcAft>
+                <a:spcPts val="800"/>
+              </a:spcAft>
+            </a:pPr>
+            <a:r>
+              <a:rPr lang="en-US" sz="2000" dirty="0" smtClean="0">
+                <a:solidFill>
+                  <a:schemeClr val="bg1"/>
+                </a:solidFill>
+                <a:latin typeface="Calibri" panose="020F0502020204030204" pitchFamily="34" charset="0"/>
+                <a:ea typeface="Calibri" panose="020F0502020204030204" pitchFamily="34" charset="0"/>
+                <a:cs typeface="Times New Roman" panose="02020603050405020304" pitchFamily="18" charset="0"/>
+              </a:rPr>
+              <a:t>    </a:t>
+            </a:r>
+            <a:r>
+              <a:rPr lang="uk-UA" sz="2000" dirty="0" smtClean="0">
+                <a:solidFill>
+                  <a:schemeClr val="bg1"/>
+                </a:solidFill>
+                <a:latin typeface="Calibri" panose="020F0502020204030204" pitchFamily="34" charset="0"/>
+                <a:ea typeface="Calibri" panose="020F0502020204030204" pitchFamily="34" charset="0"/>
+                <a:cs typeface="Times New Roman" panose="02020603050405020304" pitchFamily="18" charset="0"/>
+              </a:rPr>
+              <a:t>Експорт </a:t>
+            </a:r>
+            <a:r>
+              <a:rPr lang="uk-UA" sz="2000" dirty="0">
+                <a:solidFill>
+                  <a:schemeClr val="bg1"/>
+                </a:solidFill>
+                <a:latin typeface="Calibri" panose="020F0502020204030204" pitchFamily="34" charset="0"/>
+                <a:ea typeface="Calibri" panose="020F0502020204030204" pitchFamily="34" charset="0"/>
+                <a:cs typeface="Times New Roman" panose="02020603050405020304" pitchFamily="18" charset="0"/>
+              </a:rPr>
+              <a:t>у формати: RTK, EXCEL.</a:t>
+            </a:r>
+            <a:endParaRPr lang="ru-RU" sz="1600" dirty="0">
+              <a:solidFill>
+                <a:schemeClr val="bg1"/>
+              </a:solidFill>
+              <a:latin typeface="Calibri" panose="020F0502020204030204" pitchFamily="34" charset="0"/>
+              <a:ea typeface="Calibri" panose="020F0502020204030204" pitchFamily="34" charset="0"/>
+              <a:cs typeface="Times New Roman" panose="02020603050405020304" pitchFamily="18" charset="0"/>
+            </a:endParaRPr>
+          </a:p>
+        </p:txBody>
+      </p:sp>
+      <p:sp>
+        <p:nvSpPr>
+          <p:cNvPr id="11" name="Прямоугольник 10"/>
+          <p:cNvSpPr/>
+          <p:nvPr/>
+        </p:nvSpPr>
+        <p:spPr>
+          <a:xfrm>
+            <a:off x="0" y="510797"/>
+            <a:ext cx="6375097" cy="558743"/>
+          </a:xfrm>
+          <a:prstGeom prst="rect">
+            <a:avLst/>
+          </a:prstGeom>
+          <a:solidFill>
+            <a:srgbClr val="92D050">
+              <a:alpha val="80000"/>
+            </a:srgbClr>
+          </a:solidFill>
+          <a:ln>
+            <a:noFill/>
+          </a:ln>
+        </p:spPr>
+        <p:txBody>
+          <a:bodyPr wrap="square">
+            <a:spAutoFit/>
+          </a:bodyPr>
+          <a:lstStyle/>
+          <a:p>
+            <a:pPr marL="276225" algn="just">
+              <a:lnSpc>
+                <a:spcPct val="115000"/>
+              </a:lnSpc>
+              <a:spcAft>
+                <a:spcPts val="0"/>
+              </a:spcAft>
+            </a:pPr>
+            <a:r>
+              <a:rPr lang="en-US" sz="2800" b="1" dirty="0">
+                <a:solidFill>
+                  <a:schemeClr val="bg1"/>
+                </a:solidFill>
+                <a:latin typeface="Calibri" panose="020F0502020204030204" pitchFamily="34" charset="0"/>
+                <a:ea typeface="Calibri" panose="020F0502020204030204" pitchFamily="34" charset="0"/>
+                <a:cs typeface="Calibri" panose="020F0502020204030204" pitchFamily="34" charset="0"/>
+              </a:rPr>
+              <a:t> «</a:t>
+            </a:r>
+            <a:r>
+              <a:rPr lang="en-US" sz="2800" b="1" dirty="0" err="1">
+                <a:solidFill>
+                  <a:schemeClr val="bg1"/>
+                </a:solidFill>
+                <a:latin typeface="Calibri" panose="020F0502020204030204" pitchFamily="34" charset="0"/>
+                <a:ea typeface="Calibri" panose="020F0502020204030204" pitchFamily="34" charset="0"/>
+                <a:cs typeface="Calibri" panose="020F0502020204030204" pitchFamily="34" charset="0"/>
+              </a:rPr>
+              <a:t>SurvCE</a:t>
+            </a:r>
+            <a:r>
+              <a:rPr lang="en-US" sz="2800" b="1" dirty="0">
+                <a:solidFill>
+                  <a:schemeClr val="bg1"/>
+                </a:solidFill>
+                <a:latin typeface="Calibri" panose="020F0502020204030204" pitchFamily="34" charset="0"/>
+                <a:ea typeface="Calibri" panose="020F0502020204030204" pitchFamily="34" charset="0"/>
+                <a:cs typeface="Calibri" panose="020F0502020204030204" pitchFamily="34" charset="0"/>
+              </a:rPr>
+              <a:t> RW5 Report» </a:t>
+            </a:r>
+            <a:endParaRPr lang="ru-RU" sz="2400" dirty="0">
+              <a:solidFill>
+                <a:schemeClr val="bg1"/>
+              </a:solidFill>
+              <a:effectLst/>
+              <a:latin typeface="Calibri" panose="020F0502020204030204" pitchFamily="34" charset="0"/>
+              <a:ea typeface="Calibri" panose="020F0502020204030204" pitchFamily="34" charset="0"/>
+              <a:cs typeface="Calibri" panose="020F0502020204030204" pitchFamily="34" charset="0"/>
+            </a:endParaRPr>
+          </a:p>
+        </p:txBody>
+      </p:sp>
+      <p:sp>
+        <p:nvSpPr>
+          <p:cNvPr id="12" name="Прямоугольник 11"/>
+          <p:cNvSpPr/>
+          <p:nvPr/>
+        </p:nvSpPr>
+        <p:spPr>
+          <a:xfrm>
+            <a:off x="175714" y="4156858"/>
+            <a:ext cx="5143046" cy="2477922"/>
+          </a:xfrm>
+          <a:prstGeom prst="rect">
+            <a:avLst/>
+          </a:prstGeom>
+          <a:solidFill>
+            <a:schemeClr val="tx1">
+              <a:alpha val="70000"/>
+            </a:schemeClr>
+          </a:solidFill>
+        </p:spPr>
+        <p:txBody>
+          <a:bodyPr wrap="square">
+            <a:spAutoFit/>
+          </a:bodyPr>
+          <a:lstStyle/>
+          <a:p>
+            <a:pPr>
+              <a:lnSpc>
+                <a:spcPct val="107000"/>
+              </a:lnSpc>
+              <a:spcAft>
+                <a:spcPts val="800"/>
+              </a:spcAft>
+            </a:pPr>
+            <a:r>
+              <a:rPr lang="en-US" sz="2000" dirty="0" smtClean="0">
+                <a:solidFill>
+                  <a:schemeClr val="bg1"/>
+                </a:solidFill>
+                <a:latin typeface="Times New Roman" panose="02020603050405020304" pitchFamily="18" charset="0"/>
+                <a:ea typeface="Calibri" panose="020F0502020204030204" pitchFamily="34" charset="0"/>
+                <a:cs typeface="Times New Roman" panose="02020603050405020304" pitchFamily="18" charset="0"/>
+              </a:rPr>
+              <a:t>    </a:t>
+            </a:r>
+            <a:r>
+              <a:rPr lang="ru-RU" sz="2000" dirty="0" err="1" smtClean="0">
+                <a:solidFill>
+                  <a:schemeClr val="bg1"/>
+                </a:solidFill>
+                <a:latin typeface="Times New Roman" panose="02020603050405020304" pitchFamily="18" charset="0"/>
+                <a:ea typeface="Calibri" panose="020F0502020204030204" pitchFamily="34" charset="0"/>
+                <a:cs typeface="Times New Roman" panose="02020603050405020304" pitchFamily="18" charset="0"/>
+              </a:rPr>
+              <a:t>Недоліком</a:t>
+            </a:r>
+            <a:r>
+              <a:rPr lang="ru-RU" sz="2000" dirty="0" smtClean="0">
+                <a:solidFill>
+                  <a:schemeClr val="bg1"/>
+                </a:solidFill>
+                <a:latin typeface="Times New Roman" panose="02020603050405020304" pitchFamily="18" charset="0"/>
+                <a:ea typeface="Calibri" panose="020F0502020204030204" pitchFamily="34" charset="0"/>
+                <a:cs typeface="Times New Roman" panose="02020603050405020304" pitchFamily="18" charset="0"/>
+              </a:rPr>
+              <a:t> </a:t>
+            </a:r>
+            <a:r>
+              <a:rPr lang="ru-RU" sz="2000" dirty="0" err="1">
+                <a:solidFill>
+                  <a:schemeClr val="bg1"/>
+                </a:solidFill>
+                <a:latin typeface="Times New Roman" panose="02020603050405020304" pitchFamily="18" charset="0"/>
+                <a:ea typeface="Calibri" panose="020F0502020204030204" pitchFamily="34" charset="0"/>
+                <a:cs typeface="Times New Roman" panose="02020603050405020304" pitchFamily="18" charset="0"/>
+              </a:rPr>
+              <a:t>цього</a:t>
+            </a:r>
+            <a:r>
+              <a:rPr lang="ru-RU" sz="2000" dirty="0">
+                <a:solidFill>
+                  <a:schemeClr val="bg1"/>
+                </a:solidFill>
+                <a:latin typeface="Times New Roman" panose="02020603050405020304" pitchFamily="18" charset="0"/>
+                <a:ea typeface="Calibri" panose="020F0502020204030204" pitchFamily="34" charset="0"/>
+                <a:cs typeface="Times New Roman" panose="02020603050405020304" pitchFamily="18" charset="0"/>
+              </a:rPr>
+              <a:t> продукту є </a:t>
+            </a:r>
+            <a:r>
+              <a:rPr lang="ru-RU" sz="2000" dirty="0" err="1">
+                <a:solidFill>
+                  <a:schemeClr val="bg1"/>
+                </a:solidFill>
+                <a:latin typeface="Times New Roman" panose="02020603050405020304" pitchFamily="18" charset="0"/>
+                <a:ea typeface="Calibri" panose="020F0502020204030204" pitchFamily="34" charset="0"/>
+                <a:cs typeface="Times New Roman" panose="02020603050405020304" pitchFamily="18" charset="0"/>
+              </a:rPr>
+              <a:t>нестабільна</a:t>
+            </a:r>
+            <a:r>
+              <a:rPr lang="ru-RU" sz="2000" dirty="0">
+                <a:solidFill>
+                  <a:schemeClr val="bg1"/>
+                </a:solidFill>
+                <a:latin typeface="Times New Roman" panose="02020603050405020304" pitchFamily="18" charset="0"/>
+                <a:ea typeface="Calibri" panose="020F0502020204030204" pitchFamily="34" charset="0"/>
+                <a:cs typeface="Times New Roman" panose="02020603050405020304" pitchFamily="18" charset="0"/>
+              </a:rPr>
+              <a:t> </a:t>
+            </a:r>
+            <a:r>
+              <a:rPr lang="ru-RU" sz="2000" dirty="0" err="1">
+                <a:solidFill>
+                  <a:schemeClr val="bg1"/>
+                </a:solidFill>
+                <a:latin typeface="Times New Roman" panose="02020603050405020304" pitchFamily="18" charset="0"/>
+                <a:ea typeface="Calibri" panose="020F0502020204030204" pitchFamily="34" charset="0"/>
+                <a:cs typeface="Times New Roman" panose="02020603050405020304" pitchFamily="18" charset="0"/>
+              </a:rPr>
+              <a:t>підтримка</a:t>
+            </a:r>
+            <a:r>
+              <a:rPr lang="ru-RU" sz="2000" dirty="0">
+                <a:solidFill>
+                  <a:schemeClr val="bg1"/>
+                </a:solidFill>
+                <a:latin typeface="Times New Roman" panose="02020603050405020304" pitchFamily="18" charset="0"/>
+                <a:ea typeface="Calibri" panose="020F0502020204030204" pitchFamily="34" charset="0"/>
+                <a:cs typeface="Times New Roman" panose="02020603050405020304" pitchFamily="18" charset="0"/>
+              </a:rPr>
+              <a:t> </a:t>
+            </a:r>
+            <a:r>
+              <a:rPr lang="ru-RU" sz="2000" dirty="0" err="1">
+                <a:solidFill>
+                  <a:schemeClr val="bg1"/>
+                </a:solidFill>
+                <a:latin typeface="Times New Roman" panose="02020603050405020304" pitchFamily="18" charset="0"/>
+                <a:ea typeface="Calibri" panose="020F0502020204030204" pitchFamily="34" charset="0"/>
+                <a:cs typeface="Times New Roman" panose="02020603050405020304" pitchFamily="18" charset="0"/>
+              </a:rPr>
+              <a:t>його</a:t>
+            </a:r>
+            <a:r>
+              <a:rPr lang="ru-RU" sz="2000" dirty="0">
+                <a:solidFill>
+                  <a:schemeClr val="bg1"/>
+                </a:solidFill>
+                <a:latin typeface="Times New Roman" panose="02020603050405020304" pitchFamily="18" charset="0"/>
+                <a:ea typeface="Calibri" panose="020F0502020204030204" pitchFamily="34" charset="0"/>
+                <a:cs typeface="Times New Roman" panose="02020603050405020304" pitchFamily="18" charset="0"/>
+              </a:rPr>
+              <a:t> </a:t>
+            </a:r>
+            <a:r>
+              <a:rPr lang="ru-RU" sz="2000" dirty="0" err="1">
+                <a:solidFill>
+                  <a:schemeClr val="bg1"/>
+                </a:solidFill>
+                <a:latin typeface="Times New Roman" panose="02020603050405020304" pitchFamily="18" charset="0"/>
+                <a:ea typeface="Calibri" panose="020F0502020204030204" pitchFamily="34" charset="0"/>
+                <a:cs typeface="Times New Roman" panose="02020603050405020304" pitchFamily="18" charset="0"/>
+              </a:rPr>
+              <a:t>функціоналу</a:t>
+            </a:r>
+            <a:r>
+              <a:rPr lang="ru-RU" sz="2000" dirty="0">
+                <a:solidFill>
+                  <a:schemeClr val="bg1"/>
+                </a:solidFill>
+                <a:latin typeface="Times New Roman" panose="02020603050405020304" pitchFamily="18" charset="0"/>
+                <a:ea typeface="Calibri" panose="020F0502020204030204" pitchFamily="34" charset="0"/>
+                <a:cs typeface="Times New Roman" panose="02020603050405020304" pitchFamily="18" charset="0"/>
+              </a:rPr>
+              <a:t> з боку </a:t>
+            </a:r>
+            <a:r>
+              <a:rPr lang="ru-RU" sz="2000" dirty="0" err="1">
+                <a:solidFill>
+                  <a:schemeClr val="bg1"/>
+                </a:solidFill>
+                <a:latin typeface="Times New Roman" panose="02020603050405020304" pitchFamily="18" charset="0"/>
+                <a:ea typeface="Calibri" panose="020F0502020204030204" pitchFamily="34" charset="0"/>
+                <a:cs typeface="Times New Roman" panose="02020603050405020304" pitchFamily="18" charset="0"/>
+              </a:rPr>
+              <a:t>виробника</a:t>
+            </a:r>
+            <a:r>
+              <a:rPr lang="ru-RU" sz="2000" dirty="0">
+                <a:solidFill>
+                  <a:schemeClr val="bg1"/>
+                </a:solidFill>
+                <a:latin typeface="Times New Roman" panose="02020603050405020304" pitchFamily="18" charset="0"/>
+                <a:ea typeface="Calibri" panose="020F0502020204030204" pitchFamily="34" charset="0"/>
+                <a:cs typeface="Times New Roman" panose="02020603050405020304" pitchFamily="18" charset="0"/>
+              </a:rPr>
+              <a:t>, </a:t>
+            </a:r>
+            <a:r>
+              <a:rPr lang="ru-RU" sz="2000" dirty="0" err="1">
+                <a:solidFill>
+                  <a:schemeClr val="bg1"/>
+                </a:solidFill>
+                <a:latin typeface="Times New Roman" panose="02020603050405020304" pitchFamily="18" charset="0"/>
+                <a:ea typeface="Calibri" panose="020F0502020204030204" pitchFamily="34" charset="0"/>
+                <a:cs typeface="Times New Roman" panose="02020603050405020304" pitchFamily="18" charset="0"/>
+              </a:rPr>
+              <a:t>оскільки</a:t>
+            </a:r>
+            <a:r>
+              <a:rPr lang="ru-RU" sz="2000" dirty="0">
+                <a:solidFill>
+                  <a:schemeClr val="bg1"/>
+                </a:solidFill>
+                <a:latin typeface="Times New Roman" panose="02020603050405020304" pitchFamily="18" charset="0"/>
+                <a:ea typeface="Calibri" panose="020F0502020204030204" pitchFamily="34" charset="0"/>
+                <a:cs typeface="Times New Roman" panose="02020603050405020304" pitchFamily="18" charset="0"/>
+              </a:rPr>
+              <a:t> </a:t>
+            </a:r>
+            <a:r>
+              <a:rPr lang="ru-RU" sz="2000" dirty="0" err="1">
+                <a:solidFill>
+                  <a:schemeClr val="bg1"/>
+                </a:solidFill>
+                <a:latin typeface="Times New Roman" panose="02020603050405020304" pitchFamily="18" charset="0"/>
+                <a:ea typeface="Calibri" panose="020F0502020204030204" pitchFamily="34" charset="0"/>
+                <a:cs typeface="Times New Roman" panose="02020603050405020304" pitchFamily="18" charset="0"/>
+              </a:rPr>
+              <a:t>додаток</a:t>
+            </a:r>
+            <a:r>
+              <a:rPr lang="ru-RU" sz="2000" dirty="0">
+                <a:solidFill>
+                  <a:schemeClr val="bg1"/>
+                </a:solidFill>
+                <a:latin typeface="Times New Roman" panose="02020603050405020304" pitchFamily="18" charset="0"/>
+                <a:ea typeface="Calibri" panose="020F0502020204030204" pitchFamily="34" charset="0"/>
+                <a:cs typeface="Times New Roman" panose="02020603050405020304" pitchFamily="18" charset="0"/>
+              </a:rPr>
+              <a:t> </a:t>
+            </a:r>
+            <a:r>
+              <a:rPr lang="ru-RU" sz="2000" dirty="0" err="1">
+                <a:solidFill>
+                  <a:schemeClr val="bg1"/>
+                </a:solidFill>
+                <a:latin typeface="Times New Roman" panose="02020603050405020304" pitchFamily="18" charset="0"/>
+                <a:ea typeface="Calibri" panose="020F0502020204030204" pitchFamily="34" charset="0"/>
+                <a:cs typeface="Times New Roman" panose="02020603050405020304" pitchFamily="18" charset="0"/>
+              </a:rPr>
+              <a:t>знаходиться</a:t>
+            </a:r>
+            <a:r>
+              <a:rPr lang="ru-RU" sz="2000" dirty="0">
+                <a:solidFill>
+                  <a:schemeClr val="bg1"/>
+                </a:solidFill>
+                <a:latin typeface="Times New Roman" panose="02020603050405020304" pitchFamily="18" charset="0"/>
+                <a:ea typeface="Calibri" panose="020F0502020204030204" pitchFamily="34" charset="0"/>
+                <a:cs typeface="Times New Roman" panose="02020603050405020304" pitchFamily="18" charset="0"/>
+              </a:rPr>
+              <a:t> у </a:t>
+            </a:r>
+            <a:r>
+              <a:rPr lang="ru-RU" sz="2000" dirty="0" err="1">
+                <a:solidFill>
+                  <a:schemeClr val="bg1"/>
+                </a:solidFill>
+                <a:latin typeface="Times New Roman" panose="02020603050405020304" pitchFamily="18" charset="0"/>
+                <a:ea typeface="Calibri" panose="020F0502020204030204" pitchFamily="34" charset="0"/>
+                <a:cs typeface="Times New Roman" panose="02020603050405020304" pitchFamily="18" charset="0"/>
+              </a:rPr>
+              <a:t>вільному</a:t>
+            </a:r>
+            <a:r>
+              <a:rPr lang="ru-RU" sz="2000" dirty="0">
+                <a:solidFill>
+                  <a:schemeClr val="bg1"/>
+                </a:solidFill>
+                <a:latin typeface="Times New Roman" panose="02020603050405020304" pitchFamily="18" charset="0"/>
+                <a:ea typeface="Calibri" panose="020F0502020204030204" pitchFamily="34" charset="0"/>
+                <a:cs typeface="Times New Roman" panose="02020603050405020304" pitchFamily="18" charset="0"/>
+              </a:rPr>
+              <a:t> </a:t>
+            </a:r>
+            <a:r>
+              <a:rPr lang="ru-RU" sz="2000" dirty="0" err="1">
+                <a:solidFill>
+                  <a:schemeClr val="bg1"/>
+                </a:solidFill>
+                <a:latin typeface="Times New Roman" panose="02020603050405020304" pitchFamily="18" charset="0"/>
+                <a:ea typeface="Calibri" panose="020F0502020204030204" pitchFamily="34" charset="0"/>
+                <a:cs typeface="Times New Roman" panose="02020603050405020304" pitchFamily="18" charset="0"/>
+              </a:rPr>
+              <a:t>доступі</a:t>
+            </a:r>
+            <a:r>
+              <a:rPr lang="ru-RU" sz="2000" dirty="0">
+                <a:solidFill>
+                  <a:schemeClr val="bg1"/>
+                </a:solidFill>
+                <a:latin typeface="Times New Roman" panose="02020603050405020304" pitchFamily="18" charset="0"/>
+                <a:ea typeface="Calibri" panose="020F0502020204030204" pitchFamily="34" charset="0"/>
+                <a:cs typeface="Times New Roman" panose="02020603050405020304" pitchFamily="18" charset="0"/>
+              </a:rPr>
+              <a:t>, а </a:t>
+            </a:r>
+            <a:r>
+              <a:rPr lang="ru-RU" sz="2000" dirty="0" err="1">
+                <a:solidFill>
+                  <a:schemeClr val="bg1"/>
+                </a:solidFill>
+                <a:latin typeface="Times New Roman" panose="02020603050405020304" pitchFamily="18" charset="0"/>
+                <a:ea typeface="Calibri" panose="020F0502020204030204" pitchFamily="34" charset="0"/>
+                <a:cs typeface="Times New Roman" panose="02020603050405020304" pitchFamily="18" charset="0"/>
+              </a:rPr>
+              <a:t>отже</a:t>
+            </a:r>
+            <a:r>
+              <a:rPr lang="ru-RU" sz="2000" dirty="0">
+                <a:solidFill>
+                  <a:schemeClr val="bg1"/>
+                </a:solidFill>
+                <a:latin typeface="Times New Roman" panose="02020603050405020304" pitchFamily="18" charset="0"/>
+                <a:ea typeface="Calibri" panose="020F0502020204030204" pitchFamily="34" charset="0"/>
+                <a:cs typeface="Times New Roman" panose="02020603050405020304" pitchFamily="18" charset="0"/>
+              </a:rPr>
+              <a:t> - не приносить </a:t>
+            </a:r>
+            <a:r>
+              <a:rPr lang="ru-RU" sz="2000" dirty="0" err="1">
+                <a:solidFill>
+                  <a:schemeClr val="bg1"/>
+                </a:solidFill>
+                <a:latin typeface="Times New Roman" panose="02020603050405020304" pitchFamily="18" charset="0"/>
+                <a:ea typeface="Calibri" panose="020F0502020204030204" pitchFamily="34" charset="0"/>
+                <a:cs typeface="Times New Roman" panose="02020603050405020304" pitchFamily="18" charset="0"/>
+              </a:rPr>
+              <a:t>компанії</a:t>
+            </a:r>
+            <a:r>
+              <a:rPr lang="ru-RU" sz="2000" dirty="0">
+                <a:solidFill>
+                  <a:schemeClr val="bg1"/>
+                </a:solidFill>
+                <a:latin typeface="Times New Roman" panose="02020603050405020304" pitchFamily="18" charset="0"/>
+                <a:ea typeface="Calibri" panose="020F0502020204030204" pitchFamily="34" charset="0"/>
+                <a:cs typeface="Times New Roman" panose="02020603050405020304" pitchFamily="18" charset="0"/>
+              </a:rPr>
+              <a:t> </a:t>
+            </a:r>
+            <a:r>
+              <a:rPr lang="ru-RU" sz="2000" dirty="0" err="1" smtClean="0">
+                <a:solidFill>
+                  <a:schemeClr val="bg1"/>
+                </a:solidFill>
+                <a:latin typeface="Times New Roman" panose="02020603050405020304" pitchFamily="18" charset="0"/>
+                <a:ea typeface="Calibri" panose="020F0502020204030204" pitchFamily="34" charset="0"/>
+                <a:cs typeface="Times New Roman" panose="02020603050405020304" pitchFamily="18" charset="0"/>
+              </a:rPr>
+              <a:t>прибутку</a:t>
+            </a:r>
+            <a:r>
+              <a:rPr lang="ru-RU" sz="2000" dirty="0" smtClean="0">
+                <a:solidFill>
+                  <a:schemeClr val="bg1"/>
+                </a:solidFill>
+                <a:latin typeface="Times New Roman" panose="02020603050405020304" pitchFamily="18" charset="0"/>
+                <a:ea typeface="Calibri" panose="020F0502020204030204" pitchFamily="34" charset="0"/>
+                <a:cs typeface="Times New Roman" panose="02020603050405020304" pitchFamily="18" charset="0"/>
+              </a:rPr>
+              <a:t>.</a:t>
+            </a:r>
+            <a:endParaRPr lang="en-US" sz="2000" dirty="0" smtClean="0">
+              <a:solidFill>
+                <a:schemeClr val="bg1"/>
+              </a:solidFill>
+              <a:latin typeface="Times New Roman" panose="02020603050405020304" pitchFamily="18" charset="0"/>
+              <a:ea typeface="Calibri" panose="020F0502020204030204" pitchFamily="34" charset="0"/>
+              <a:cs typeface="Times New Roman" panose="02020603050405020304" pitchFamily="18" charset="0"/>
+            </a:endParaRPr>
+          </a:p>
+          <a:p>
+            <a:pPr>
+              <a:lnSpc>
+                <a:spcPct val="107000"/>
+              </a:lnSpc>
+              <a:spcAft>
+                <a:spcPts val="800"/>
+              </a:spcAft>
+            </a:pPr>
+            <a:r>
+              <a:rPr lang="en-US" sz="2000" dirty="0" smtClean="0">
+                <a:solidFill>
+                  <a:schemeClr val="bg1"/>
+                </a:solidFill>
+                <a:latin typeface="Times New Roman" panose="02020603050405020304" pitchFamily="18" charset="0"/>
+                <a:ea typeface="Calibri" panose="020F0502020204030204" pitchFamily="34" charset="0"/>
+                <a:cs typeface="Times New Roman" panose="02020603050405020304" pitchFamily="18" charset="0"/>
+              </a:rPr>
+              <a:t>    </a:t>
+            </a:r>
+            <a:r>
+              <a:rPr lang="ru-RU" sz="2000" dirty="0" smtClean="0">
+                <a:solidFill>
+                  <a:schemeClr val="bg1"/>
+                </a:solidFill>
+                <a:latin typeface="Times New Roman" panose="02020603050405020304" pitchFamily="18" charset="0"/>
+                <a:ea typeface="Calibri" panose="020F0502020204030204" pitchFamily="34" charset="0"/>
+                <a:cs typeface="Times New Roman" panose="02020603050405020304" pitchFamily="18" charset="0"/>
+              </a:rPr>
+              <a:t>На </a:t>
+            </a:r>
+            <a:r>
+              <a:rPr lang="ru-RU" sz="2000" dirty="0" err="1">
+                <a:solidFill>
+                  <a:schemeClr val="bg1"/>
+                </a:solidFill>
+                <a:latin typeface="Times New Roman" panose="02020603050405020304" pitchFamily="18" charset="0"/>
+                <a:ea typeface="Calibri" panose="020F0502020204030204" pitchFamily="34" charset="0"/>
+                <a:cs typeface="Times New Roman" panose="02020603050405020304" pitchFamily="18" charset="0"/>
+              </a:rPr>
+              <a:t>даний</a:t>
+            </a:r>
+            <a:r>
+              <a:rPr lang="ru-RU" sz="2000" dirty="0">
+                <a:solidFill>
+                  <a:schemeClr val="bg1"/>
+                </a:solidFill>
+                <a:latin typeface="Times New Roman" panose="02020603050405020304" pitchFamily="18" charset="0"/>
+                <a:ea typeface="Calibri" panose="020F0502020204030204" pitchFamily="34" charset="0"/>
+                <a:cs typeface="Times New Roman" panose="02020603050405020304" pitchFamily="18" charset="0"/>
+              </a:rPr>
+              <a:t> момент </a:t>
+            </a:r>
+            <a:r>
+              <a:rPr lang="ru-RU" sz="2000" dirty="0" err="1">
+                <a:solidFill>
+                  <a:schemeClr val="bg1"/>
+                </a:solidFill>
+                <a:latin typeface="Times New Roman" panose="02020603050405020304" pitchFamily="18" charset="0"/>
+                <a:ea typeface="Calibri" panose="020F0502020204030204" pitchFamily="34" charset="0"/>
+                <a:cs typeface="Times New Roman" panose="02020603050405020304" pitchFamily="18" charset="0"/>
+              </a:rPr>
+              <a:t>сервіс</a:t>
+            </a:r>
+            <a:r>
+              <a:rPr lang="ru-RU" sz="2000" dirty="0">
+                <a:solidFill>
+                  <a:schemeClr val="bg1"/>
+                </a:solidFill>
+                <a:latin typeface="Times New Roman" panose="02020603050405020304" pitchFamily="18" charset="0"/>
+                <a:ea typeface="Calibri" panose="020F0502020204030204" pitchFamily="34" charset="0"/>
+                <a:cs typeface="Times New Roman" panose="02020603050405020304" pitchFamily="18" charset="0"/>
+              </a:rPr>
+              <a:t> перестав </a:t>
+            </a:r>
+            <a:r>
+              <a:rPr lang="ru-RU" sz="2000" dirty="0" err="1">
+                <a:solidFill>
+                  <a:schemeClr val="bg1"/>
+                </a:solidFill>
+                <a:latin typeface="Times New Roman" panose="02020603050405020304" pitchFamily="18" charset="0"/>
+                <a:ea typeface="Calibri" panose="020F0502020204030204" pitchFamily="34" charset="0"/>
+                <a:cs typeface="Times New Roman" panose="02020603050405020304" pitchFamily="18" charset="0"/>
+              </a:rPr>
+              <a:t>коректно</a:t>
+            </a:r>
+            <a:r>
+              <a:rPr lang="ru-RU" sz="2000" dirty="0">
+                <a:solidFill>
+                  <a:schemeClr val="bg1"/>
+                </a:solidFill>
+                <a:latin typeface="Times New Roman" panose="02020603050405020304" pitchFamily="18" charset="0"/>
+                <a:ea typeface="Calibri" panose="020F0502020204030204" pitchFamily="34" charset="0"/>
+                <a:cs typeface="Times New Roman" panose="02020603050405020304" pitchFamily="18" charset="0"/>
+              </a:rPr>
+              <a:t> </a:t>
+            </a:r>
+            <a:r>
+              <a:rPr lang="ru-RU" sz="2000" dirty="0" err="1">
+                <a:solidFill>
+                  <a:schemeClr val="bg1"/>
+                </a:solidFill>
+                <a:latin typeface="Times New Roman" panose="02020603050405020304" pitchFamily="18" charset="0"/>
+                <a:ea typeface="Calibri" panose="020F0502020204030204" pitchFamily="34" charset="0"/>
+                <a:cs typeface="Times New Roman" panose="02020603050405020304" pitchFamily="18" charset="0"/>
+              </a:rPr>
+              <a:t>працювати</a:t>
+            </a:r>
+            <a:r>
+              <a:rPr lang="ru-RU" sz="2000" dirty="0">
+                <a:solidFill>
+                  <a:schemeClr val="bg1"/>
+                </a:solidFill>
+                <a:latin typeface="Times New Roman" panose="02020603050405020304" pitchFamily="18" charset="0"/>
+                <a:ea typeface="Calibri" panose="020F0502020204030204" pitchFamily="34" charset="0"/>
+                <a:cs typeface="Times New Roman" panose="02020603050405020304" pitchFamily="18" charset="0"/>
+              </a:rPr>
+              <a:t>.</a:t>
+            </a:r>
+          </a:p>
+        </p:txBody>
+      </p:sp>
       <p:pic>
         <p:nvPicPr>
           <p:cNvPr id="4" name="Рисунок 3"/>
@@ -8012,242 +11575,14 @@
         </p:blipFill>
         <p:spPr>
           <a:xfrm>
-            <a:off x="5425441" y="1981200"/>
-            <a:ext cx="6406718" cy="4412720"/>
+            <a:off x="6537959" y="2971800"/>
+            <a:ext cx="5488735" cy="3662980"/>
           </a:xfrm>
           <a:prstGeom prst="rect">
             <a:avLst/>
           </a:prstGeom>
         </p:spPr>
       </p:pic>
-      <p:sp>
-        <p:nvSpPr>
-          <p:cNvPr id="6" name="Прямоугольник 5"/>
-          <p:cNvSpPr/>
-          <p:nvPr/>
-        </p:nvSpPr>
-        <p:spPr>
-          <a:xfrm>
-            <a:off x="89051" y="1981200"/>
-            <a:ext cx="5168749" cy="1277786"/>
-          </a:xfrm>
-          <a:prstGeom prst="rect">
-            <a:avLst/>
-          </a:prstGeom>
-        </p:spPr>
-        <p:txBody>
-          <a:bodyPr wrap="square">
-            <a:spAutoFit/>
-          </a:bodyPr>
-          <a:lstStyle/>
-          <a:p>
-            <a:pPr marL="276225">
-              <a:lnSpc>
-                <a:spcPct val="107000"/>
-              </a:lnSpc>
-              <a:spcAft>
-                <a:spcPts val="800"/>
-              </a:spcAft>
-            </a:pPr>
-            <a:r>
-              <a:rPr lang="uk-UA" dirty="0" smtClean="0">
-                <a:effectLst/>
-                <a:latin typeface="Times New Roman" panose="02020603050405020304" pitchFamily="18" charset="0"/>
-                <a:ea typeface="Calibri" panose="020F0502020204030204" pitchFamily="34" charset="0"/>
-                <a:cs typeface="Times New Roman" panose="02020603050405020304" pitchFamily="18" charset="0"/>
-              </a:rPr>
-              <a:t>Цей додаток призначений для онлайн конвертації GNSS даних з формату RW5 в EXCEL таблиці або для конвертації даних з електронного тахеометра. </a:t>
-            </a:r>
-            <a:endParaRPr lang="ru-RU" sz="1400" dirty="0">
-              <a:effectLst/>
-              <a:latin typeface="Calibri" panose="020F0502020204030204" pitchFamily="34" charset="0"/>
-              <a:ea typeface="Calibri" panose="020F0502020204030204" pitchFamily="34" charset="0"/>
-              <a:cs typeface="Times New Roman" panose="02020603050405020304" pitchFamily="18" charset="0"/>
-            </a:endParaRPr>
-          </a:p>
-        </p:txBody>
-      </p:sp>
-      <p:sp>
-        <p:nvSpPr>
-          <p:cNvPr id="7" name="Прямоугольник 6"/>
-          <p:cNvSpPr/>
-          <p:nvPr/>
-        </p:nvSpPr>
-        <p:spPr>
-          <a:xfrm>
-            <a:off x="345743" y="4523408"/>
-            <a:ext cx="4576777" cy="1870512"/>
-          </a:xfrm>
-          <a:prstGeom prst="rect">
-            <a:avLst/>
-          </a:prstGeom>
-        </p:spPr>
-        <p:txBody>
-          <a:bodyPr wrap="square">
-            <a:spAutoFit/>
-          </a:bodyPr>
-          <a:lstStyle/>
-          <a:p>
-            <a:pPr algn="just">
-              <a:lnSpc>
-                <a:spcPct val="107000"/>
-              </a:lnSpc>
-              <a:spcAft>
-                <a:spcPts val="800"/>
-              </a:spcAft>
-            </a:pPr>
-            <a:r>
-              <a:rPr lang="uk-UA" dirty="0" smtClean="0">
-                <a:effectLst/>
-                <a:latin typeface="Times New Roman" panose="02020603050405020304" pitchFamily="18" charset="0"/>
-                <a:ea typeface="Calibri" panose="020F0502020204030204" pitchFamily="34" charset="0"/>
-                <a:cs typeface="Times New Roman" panose="02020603050405020304" pitchFamily="18" charset="0"/>
-              </a:rPr>
-              <a:t>Недоліком цього продукту є нестабільна підтримка його функціоналу з боку виробника, оскільки додаток знаходиться у вільному доступі, а отже - не приносить компанії прибутку. На даний момент сервіс перестав </a:t>
-            </a:r>
-            <a:r>
-              <a:rPr lang="uk-UA" dirty="0" err="1" smtClean="0">
-                <a:effectLst/>
-                <a:latin typeface="Times New Roman" panose="02020603050405020304" pitchFamily="18" charset="0"/>
-                <a:ea typeface="Calibri" panose="020F0502020204030204" pitchFamily="34" charset="0"/>
-                <a:cs typeface="Times New Roman" panose="02020603050405020304" pitchFamily="18" charset="0"/>
-              </a:rPr>
-              <a:t>коректно</a:t>
-            </a:r>
-            <a:r>
-              <a:rPr lang="uk-UA" dirty="0" smtClean="0">
-                <a:effectLst/>
-                <a:latin typeface="Times New Roman" panose="02020603050405020304" pitchFamily="18" charset="0"/>
-                <a:ea typeface="Calibri" panose="020F0502020204030204" pitchFamily="34" charset="0"/>
-                <a:cs typeface="Times New Roman" panose="02020603050405020304" pitchFamily="18" charset="0"/>
-              </a:rPr>
-              <a:t> працювати.</a:t>
-            </a:r>
-            <a:endParaRPr lang="ru-RU" sz="1400" dirty="0">
-              <a:effectLst/>
-              <a:latin typeface="Calibri" panose="020F0502020204030204" pitchFamily="34" charset="0"/>
-              <a:ea typeface="Calibri" panose="020F0502020204030204" pitchFamily="34" charset="0"/>
-              <a:cs typeface="Times New Roman" panose="02020603050405020304" pitchFamily="18" charset="0"/>
-            </a:endParaRPr>
-          </a:p>
-        </p:txBody>
-      </p:sp>
-      <p:sp>
-        <p:nvSpPr>
-          <p:cNvPr id="8" name="Прямоугольник 7"/>
-          <p:cNvSpPr/>
-          <p:nvPr/>
-        </p:nvSpPr>
-        <p:spPr>
-          <a:xfrm>
-            <a:off x="345743" y="343224"/>
-            <a:ext cx="6375097" cy="523220"/>
-          </a:xfrm>
-          <a:prstGeom prst="rect">
-            <a:avLst/>
-          </a:prstGeom>
-          <a:solidFill>
-            <a:schemeClr val="bg1">
-              <a:alpha val="50000"/>
-            </a:schemeClr>
-          </a:solidFill>
-          <a:ln>
-            <a:solidFill>
-              <a:schemeClr val="accent1"/>
-            </a:solidFill>
-          </a:ln>
-        </p:spPr>
-        <p:txBody>
-          <a:bodyPr wrap="square">
-            <a:spAutoFit/>
-          </a:bodyPr>
-          <a:lstStyle/>
-          <a:p>
-            <a:r>
-              <a:rPr lang="en-US" sz="2800" b="1" dirty="0" smtClean="0">
-                <a:effectLst/>
-                <a:latin typeface="Times New Roman" panose="02020603050405020304" pitchFamily="18" charset="0"/>
-                <a:ea typeface="Calibri" panose="020F0502020204030204" pitchFamily="34" charset="0"/>
-              </a:rPr>
-              <a:t>          </a:t>
-            </a:r>
-            <a:r>
-              <a:rPr lang="uk-UA" sz="2800" b="1" dirty="0" smtClean="0">
-                <a:effectLst/>
-                <a:latin typeface="Times New Roman" panose="02020603050405020304" pitchFamily="18" charset="0"/>
-                <a:ea typeface="Calibri" panose="020F0502020204030204" pitchFamily="34" charset="0"/>
-              </a:rPr>
-              <a:t> </a:t>
-            </a:r>
-            <a:r>
-              <a:rPr lang="en-US" sz="2800" b="1" dirty="0" smtClean="0">
-                <a:effectLst/>
-                <a:latin typeface="Times New Roman" panose="02020603050405020304" pitchFamily="18" charset="0"/>
-                <a:ea typeface="Calibri" panose="020F0502020204030204" pitchFamily="34" charset="0"/>
-              </a:rPr>
-              <a:t>   </a:t>
-            </a:r>
-            <a:r>
-              <a:rPr lang="uk-UA" sz="2800" b="1" dirty="0" smtClean="0">
-                <a:effectLst/>
-                <a:latin typeface="Times New Roman" panose="02020603050405020304" pitchFamily="18" charset="0"/>
-                <a:ea typeface="Calibri" panose="020F0502020204030204" pitchFamily="34" charset="0"/>
-              </a:rPr>
-              <a:t>«</a:t>
-            </a:r>
-            <a:r>
-              <a:rPr lang="uk-UA" sz="2800" b="1" dirty="0" err="1" smtClean="0">
-                <a:effectLst/>
-                <a:latin typeface="Times New Roman" panose="02020603050405020304" pitchFamily="18" charset="0"/>
-                <a:ea typeface="Calibri" panose="020F0502020204030204" pitchFamily="34" charset="0"/>
-              </a:rPr>
-              <a:t>SurvCE</a:t>
-            </a:r>
-            <a:r>
-              <a:rPr lang="uk-UA" sz="2800" b="1" dirty="0" smtClean="0">
-                <a:effectLst/>
-                <a:latin typeface="Times New Roman" panose="02020603050405020304" pitchFamily="18" charset="0"/>
-                <a:ea typeface="Calibri" panose="020F0502020204030204" pitchFamily="34" charset="0"/>
-              </a:rPr>
-              <a:t> RW5 </a:t>
-            </a:r>
-            <a:r>
-              <a:rPr lang="uk-UA" sz="2800" b="1" dirty="0" err="1" smtClean="0">
-                <a:effectLst/>
-                <a:latin typeface="Times New Roman" panose="02020603050405020304" pitchFamily="18" charset="0"/>
-                <a:ea typeface="Calibri" panose="020F0502020204030204" pitchFamily="34" charset="0"/>
-              </a:rPr>
-              <a:t>Report</a:t>
-            </a:r>
-            <a:r>
-              <a:rPr lang="uk-UA" sz="2800" b="1" dirty="0" smtClean="0">
-                <a:effectLst/>
-                <a:latin typeface="Times New Roman" panose="02020603050405020304" pitchFamily="18" charset="0"/>
-                <a:ea typeface="Calibri" panose="020F0502020204030204" pitchFamily="34" charset="0"/>
-              </a:rPr>
-              <a:t>»</a:t>
-            </a:r>
-            <a:r>
-              <a:rPr lang="en-US" sz="2800" b="1" dirty="0" smtClean="0">
-                <a:effectLst/>
-                <a:latin typeface="Times New Roman" panose="02020603050405020304" pitchFamily="18" charset="0"/>
-                <a:ea typeface="Calibri" panose="020F0502020204030204" pitchFamily="34" charset="0"/>
-              </a:rPr>
-              <a:t>      </a:t>
-            </a:r>
-            <a:r>
-              <a:rPr lang="uk-UA" sz="2800" dirty="0" smtClean="0">
-                <a:effectLst/>
-                <a:latin typeface="Calibri" panose="020F0502020204030204" pitchFamily="34" charset="0"/>
-                <a:ea typeface="Calibri" panose="020F0502020204030204" pitchFamily="34" charset="0"/>
-                <a:cs typeface="Times New Roman" panose="02020603050405020304" pitchFamily="18" charset="0"/>
-              </a:rPr>
-              <a:t>      </a:t>
-            </a:r>
-            <a:endParaRPr lang="ru-RU" sz="2800" dirty="0"/>
-          </a:p>
-        </p:txBody>
-      </p:sp>
     </p:spTree>
     <p:extLst>
       <p:ext uri="{BB962C8B-B14F-4D97-AF65-F5344CB8AC3E}">
@@ -8299,8 +11634,8 @@
         </p:blipFill>
         <p:spPr>
           <a:xfrm>
-            <a:off x="5288280" y="1525016"/>
-            <a:ext cx="6462049" cy="2458673"/>
+            <a:off x="4922520" y="1525016"/>
+            <a:ext cx="6827809" cy="2544064"/>
           </a:xfrm>
           <a:prstGeom prst="rect">
             <a:avLst/>
@@ -8331,27 +11666,25 @@
       </p:pic>
       <p:sp>
         <p:nvSpPr>
-          <p:cNvPr id="8" name="Прямоугольник 7"/>
+          <p:cNvPr id="7" name="Прямоугольник 6"/>
           <p:cNvSpPr/>
           <p:nvPr/>
         </p:nvSpPr>
         <p:spPr>
           <a:xfrm>
-            <a:off x="451057" y="2231132"/>
-            <a:ext cx="4344459" cy="523220"/>
+            <a:off x="0" y="510797"/>
+            <a:ext cx="6375097" cy="558743"/>
           </a:xfrm>
           <a:prstGeom prst="rect">
             <a:avLst/>
           </a:prstGeom>
           <a:solidFill>
-            <a:schemeClr val="bg1">
-              <a:alpha val="50000"/>
-            </a:schemeClr>
+            <a:srgbClr val="92D050">
+              <a:alpha val="80000"/>
+            </a:srgbClr>
           </a:solidFill>
           <a:ln>
-            <a:solidFill>
-              <a:schemeClr val="accent1"/>
-            </a:solidFill>
+            <a:noFill/>
           </a:ln>
         </p:spPr>
         <p:txBody>
@@ -8360,81 +11693,34 @@
           </a:bodyPr>
           <a:lstStyle/>
           <a:p>
-            <a:r>
-              <a:rPr lang="uk-UA" sz="2800" dirty="0" smtClean="0">
-                <a:effectLst/>
-                <a:latin typeface="Calibri" panose="020F0502020204030204" pitchFamily="34" charset="0"/>
-                <a:ea typeface="Calibri" panose="020F0502020204030204" pitchFamily="34" charset="0"/>
-                <a:cs typeface="Times New Roman" panose="02020603050405020304" pitchFamily="18" charset="0"/>
-              </a:rPr>
-              <a:t>                         </a:t>
-            </a:r>
-            <a:r>
-              <a:rPr lang="en-US" sz="2800" dirty="0" smtClean="0">
-                <a:effectLst/>
-                <a:latin typeface="Calibri" panose="020F0502020204030204" pitchFamily="34" charset="0"/>
-                <a:ea typeface="Calibri" panose="020F0502020204030204" pitchFamily="34" charset="0"/>
-                <a:cs typeface="Times New Roman" panose="02020603050405020304" pitchFamily="18" charset="0"/>
-              </a:rPr>
-              <a:t>GSI</a:t>
-            </a:r>
-            <a:r>
-              <a:rPr lang="uk-UA" sz="2800" dirty="0" smtClean="0">
-                <a:effectLst/>
-                <a:latin typeface="Calibri" panose="020F0502020204030204" pitchFamily="34" charset="0"/>
-                <a:ea typeface="Calibri" panose="020F0502020204030204" pitchFamily="34" charset="0"/>
-                <a:cs typeface="Times New Roman" panose="02020603050405020304" pitchFamily="18" charset="0"/>
-              </a:rPr>
-              <a:t>                    </a:t>
-            </a:r>
-            <a:endParaRPr lang="ru-RU" sz="2800" dirty="0"/>
-          </a:p>
-        </p:txBody>
-      </p:sp>
-      <p:sp>
-        <p:nvSpPr>
-          <p:cNvPr id="9" name="Прямоугольник 8"/>
-          <p:cNvSpPr/>
-          <p:nvPr/>
-        </p:nvSpPr>
-        <p:spPr>
-          <a:xfrm>
-            <a:off x="135273" y="140021"/>
-            <a:ext cx="9896903" cy="1200329"/>
-          </a:xfrm>
-          <a:prstGeom prst="rect">
-            <a:avLst/>
-          </a:prstGeom>
-          <a:solidFill>
-            <a:schemeClr val="accent1">
-              <a:alpha val="50000"/>
-            </a:schemeClr>
-          </a:solidFill>
-          <a:ln>
-            <a:solidFill>
-              <a:schemeClr val="accent1"/>
-            </a:solidFill>
-          </a:ln>
-        </p:spPr>
-        <p:txBody>
-          <a:bodyPr wrap="square">
-            <a:spAutoFit/>
-          </a:bodyPr>
-          <a:lstStyle/>
-          <a:p>
-            <a:r>
-              <a:rPr lang="uk-UA" sz="2400" b="1" dirty="0" smtClean="0">
-                <a:effectLst/>
-                <a:latin typeface="Calibri" panose="020F0502020204030204" pitchFamily="34" charset="0"/>
-                <a:ea typeface="Calibri" panose="020F0502020204030204" pitchFamily="34" charset="0"/>
-                <a:cs typeface="Times New Roman" panose="02020603050405020304" pitchFamily="18" charset="0"/>
-              </a:rPr>
-              <a:t>Дослідження структури форматних файлів та інструментів для створення інтерактивного конвертера</a:t>
-            </a:r>
-            <a:endParaRPr lang="ru-RU" sz="2400" dirty="0" smtClean="0"/>
-          </a:p>
-          <a:p>
-            <a:endParaRPr lang="ru-RU" sz="2400" dirty="0"/>
+            <a:pPr marL="276225" algn="just">
+              <a:lnSpc>
+                <a:spcPct val="115000"/>
+              </a:lnSpc>
+              <a:spcAft>
+                <a:spcPts val="0"/>
+              </a:spcAft>
+            </a:pPr>
+            <a:r>
+              <a:rPr lang="en-US" sz="2800" b="1" dirty="0">
+                <a:solidFill>
+                  <a:schemeClr val="bg1"/>
+                </a:solidFill>
+                <a:latin typeface="Calibri" panose="020F0502020204030204" pitchFamily="34" charset="0"/>
+                <a:ea typeface="Calibri" panose="020F0502020204030204" pitchFamily="34" charset="0"/>
+                <a:cs typeface="Calibri" panose="020F0502020204030204" pitchFamily="34" charset="0"/>
+              </a:rPr>
+              <a:t> GSI </a:t>
+            </a:r>
+            <a:endParaRPr lang="ru-RU" sz="2400" dirty="0">
+              <a:solidFill>
+                <a:schemeClr val="bg1"/>
+              </a:solidFill>
+              <a:effectLst/>
+              <a:latin typeface="Calibri" panose="020F0502020204030204" pitchFamily="34" charset="0"/>
+              <a:ea typeface="Calibri" panose="020F0502020204030204" pitchFamily="34" charset="0"/>
+              <a:cs typeface="Calibri" panose="020F0502020204030204" pitchFamily="34" charset="0"/>
+            </a:endParaRPr>
           </a:p>
         </p:txBody>
       </p:sp>
@@ -8489,8 +11775,8 @@
         </p:blipFill>
         <p:spPr>
           <a:xfrm>
-            <a:off x="6309360" y="0"/>
-            <a:ext cx="5882640" cy="6858000"/>
+            <a:off x="3611880" y="1264920"/>
+            <a:ext cx="4831079" cy="5428180"/>
           </a:xfrm>
           <a:prstGeom prst="rect">
             <a:avLst/>
@@ -8499,66 +11785,401 @@
       </p:pic>
       <p:sp>
         <p:nvSpPr>
-          <p:cNvPr id="6" name="Прямоугольник 5"/>
+          <p:cNvPr id="5" name="Прямоугольник 4"/>
           <p:cNvSpPr/>
           <p:nvPr/>
         </p:nvSpPr>
         <p:spPr>
           <a:xfrm>
-            <a:off x="612429" y="2821708"/>
-            <a:ext cx="4719305" cy="523220"/>
+            <a:off x="0" y="510797"/>
+            <a:ext cx="6375097" cy="558743"/>
           </a:xfrm>
           <a:prstGeom prst="rect">
             <a:avLst/>
           </a:prstGeom>
           <a:solidFill>
-            <a:schemeClr val="bg1">
-              <a:alpha val="50000"/>
-            </a:schemeClr>
+            <a:srgbClr val="92D050">
+              <a:alpha val="80000"/>
+            </a:srgbClr>
           </a:solidFill>
           <a:ln>
+            <a:noFill/>
+          </a:ln>
+        </p:spPr>
+        <p:txBody>
+          <a:bodyPr wrap="square">
+            <a:spAutoFit/>
+          </a:bodyPr>
+          <a:lstStyle/>
+          <a:p>
+            <a:pPr marL="276225" algn="just">
+              <a:lnSpc>
+                <a:spcPct val="115000"/>
+              </a:lnSpc>
+              <a:spcAft>
+                <a:spcPts val="0"/>
+              </a:spcAft>
+            </a:pPr>
+            <a:r>
+              <a:rPr lang="en-US" sz="2800" b="1">
+                <a:solidFill>
+                  <a:schemeClr val="bg1"/>
+                </a:solidFill>
+                <a:latin typeface="Calibri" panose="020F0502020204030204" pitchFamily="34" charset="0"/>
+                <a:ea typeface="Calibri" panose="020F0502020204030204" pitchFamily="34" charset="0"/>
+                <a:cs typeface="Calibri" panose="020F0502020204030204" pitchFamily="34" charset="0"/>
+              </a:rPr>
+              <a:t>GTS-6 </a:t>
+            </a:r>
+            <a:endParaRPr lang="ru-RU" sz="2400" dirty="0">
+              <a:solidFill>
+                <a:schemeClr val="bg1"/>
+              </a:solidFill>
+              <a:effectLst/>
+              <a:latin typeface="Calibri" panose="020F0502020204030204" pitchFamily="34" charset="0"/>
+              <a:ea typeface="Calibri" panose="020F0502020204030204" pitchFamily="34" charset="0"/>
+              <a:cs typeface="Calibri" panose="020F0502020204030204" pitchFamily="34" charset="0"/>
+            </a:endParaRPr>
+          </a:p>
+        </p:txBody>
+      </p:sp>
+      <p:sp>
+        <p:nvSpPr>
+          <p:cNvPr id="2" name="Прямоугольник 1"/>
+          <p:cNvSpPr/>
+          <p:nvPr/>
+        </p:nvSpPr>
+        <p:spPr>
+          <a:xfrm>
+            <a:off x="3642360" y="1295400"/>
+            <a:ext cx="4678679" cy="1143000"/>
+          </a:xfrm>
+          <a:prstGeom prst="rect">
+            <a:avLst/>
+          </a:prstGeom>
+          <a:noFill/>
+          <a:ln w="28575">
             <a:solidFill>
-              <a:schemeClr val="accent1"/>
+              <a:srgbClr val="FF0000"/>
             </a:solidFill>
           </a:ln>
         </p:spPr>
-        <p:txBody>
-          <a:bodyPr wrap="none">
-            <a:spAutoFit/>
-          </a:bodyPr>
+        <p:style>
+          <a:lnRef idx="2">
+            <a:schemeClr val="accent1">
+              <a:shade val="50000"/>
+            </a:schemeClr>
+          </a:lnRef>
+          <a:fillRef idx="1">
+            <a:schemeClr val="accent1"/>
+          </a:fillRef>
+          <a:effectRef idx="0">
+            <a:schemeClr val="accent1"/>
+          </a:effectRef>
+          <a:fontRef idx="minor">
+            <a:schemeClr val="lt1"/>
+          </a:fontRef>
+        </p:style>
+        <p:txBody>
+          <a:bodyPr rtlCol="0" anchor="ctr"/>
           <a:lstStyle/>
           <a:p>
-            <a:r>
-              <a:rPr lang="uk-UA" sz="2800" dirty="0" smtClean="0">
-                <a:effectLst/>
-                <a:latin typeface="Calibri" panose="020F0502020204030204" pitchFamily="34" charset="0"/>
-                <a:ea typeface="Calibri" panose="020F0502020204030204" pitchFamily="34" charset="0"/>
-                <a:cs typeface="Times New Roman" panose="02020603050405020304" pitchFamily="18" charset="0"/>
-              </a:rPr>
-              <a:t>                         </a:t>
-            </a:r>
-            <a:r>
-              <a:rPr lang="en-US" sz="2800" dirty="0" smtClean="0">
-                <a:effectLst/>
-                <a:latin typeface="Calibri" panose="020F0502020204030204" pitchFamily="34" charset="0"/>
-                <a:ea typeface="Calibri" panose="020F0502020204030204" pitchFamily="34" charset="0"/>
-                <a:cs typeface="Times New Roman" panose="02020603050405020304" pitchFamily="18" charset="0"/>
-              </a:rPr>
-              <a:t>GTS-6</a:t>
-            </a:r>
-            <a:r>
-              <a:rPr lang="uk-UA" sz="2800" dirty="0" smtClean="0">
-                <a:effectLst/>
-                <a:latin typeface="Calibri" panose="020F0502020204030204" pitchFamily="34" charset="0"/>
-                <a:ea typeface="Calibri" panose="020F0502020204030204" pitchFamily="34" charset="0"/>
-                <a:cs typeface="Times New Roman" panose="02020603050405020304" pitchFamily="18" charset="0"/>
-              </a:rPr>
-              <a:t>                    </a:t>
-            </a:r>
-            <a:endParaRPr lang="ru-RU" sz="2800" dirty="0"/>
-          </a:p>
-        </p:txBody>
-      </p:sp>
+            <a:pPr algn="ctr"/>
+            <a:endParaRPr lang="ru-RU"/>
+          </a:p>
+        </p:txBody>
+      </p:sp>
+      <p:sp>
+        <p:nvSpPr>
+          <p:cNvPr id="7" name="Прямоугольник 6"/>
+          <p:cNvSpPr/>
+          <p:nvPr/>
+        </p:nvSpPr>
+        <p:spPr>
+          <a:xfrm>
+            <a:off x="3642360" y="2468880"/>
+            <a:ext cx="4678679" cy="4224220"/>
+          </a:xfrm>
+          <a:prstGeom prst="rect">
+            <a:avLst/>
+          </a:prstGeom>
+          <a:noFill/>
+          <a:ln w="28575">
+            <a:solidFill>
+              <a:srgbClr val="FF0000"/>
+            </a:solidFill>
+          </a:ln>
+        </p:spPr>
+        <p:style>
+          <a:lnRef idx="2">
+            <a:schemeClr val="accent1">
+              <a:shade val="50000"/>
+            </a:schemeClr>
+          </a:lnRef>
+          <a:fillRef idx="1">
+            <a:schemeClr val="accent1"/>
+          </a:fillRef>
+          <a:effectRef idx="0">
+            <a:schemeClr val="accent1"/>
+          </a:effectRef>
+          <a:fontRef idx="minor">
+            <a:schemeClr val="lt1"/>
+          </a:fontRef>
+        </p:style>
+        <p:txBody>
+          <a:bodyPr rtlCol="0" anchor="ctr"/>
+          <a:lstStyle/>
+          <a:p>
+            <a:pPr algn="ctr"/>
+            <a:endParaRPr lang="ru-RU"/>
+          </a:p>
+        </p:txBody>
+      </p:sp>
+      <p:cxnSp>
+        <p:nvCxnSpPr>
+          <p:cNvPr id="10" name="Прямая соединительная линия 9"/>
+          <p:cNvCxnSpPr/>
+          <p:nvPr/>
+        </p:nvCxnSpPr>
+        <p:spPr>
+          <a:xfrm>
+            <a:off x="3642360" y="2682240"/>
+            <a:ext cx="4678679" cy="15240"/>
+          </a:xfrm>
+          <a:prstGeom prst="line">
+            <a:avLst/>
+          </a:prstGeom>
+          <a:ln>
+            <a:solidFill>
+              <a:schemeClr val="accent4"/>
+            </a:solidFill>
+          </a:ln>
+        </p:spPr>
+        <p:style>
+          <a:lnRef idx="1">
+            <a:schemeClr val="accent1"/>
+          </a:lnRef>
+          <a:fillRef idx="0">
+            <a:schemeClr val="accent1"/>
+          </a:fillRef>
+          <a:effectRef idx="0">
+            <a:schemeClr val="accent1"/>
+          </a:effectRef>
+          <a:fontRef idx="minor">
+            <a:schemeClr val="tx1"/>
+          </a:fontRef>
+        </p:style>
+      </p:cxnSp>
+      <p:cxnSp>
+        <p:nvCxnSpPr>
+          <p:cNvPr id="11" name="Прямая соединительная линия 10"/>
+          <p:cNvCxnSpPr/>
+          <p:nvPr/>
+        </p:nvCxnSpPr>
+        <p:spPr>
+          <a:xfrm>
+            <a:off x="3642359" y="3246120"/>
+            <a:ext cx="4678679" cy="15240"/>
+          </a:xfrm>
+          <a:prstGeom prst="line">
+            <a:avLst/>
+          </a:prstGeom>
+          <a:ln>
+            <a:solidFill>
+              <a:schemeClr val="accent4"/>
+            </a:solidFill>
+          </a:ln>
+        </p:spPr>
+        <p:style>
+          <a:lnRef idx="1">
+            <a:schemeClr val="accent1"/>
+          </a:lnRef>
+          <a:fillRef idx="0">
+            <a:schemeClr val="accent1"/>
+          </a:fillRef>
+          <a:effectRef idx="0">
+            <a:schemeClr val="accent1"/>
+          </a:effectRef>
+          <a:fontRef idx="minor">
+            <a:schemeClr val="tx1"/>
+          </a:fontRef>
+        </p:style>
+      </p:cxnSp>
+      <p:cxnSp>
+        <p:nvCxnSpPr>
+          <p:cNvPr id="12" name="Прямая соединительная линия 11"/>
+          <p:cNvCxnSpPr/>
+          <p:nvPr/>
+        </p:nvCxnSpPr>
+        <p:spPr>
+          <a:xfrm>
+            <a:off x="3520440" y="3794760"/>
+            <a:ext cx="4678679" cy="15240"/>
+          </a:xfrm>
+          <a:prstGeom prst="line">
+            <a:avLst/>
+          </a:prstGeom>
+          <a:ln>
+            <a:solidFill>
+              <a:schemeClr val="accent4"/>
+            </a:solidFill>
+          </a:ln>
+        </p:spPr>
+        <p:style>
+          <a:lnRef idx="1">
+            <a:schemeClr val="accent1"/>
+          </a:lnRef>
+          <a:fillRef idx="0">
+            <a:schemeClr val="accent1"/>
+          </a:fillRef>
+          <a:effectRef idx="0">
+            <a:schemeClr val="accent1"/>
+          </a:effectRef>
+          <a:fontRef idx="minor">
+            <a:schemeClr val="tx1"/>
+          </a:fontRef>
+        </p:style>
+      </p:cxnSp>
+      <p:cxnSp>
+        <p:nvCxnSpPr>
+          <p:cNvPr id="13" name="Прямая соединительная линия 12"/>
+          <p:cNvCxnSpPr/>
+          <p:nvPr/>
+        </p:nvCxnSpPr>
+        <p:spPr>
+          <a:xfrm>
+            <a:off x="3611880" y="4328160"/>
+            <a:ext cx="4678679" cy="15240"/>
+          </a:xfrm>
+          <a:prstGeom prst="line">
+            <a:avLst/>
+          </a:prstGeom>
+          <a:ln>
+            <a:solidFill>
+              <a:schemeClr val="accent4"/>
+            </a:solidFill>
+          </a:ln>
+        </p:spPr>
+        <p:style>
+          <a:lnRef idx="1">
+            <a:schemeClr val="accent1"/>
+          </a:lnRef>
+          <a:fillRef idx="0">
+            <a:schemeClr val="accent1"/>
+          </a:fillRef>
+          <a:effectRef idx="0">
+            <a:schemeClr val="accent1"/>
+          </a:effectRef>
+          <a:fontRef idx="minor">
+            <a:schemeClr val="tx1"/>
+          </a:fontRef>
+        </p:style>
+      </p:cxnSp>
+      <p:cxnSp>
+        <p:nvCxnSpPr>
+          <p:cNvPr id="14" name="Прямая соединительная линия 13"/>
+          <p:cNvCxnSpPr/>
+          <p:nvPr/>
+        </p:nvCxnSpPr>
+        <p:spPr>
+          <a:xfrm>
+            <a:off x="3611880" y="4953000"/>
+            <a:ext cx="4678679" cy="15240"/>
+          </a:xfrm>
+          <a:prstGeom prst="line">
+            <a:avLst/>
+          </a:prstGeom>
+          <a:ln>
+            <a:solidFill>
+              <a:schemeClr val="accent4"/>
+            </a:solidFill>
+          </a:ln>
+        </p:spPr>
+        <p:style>
+          <a:lnRef idx="1">
+            <a:schemeClr val="accent1"/>
+          </a:lnRef>
+          <a:fillRef idx="0">
+            <a:schemeClr val="accent1"/>
+          </a:fillRef>
+          <a:effectRef idx="0">
+            <a:schemeClr val="accent1"/>
+          </a:effectRef>
+          <a:fontRef idx="minor">
+            <a:schemeClr val="tx1"/>
+          </a:fontRef>
+        </p:style>
+      </p:cxnSp>
+      <p:cxnSp>
+        <p:nvCxnSpPr>
+          <p:cNvPr id="15" name="Прямая соединительная линия 14"/>
+          <p:cNvCxnSpPr/>
+          <p:nvPr/>
+        </p:nvCxnSpPr>
+        <p:spPr>
+          <a:xfrm>
+            <a:off x="3726180" y="5562600"/>
+            <a:ext cx="4678679" cy="15240"/>
+          </a:xfrm>
+          <a:prstGeom prst="line">
+            <a:avLst/>
+          </a:prstGeom>
+          <a:ln>
+            <a:solidFill>
+              <a:schemeClr val="accent4"/>
+            </a:solidFill>
+          </a:ln>
+        </p:spPr>
+        <p:style>
+          <a:lnRef idx="1">
+            <a:schemeClr val="accent1"/>
+          </a:lnRef>
+          <a:fillRef idx="0">
+            <a:schemeClr val="accent1"/>
+          </a:fillRef>
+          <a:effectRef idx="0">
+            <a:schemeClr val="accent1"/>
+          </a:effectRef>
+          <a:fontRef idx="minor">
+            <a:schemeClr val="tx1"/>
+          </a:fontRef>
+        </p:style>
+      </p:cxnSp>
+      <p:cxnSp>
+        <p:nvCxnSpPr>
+          <p:cNvPr id="16" name="Прямая соединительная линия 15"/>
+          <p:cNvCxnSpPr/>
+          <p:nvPr/>
+        </p:nvCxnSpPr>
+        <p:spPr>
+          <a:xfrm>
+            <a:off x="3642359" y="6111240"/>
+            <a:ext cx="4678679" cy="15240"/>
+          </a:xfrm>
+          <a:prstGeom prst="line">
+            <a:avLst/>
+          </a:prstGeom>
+          <a:ln>
+            <a:solidFill>
+              <a:schemeClr val="accent4"/>
+            </a:solidFill>
+          </a:ln>
+        </p:spPr>
+        <p:style>
+          <a:lnRef idx="1">
+            <a:schemeClr val="accent1"/>
+          </a:lnRef>
+          <a:fillRef idx="0">
+            <a:schemeClr val="accent1"/>
+          </a:fillRef>
+          <a:effectRef idx="0">
+            <a:schemeClr val="accent1"/>
+          </a:effectRef>
+          <a:fontRef idx="minor">
+            <a:schemeClr val="tx1"/>
+          </a:fontRef>
+        </p:style>
+      </p:cxnSp>
     </p:spTree>
     <p:extLst>
       <p:ext uri="{BB962C8B-B14F-4D97-AF65-F5344CB8AC3E}">
@@ -8596,68 +12217,6 @@
           <a:chExt cx="0" cy="0"/>
         </a:xfrm>
       </p:grpSpPr>
-      <p:sp>
-        <p:nvSpPr>
-          <p:cNvPr id="4" name="Прямоугольник 3"/>
-          <p:cNvSpPr/>
-          <p:nvPr/>
-        </p:nvSpPr>
-        <p:spPr>
-          <a:xfrm>
-            <a:off x="460029" y="413788"/>
-            <a:ext cx="5567614" cy="523220"/>
-          </a:xfrm>
-          <a:prstGeom prst="rect">
-            <a:avLst/>
-          </a:prstGeom>
-          <a:solidFill>
-            <a:schemeClr val="bg1">
-              <a:alpha val="50000"/>
-            </a:schemeClr>
-          </a:solidFill>
-          <a:ln>
-            <a:solidFill>
-              <a:schemeClr val="accent1"/>
-            </a:solidFill>
-          </a:ln>
-        </p:spPr>
-        <p:txBody>
-          <a:bodyPr wrap="none">
-            <a:spAutoFit/>
-          </a:bodyPr>
-          <a:lstStyle/>
-          <a:p>
-            <a:r>
-              <a:rPr lang="uk-UA" sz="2800" dirty="0" smtClean="0">
-                <a:effectLst/>
-                <a:latin typeface="Calibri" panose="020F0502020204030204" pitchFamily="34" charset="0"/>
-                <a:ea typeface="Calibri" panose="020F0502020204030204" pitchFamily="34" charset="0"/>
-                <a:cs typeface="Times New Roman" panose="02020603050405020304" pitchFamily="18" charset="0"/>
-              </a:rPr>
-              <a:t>                           </a:t>
-            </a:r>
-            <a:r>
-              <a:rPr lang="en-US" sz="2800" dirty="0" smtClean="0">
-                <a:effectLst/>
-                <a:latin typeface="Calibri" panose="020F0502020204030204" pitchFamily="34" charset="0"/>
-                <a:ea typeface="Calibri" panose="020F0502020204030204" pitchFamily="34" charset="0"/>
-                <a:cs typeface="Times New Roman" panose="02020603050405020304" pitchFamily="18" charset="0"/>
-              </a:rPr>
-              <a:t>RW-5</a:t>
-            </a:r>
-            <a:r>
-              <a:rPr lang="uk-UA" sz="2800" dirty="0" smtClean="0">
-                <a:effectLst/>
-                <a:latin typeface="Calibri" panose="020F0502020204030204" pitchFamily="34" charset="0"/>
-                <a:ea typeface="Calibri" panose="020F0502020204030204" pitchFamily="34" charset="0"/>
-                <a:cs typeface="Times New Roman" panose="02020603050405020304" pitchFamily="18" charset="0"/>
-              </a:rPr>
-              <a:t>                             </a:t>
-            </a:r>
-            <a:endParaRPr lang="ru-RU" sz="2800" dirty="0"/>
-          </a:p>
-        </p:txBody>
-      </p:sp>
       <p:pic>
         <p:nvPicPr>
           <p:cNvPr id="5" name="Рисунок 4"/>
@@ -8666,13 +12225,13 @@
         </p:nvPicPr>
         <p:blipFill rotWithShape="1">
           <a:blip r:embed="rId2"/>
-          <a:srcRect l="481" r="-1"/>
+          <a:srcRect l="481" r="21567"/>
           <a:stretch/>
         </p:blipFill>
         <p:spPr bwMode="auto">
           <a:xfrm>
-            <a:off x="460029" y="1284870"/>
-            <a:ext cx="10969971" cy="5192130"/>
+            <a:off x="1679229" y="1406790"/>
+            <a:ext cx="8592531" cy="5192130"/>
           </a:xfrm>
           <a:prstGeom prst="rect">
             <a:avLst/>
@@ -8692,6 +12251,66 @@
           </a:extLst>
         </p:spPr>
       </p:pic>
+      <p:sp>
+        <p:nvSpPr>
+          <p:cNvPr id="6" name="Прямоугольник 5"/>
+          <p:cNvSpPr/>
+          <p:nvPr/>
+        </p:nvSpPr>
+        <p:spPr>
+          <a:xfrm>
+            <a:off x="0" y="510797"/>
+            <a:ext cx="6375097" cy="558743"/>
+          </a:xfrm>
+          <a:prstGeom prst="rect">
+            <a:avLst/>
+          </a:prstGeom>
+          <a:solidFill>
+            <a:srgbClr val="92D050">
+              <a:alpha val="80000"/>
+            </a:srgbClr>
+          </a:solidFill>
+          <a:ln>
+            <a:noFill/>
+          </a:ln>
+        </p:spPr>
+        <p:txBody>
+          <a:bodyPr wrap="square">
+            <a:spAutoFit/>
+          </a:bodyPr>
+          <a:lstStyle/>
+          <a:p>
+            <a:pPr marL="276225" algn="just">
+              <a:lnSpc>
+                <a:spcPct val="115000"/>
+              </a:lnSpc>
+              <a:spcAft>
+                <a:spcPts val="0"/>
+              </a:spcAft>
+            </a:pPr>
+            <a:r>
+              <a:rPr lang="en-US" sz="2800" b="1">
+                <a:solidFill>
+                  <a:schemeClr val="bg1"/>
+                </a:solidFill>
+                <a:latin typeface="Calibri" panose="020F0502020204030204" pitchFamily="34" charset="0"/>
+                <a:ea typeface="Calibri" panose="020F0502020204030204" pitchFamily="34" charset="0"/>
+                <a:cs typeface="Calibri" panose="020F0502020204030204" pitchFamily="34" charset="0"/>
+              </a:rPr>
+              <a:t> RW-5 </a:t>
+            </a:r>
+            <a:endParaRPr lang="ru-RU" sz="2400" dirty="0">
+              <a:solidFill>
+                <a:schemeClr val="bg1"/>
+              </a:solidFill>
+              <a:effectLst/>
+              <a:latin typeface="Calibri" panose="020F0502020204030204" pitchFamily="34" charset="0"/>
+              <a:ea typeface="Calibri" panose="020F0502020204030204" pitchFamily="34" charset="0"/>
+              <a:cs typeface="Calibri" panose="020F0502020204030204" pitchFamily="34" charset="0"/>
+            </a:endParaRPr>
+          </a:p>
+        </p:txBody>
+      </p:sp>
     </p:spTree>
     <p:extLst>
       <p:ext uri="{BB962C8B-B14F-4D97-AF65-F5344CB8AC3E}">
@@ -8729,394 +12348,84 @@
           <a:chExt cx="0" cy="0"/>
         </a:xfrm>
       </p:grpSpPr>
-      <p:sp>
-        <p:nvSpPr>
-          <p:cNvPr id="13" name="Прямоугольник 12"/>
+      <p:pic>
+        <p:nvPicPr>
+          <p:cNvPr id="6" name="Рисунок 5"/>
+          <p:cNvPicPr/>
+          <p:nvPr/>
+        </p:nvPicPr>
+        <p:blipFill>
+          <a:blip r:embed="rId2"/>
+          <a:stretch>
+            <a:fillRect/>
+          </a:stretch>
+        </p:blipFill>
+        <p:spPr>
+          <a:xfrm>
+            <a:off x="1465869" y="1295645"/>
+            <a:ext cx="8607771" cy="5409955"/>
+          </a:xfrm>
+          <a:prstGeom prst="rect">
+            <a:avLst/>
+          </a:prstGeom>
+        </p:spPr>
+      </p:pic>
+      <p:sp>
+        <p:nvSpPr>
+          <p:cNvPr id="7" name="Прямоугольник 6"/>
           <p:cNvSpPr/>
           <p:nvPr/>
         </p:nvSpPr>
         <p:spPr>
           <a:xfrm>
-            <a:off x="366916" y="271330"/>
-            <a:ext cx="11185004" cy="6187440"/>
+            <a:off x="0" y="510797"/>
+            <a:ext cx="6375097" cy="558743"/>
           </a:xfrm>
           <a:prstGeom prst="rect">
             <a:avLst/>
           </a:prstGeom>
           <a:solidFill>
-            <a:schemeClr val="bg1">
-              <a:alpha val="52000"/>
-            </a:schemeClr>
+            <a:srgbClr val="92D050">
+              <a:alpha val="80000"/>
+            </a:srgbClr>
           </a:solidFill>
+          <a:ln>
+            <a:noFill/>
+          </a:ln>
         </p:spPr>
-        <p:style>
-          <a:lnRef idx="2">
-            <a:schemeClr val="accent1">
-              <a:shade val="50000"/>
-            </a:schemeClr>
-          </a:lnRef>
-          <a:fillRef idx="1">
-            <a:schemeClr val="accent1"/>
-          </a:fillRef>
-          <a:effectRef idx="0">
-            <a:schemeClr val="accent1"/>
-          </a:effectRef>
-          <a:fontRef idx="minor">
-            <a:schemeClr val="lt1"/>
-          </a:fontRef>
-        </p:style>
-        <p:txBody>
-          <a:bodyPr rtlCol="0" anchor="ctr"/>
-          <a:lstStyle/>
-          <a:p>
-            <a:pPr algn="ctr"/>
-            <a:endParaRPr lang="ru-RU"/>
-          </a:p>
-        </p:txBody>
-      </p:sp>
-      <p:sp>
-        <p:nvSpPr>
-          <p:cNvPr id="4" name="Прямоугольник 3"/>
-          <p:cNvSpPr/>
-          <p:nvPr/>
-        </p:nvSpPr>
-        <p:spPr>
-          <a:xfrm>
-            <a:off x="534556" y="455996"/>
-            <a:ext cx="3894977" cy="523220"/>
-          </a:xfrm>
-          <a:prstGeom prst="rect">
-            <a:avLst/>
-          </a:prstGeom>
-        </p:spPr>
-        <p:txBody>
-          <a:bodyPr wrap="none">
+        <p:txBody>
+          <a:bodyPr wrap="square">
             <a:spAutoFit/>
           </a:bodyPr>
           <a:lstStyle/>
           <a:p>
-            <a:r>
-              <a:rPr lang="uk-UA" sz="2800" b="1" dirty="0" smtClean="0">
-                <a:effectLst/>
-                <a:latin typeface="Times New Roman" panose="02020603050405020304" pitchFamily="18" charset="0"/>
-                <a:ea typeface="Calibri" panose="020F0502020204030204" pitchFamily="34" charset="0"/>
-              </a:rPr>
-              <a:t>Створення конвертера</a:t>
-            </a:r>
-            <a:endParaRPr lang="ru-RU" sz="2800" dirty="0"/>
-          </a:p>
-        </p:txBody>
-      </p:sp>
-      <p:sp>
-        <p:nvSpPr>
-          <p:cNvPr id="5" name="Прямоугольник 4"/>
-          <p:cNvSpPr/>
-          <p:nvPr/>
-        </p:nvSpPr>
-        <p:spPr>
-          <a:xfrm>
-            <a:off x="5012354" y="2189980"/>
-            <a:ext cx="3155287" cy="400110"/>
-          </a:xfrm>
-          <a:prstGeom prst="rect">
-            <a:avLst/>
-          </a:prstGeom>
-        </p:spPr>
-        <p:txBody>
-          <a:bodyPr wrap="none">
-            <a:spAutoFit/>
-          </a:bodyPr>
-          <a:lstStyle/>
-          <a:p>
-            <a:r>
-              <a:rPr lang="en-US" sz="2000" b="1" dirty="0" smtClean="0">
-                <a:solidFill>
-                  <a:srgbClr val="00B050"/>
-                </a:solidFill>
-                <a:effectLst/>
-                <a:latin typeface="Times New Roman" panose="02020603050405020304" pitchFamily="18" charset="0"/>
-                <a:ea typeface="Calibri" panose="020F0502020204030204" pitchFamily="34" charset="0"/>
-              </a:rPr>
-              <a:t>HTML + CSS + JavaScript</a:t>
-            </a:r>
-            <a:endParaRPr lang="ru-RU" sz="2000" dirty="0">
+            <a:pPr marL="276225" algn="just">
+              <a:lnSpc>
+                <a:spcPct val="115000"/>
+              </a:lnSpc>
+              <a:spcAft>
+                <a:spcPts val="0"/>
+              </a:spcAft>
+            </a:pPr>
+            <a:r>
+              <a:rPr lang="en-US" sz="2800" b="1">
+                <a:solidFill>
+                  <a:schemeClr val="bg1"/>
+                </a:solidFill>
+                <a:latin typeface="Calibri" panose="020F0502020204030204" pitchFamily="34" charset="0"/>
+                <a:ea typeface="Calibri" panose="020F0502020204030204" pitchFamily="34" charset="0"/>
+                <a:cs typeface="Calibri" panose="020F0502020204030204" pitchFamily="34" charset="0"/>
+              </a:rPr>
+              <a:t> RW-5 </a:t>
+            </a:r>
+            <a:endParaRPr lang="ru-RU" sz="2400" dirty="0">
               <a:solidFill>
-                <a:srgbClr val="00B050"/>
-              </a:solidFill>
-            </a:endParaRPr>
-          </a:p>
-        </p:txBody>
-      </p:sp>
-      <p:sp>
-        <p:nvSpPr>
-          <p:cNvPr id="6" name="Прямоугольник 5"/>
-          <p:cNvSpPr/>
-          <p:nvPr/>
-        </p:nvSpPr>
-        <p:spPr>
-          <a:xfrm>
-            <a:off x="2813064" y="3365050"/>
-            <a:ext cx="2380973" cy="400110"/>
-          </a:xfrm>
-          <a:prstGeom prst="rect">
-            <a:avLst/>
-          </a:prstGeom>
-        </p:spPr>
-        <p:txBody>
-          <a:bodyPr wrap="none">
-            <a:spAutoFit/>
-          </a:bodyPr>
-          <a:lstStyle/>
-          <a:p>
-            <a:r>
-              <a:rPr lang="en-US" sz="2000" b="1" dirty="0" smtClean="0">
-                <a:solidFill>
-                  <a:srgbClr val="00B050"/>
-                </a:solidFill>
-                <a:effectLst/>
-                <a:latin typeface="Times New Roman" panose="02020603050405020304" pitchFamily="18" charset="0"/>
-                <a:ea typeface="Calibri" panose="020F0502020204030204" pitchFamily="34" charset="0"/>
-              </a:rPr>
-              <a:t>Angular framework</a:t>
-            </a:r>
-            <a:endParaRPr lang="ru-RU" sz="2000" dirty="0">
-              <a:solidFill>
-                <a:srgbClr val="00B050"/>
-              </a:solidFill>
-            </a:endParaRPr>
-          </a:p>
-        </p:txBody>
-      </p:sp>
-      <p:sp>
-        <p:nvSpPr>
-          <p:cNvPr id="7" name="Прямоугольник 6"/>
-          <p:cNvSpPr/>
-          <p:nvPr/>
-        </p:nvSpPr>
-        <p:spPr>
-          <a:xfrm>
-            <a:off x="8109215" y="3365050"/>
-            <a:ext cx="1713931" cy="400110"/>
-          </a:xfrm>
-          <a:prstGeom prst="rect">
-            <a:avLst/>
-          </a:prstGeom>
-        </p:spPr>
-        <p:txBody>
-          <a:bodyPr wrap="none">
-            <a:spAutoFit/>
-          </a:bodyPr>
-          <a:lstStyle/>
-          <a:p>
-            <a:r>
-              <a:rPr lang="en-US" sz="2000" b="1" dirty="0" smtClean="0">
-                <a:solidFill>
-                  <a:srgbClr val="00B050"/>
-                </a:solidFill>
-                <a:effectLst/>
-                <a:latin typeface="Times New Roman" panose="02020603050405020304" pitchFamily="18" charset="0"/>
-                <a:ea typeface="Calibri" panose="020F0502020204030204" pitchFamily="34" charset="0"/>
-              </a:rPr>
-              <a:t>GitHub Pages</a:t>
-            </a:r>
-            <a:endParaRPr lang="ru-RU" sz="2000" dirty="0">
-              <a:solidFill>
-                <a:srgbClr val="00B050"/>
-              </a:solidFill>
-            </a:endParaRPr>
-          </a:p>
-        </p:txBody>
-      </p:sp>
-      <p:sp>
-        <p:nvSpPr>
-          <p:cNvPr id="8" name="Прямоугольник 7"/>
-          <p:cNvSpPr/>
-          <p:nvPr/>
-        </p:nvSpPr>
-        <p:spPr>
-          <a:xfrm>
-            <a:off x="6759033" y="5546840"/>
-            <a:ext cx="2108462" cy="400110"/>
-          </a:xfrm>
-          <a:prstGeom prst="rect">
-            <a:avLst/>
-          </a:prstGeom>
-        </p:spPr>
-        <p:txBody>
-          <a:bodyPr wrap="none">
-            <a:spAutoFit/>
-          </a:bodyPr>
-          <a:lstStyle/>
-          <a:p>
-            <a:r>
-              <a:rPr lang="en-US" sz="2000" b="1" dirty="0" smtClean="0">
-                <a:solidFill>
-                  <a:srgbClr val="00B050"/>
-                </a:solidFill>
-                <a:latin typeface="Times New Roman" panose="02020603050405020304" pitchFamily="18" charset="0"/>
-              </a:rPr>
-              <a:t>Angular Material</a:t>
-            </a:r>
-            <a:endParaRPr lang="ru-RU" sz="2000" dirty="0">
-              <a:solidFill>
-                <a:srgbClr val="00B050"/>
-              </a:solidFill>
-            </a:endParaRPr>
-          </a:p>
-        </p:txBody>
-      </p:sp>
-      <p:sp>
-        <p:nvSpPr>
-          <p:cNvPr id="9" name="Прямоугольник 8"/>
-          <p:cNvSpPr/>
-          <p:nvPr/>
-        </p:nvSpPr>
-        <p:spPr>
-          <a:xfrm>
-            <a:off x="5012354" y="5546840"/>
-            <a:ext cx="646331" cy="707886"/>
-          </a:xfrm>
-          <a:prstGeom prst="rect">
-            <a:avLst/>
-          </a:prstGeom>
-        </p:spPr>
-        <p:txBody>
-          <a:bodyPr wrap="none">
-            <a:spAutoFit/>
-          </a:bodyPr>
-          <a:lstStyle/>
-          <a:p>
-            <a:r>
-              <a:rPr lang="en-US" sz="2000" b="1" dirty="0" err="1">
-                <a:solidFill>
-                  <a:srgbClr val="00B050"/>
-                </a:solidFill>
-              </a:rPr>
-              <a:t>xlsx</a:t>
-            </a:r>
-            <a:endParaRPr lang="en-US" sz="2000" b="1" dirty="0">
-              <a:solidFill>
-                <a:srgbClr val="00B050"/>
-              </a:solidFill>
-            </a:endParaRPr>
-          </a:p>
-          <a:p>
-            <a:endParaRPr lang="en-US" sz="2000" dirty="0">
-              <a:solidFill>
-                <a:srgbClr val="00B050"/>
-              </a:solidFill>
-            </a:endParaRPr>
-          </a:p>
-        </p:txBody>
-      </p:sp>
-      <p:sp>
-        <p:nvSpPr>
-          <p:cNvPr id="10" name="Прямоугольник 9"/>
-          <p:cNvSpPr/>
-          <p:nvPr/>
-        </p:nvSpPr>
-        <p:spPr>
-          <a:xfrm>
-            <a:off x="8364573" y="4634911"/>
-            <a:ext cx="1148263" cy="400110"/>
-          </a:xfrm>
-          <a:prstGeom prst="rect">
-            <a:avLst/>
-          </a:prstGeom>
-        </p:spPr>
-        <p:txBody>
-          <a:bodyPr wrap="none">
-            <a:spAutoFit/>
-          </a:bodyPr>
-          <a:lstStyle/>
-          <a:p>
-            <a:r>
-              <a:rPr lang="en-US" sz="2000" b="1" dirty="0" err="1" smtClean="0">
-                <a:solidFill>
-                  <a:srgbClr val="00B050"/>
-                </a:solidFill>
-                <a:effectLst/>
-                <a:latin typeface="Times New Roman" panose="02020603050405020304" pitchFamily="18" charset="0"/>
-                <a:ea typeface="Calibri" panose="020F0502020204030204" pitchFamily="34" charset="0"/>
-              </a:rPr>
-              <a:t>FireBase</a:t>
-            </a:r>
-            <a:endParaRPr lang="ru-RU" sz="2000" dirty="0">
-              <a:solidFill>
-                <a:srgbClr val="00B050"/>
-              </a:solidFill>
-            </a:endParaRPr>
-          </a:p>
-        </p:txBody>
-      </p:sp>
-      <p:sp>
-        <p:nvSpPr>
-          <p:cNvPr id="11" name="Прямоугольник 10"/>
-          <p:cNvSpPr/>
-          <p:nvPr/>
-        </p:nvSpPr>
-        <p:spPr>
-          <a:xfrm>
-            <a:off x="534556" y="1772023"/>
-            <a:ext cx="2618217" cy="369332"/>
-          </a:xfrm>
-          <a:prstGeom prst="rect">
-            <a:avLst/>
-          </a:prstGeom>
-        </p:spPr>
-        <p:txBody>
-          <a:bodyPr wrap="none">
-            <a:spAutoFit/>
-          </a:bodyPr>
-          <a:lstStyle/>
-          <a:p>
-            <a:r>
-              <a:rPr lang="uk-UA" b="1" dirty="0" smtClean="0">
-                <a:latin typeface="Times New Roman" panose="02020603050405020304" pitchFamily="18" charset="0"/>
-              </a:rPr>
-              <a:t>Використані технології</a:t>
-            </a:r>
-            <a:endParaRPr lang="ru-RU" dirty="0"/>
-          </a:p>
-        </p:txBody>
-      </p:sp>
-      <p:sp>
-        <p:nvSpPr>
-          <p:cNvPr id="12" name="Прямоугольник 11"/>
-          <p:cNvSpPr/>
-          <p:nvPr/>
-        </p:nvSpPr>
-        <p:spPr>
-          <a:xfrm>
-            <a:off x="3358405" y="4727244"/>
-            <a:ext cx="1172116" cy="400110"/>
-          </a:xfrm>
-          <a:prstGeom prst="rect">
-            <a:avLst/>
-          </a:prstGeom>
-        </p:spPr>
-        <p:txBody>
-          <a:bodyPr wrap="none">
-            <a:spAutoFit/>
-          </a:bodyPr>
-          <a:lstStyle/>
-          <a:p>
-            <a:r>
-              <a:rPr lang="en-US" sz="2000" b="1" dirty="0" err="1" smtClean="0">
-                <a:solidFill>
-                  <a:srgbClr val="00B050"/>
-                </a:solidFill>
-                <a:effectLst/>
-                <a:latin typeface="Consolas" panose="020B0609020204030204" pitchFamily="49" charset="0"/>
-              </a:rPr>
-              <a:t>sheetjs</a:t>
-            </a:r>
-            <a:endParaRPr lang="en-US" sz="2000" b="1" dirty="0">
-              <a:solidFill>
-                <a:srgbClr val="00B050"/>
+                <a:schemeClr val="bg1"/>
               </a:solidFill>
               <a:effectLst/>
-              <a:latin typeface="Consolas" panose="020B0609020204030204" pitchFamily="49" charset="0"/>
+              <a:latin typeface="Calibri" panose="020F0502020204030204" pitchFamily="34" charset="0"/>
+              <a:ea typeface="Calibri" panose="020F0502020204030204" pitchFamily="34" charset="0"/>
+              <a:cs typeface="Calibri" panose="020F0502020204030204" pitchFamily="34" charset="0"/>
             </a:endParaRPr>
           </a:p>
         </p:txBody>
@@ -9124,7 +12433,7 @@
     </p:spTree>
     <p:extLst>
       <p:ext uri="{BB962C8B-B14F-4D97-AF65-F5344CB8AC3E}">
-        <p14:creationId xmlns:p14="http://schemas.microsoft.com/office/powerpoint/2010/main" val="637476394"/>
+        <p14:creationId xmlns:p14="http://schemas.microsoft.com/office/powerpoint/2010/main" val="489336762"/>
       </p:ext>
     </p:extLst>
   </p:cSld>
@@ -9152,34 +12461,34 @@
         <a:sysClr val="window" lastClr="FFFFFF"/>
       </a:lt1>
       <a:dk2>
-        <a:srgbClr val="1E5155"/>
+        <a:srgbClr val="0E5580"/>
       </a:dk2>
       <a:lt2>
         <a:srgbClr val="EBEBEB"/>
       </a:lt2>
       <a:accent1>
-        <a:srgbClr val="B01513"/>
+        <a:srgbClr val="ACD433"/>
       </a:accent1>
       <a:accent2>
-        <a:srgbClr val="EA6312"/>
+        <a:srgbClr val="E6C133"/>
       </a:accent2>
       <a:accent3>
-        <a:srgbClr val="E6B729"/>
+        <a:srgbClr val="EF7A24"/>
       </a:accent3>
       <a:accent4>
-        <a:srgbClr val="6AAC90"/>
+        <a:srgbClr val="5AA0F5"/>
       </a:accent4>
       <a:accent5>
-        <a:srgbClr val="54849A"/>
+        <a:srgbClr val="75CEEC"/>
       </a:accent5>
       <a:accent6>
-        <a:srgbClr val="9E5E9B"/>
+        <a:srgbClr val="65D6A0"/>
       </a:accent6>
       <a:hlink>
-        <a:srgbClr val="58C1BA"/>
+        <a:srgbClr val="C4E46E"/>
       </a:hlink>
       <a:folHlink>
-        <a:srgbClr val="9DFFCB"/>
+        <a:srgbClr val="BDE0FB"/>
       </a:folHlink>
     </a:clrScheme>
     <a:fontScheme name="Ион">
@@ -9355,19 +12664,18 @@
           <a:gsLst>
             <a:gs pos="0">
               <a:schemeClr val="phClr">
-                <a:tint val="97000"/>
-                <a:hueMod val="88000"/>
-                <a:satMod val="130000"/>
-                <a:lumMod val="124000"/>
+                <a:tint val="92000"/>
+                <a:hueMod val="96000"/>
+                <a:satMod val="128000"/>
+                <a:lumMod val="114000"/>
               </a:schemeClr>
             </a:gs>
             <a:gs pos="100000">
               <a:schemeClr val="phClr">
-                <a:tint val="96000"/>
-                <a:shade val="88000"/>
-                <a:hueMod val="108000"/>
-                <a:satMod val="164000"/>
-                <a:lumMod val="76000"/>
+                <a:shade val="62000"/>
+                <a:hueMod val="100000"/>
+                <a:satMod val="134000"/>
+                <a:lumMod val="56000"/>
               </a:schemeClr>
             </a:gs>
           </a:gsLst>
@@ -9379,16 +12687,16 @@
           <a:blip xmlns:r="http://schemas.openxmlformats.org/officeDocument/2006/relationships" r:embed="rId1">
             <a:duotone>
               <a:schemeClr val="phClr">
-                <a:shade val="69000"/>
+                <a:shade val="62000"/>
                 <a:hueMod val="108000"/>
                 <a:satMod val="164000"/>
-                <a:lumMod val="74000"/>
+                <a:lumMod val="69000"/>
               </a:schemeClr>
               <a:schemeClr val="phClr">
                 <a:tint val="96000"/>
-                <a:hueMod val="88000"/>
-                <a:satMod val="140000"/>
-                <a:lumMod val="132000"/>
+                <a:hueMod val="90000"/>
+                <a:satMod val="130000"/>
+                <a:lumMod val="134000"/>
               </a:schemeClr>
             </a:duotone>
           </a:blip>
@@ -9401,7 +12709,7 @@
   <a:extraClrSchemeLst/>
   <a:extLst>
     <a:ext uri="{05A4C25C-085E-4340-85A3-A5531E510DB2}">
-      <thm15:themeFamily xmlns:thm15="http://schemas.microsoft.com/office/thememl/2012/main" name="Ion" id="{B8441ADB-2E43-4AF7-B97A-BD870242C6A8}" vid="{292E63A9-BB86-4E3D-B92A-7223C6510D2E}"/>
+      <thm15:themeFamily xmlns:thm15="http://schemas.microsoft.com/office/thememl/2012/main" name="Ion" id="{B8441ADB-2E43-4AF7-B97A-BD870242C6A8}" vid="{BACC050B-8757-4460-95D8-E37B46A6B421}"/>
     </a:ext>
   </a:extLst>
 </a:theme>
